--- a/docs/diagrams/SelectSequenceDiagram.pptx
+++ b/docs/diagrams/SelectSequenceDiagram.pptx
@@ -209,7 +209,7 @@
           <a:p>
             <a:fld id="{F5CC4B3F-88C1-4FFA-B1B6-F41C21DC6924}" type="datetimeFigureOut">
               <a:rPr lang="en-US" smtClean="0"/>
-              <a:t>10/29/2018</a:t>
+              <a:t>11/1/2018</a:t>
             </a:fld>
             <a:endParaRPr lang="en-US"/>
           </a:p>
@@ -655,7 +655,7 @@
           <a:p>
             <a:fld id="{78C97017-6FC3-485B-9764-EAC9E56C1D49}" type="datetimeFigureOut">
               <a:rPr lang="en-US" smtClean="0"/>
-              <a:t>10/29/2018</a:t>
+              <a:t>11/1/2018</a:t>
             </a:fld>
             <a:endParaRPr lang="en-US"/>
           </a:p>
@@ -823,7 +823,7 @@
           <a:p>
             <a:fld id="{78C97017-6FC3-485B-9764-EAC9E56C1D49}" type="datetimeFigureOut">
               <a:rPr lang="en-US" smtClean="0"/>
-              <a:t>10/29/2018</a:t>
+              <a:t>11/1/2018</a:t>
             </a:fld>
             <a:endParaRPr lang="en-US"/>
           </a:p>
@@ -1001,7 +1001,7 @@
           <a:p>
             <a:fld id="{78C97017-6FC3-485B-9764-EAC9E56C1D49}" type="datetimeFigureOut">
               <a:rPr lang="en-US" smtClean="0"/>
-              <a:t>10/29/2018</a:t>
+              <a:t>11/1/2018</a:t>
             </a:fld>
             <a:endParaRPr lang="en-US"/>
           </a:p>
@@ -1169,7 +1169,7 @@
           <a:p>
             <a:fld id="{78C97017-6FC3-485B-9764-EAC9E56C1D49}" type="datetimeFigureOut">
               <a:rPr lang="en-US" smtClean="0"/>
-              <a:t>10/29/2018</a:t>
+              <a:t>11/1/2018</a:t>
             </a:fld>
             <a:endParaRPr lang="en-US"/>
           </a:p>
@@ -1414,7 +1414,7 @@
           <a:p>
             <a:fld id="{78C97017-6FC3-485B-9764-EAC9E56C1D49}" type="datetimeFigureOut">
               <a:rPr lang="en-US" smtClean="0"/>
-              <a:t>10/29/2018</a:t>
+              <a:t>11/1/2018</a:t>
             </a:fld>
             <a:endParaRPr lang="en-US"/>
           </a:p>
@@ -1699,7 +1699,7 @@
           <a:p>
             <a:fld id="{78C97017-6FC3-485B-9764-EAC9E56C1D49}" type="datetimeFigureOut">
               <a:rPr lang="en-US" smtClean="0"/>
-              <a:t>10/29/2018</a:t>
+              <a:t>11/1/2018</a:t>
             </a:fld>
             <a:endParaRPr lang="en-US"/>
           </a:p>
@@ -2118,7 +2118,7 @@
           <a:p>
             <a:fld id="{78C97017-6FC3-485B-9764-EAC9E56C1D49}" type="datetimeFigureOut">
               <a:rPr lang="en-US" smtClean="0"/>
-              <a:t>10/29/2018</a:t>
+              <a:t>11/1/2018</a:t>
             </a:fld>
             <a:endParaRPr lang="en-US"/>
           </a:p>
@@ -2235,7 +2235,7 @@
           <a:p>
             <a:fld id="{78C97017-6FC3-485B-9764-EAC9E56C1D49}" type="datetimeFigureOut">
               <a:rPr lang="en-US" smtClean="0"/>
-              <a:t>10/29/2018</a:t>
+              <a:t>11/1/2018</a:t>
             </a:fld>
             <a:endParaRPr lang="en-US"/>
           </a:p>
@@ -2330,7 +2330,7 @@
           <a:p>
             <a:fld id="{78C97017-6FC3-485B-9764-EAC9E56C1D49}" type="datetimeFigureOut">
               <a:rPr lang="en-US" smtClean="0"/>
-              <a:t>10/29/2018</a:t>
+              <a:t>11/1/2018</a:t>
             </a:fld>
             <a:endParaRPr lang="en-US"/>
           </a:p>
@@ -2605,7 +2605,7 @@
           <a:p>
             <a:fld id="{78C97017-6FC3-485B-9764-EAC9E56C1D49}" type="datetimeFigureOut">
               <a:rPr lang="en-US" smtClean="0"/>
-              <a:t>10/29/2018</a:t>
+              <a:t>11/1/2018</a:t>
             </a:fld>
             <a:endParaRPr lang="en-US"/>
           </a:p>
@@ -2857,7 +2857,7 @@
           <a:p>
             <a:fld id="{78C97017-6FC3-485B-9764-EAC9E56C1D49}" type="datetimeFigureOut">
               <a:rPr lang="en-US" smtClean="0"/>
-              <a:t>10/29/2018</a:t>
+              <a:t>11/1/2018</a:t>
             </a:fld>
             <a:endParaRPr lang="en-US"/>
           </a:p>
@@ -3068,7 +3068,7 @@
           <a:p>
             <a:fld id="{78C97017-6FC3-485B-9764-EAC9E56C1D49}" type="datetimeFigureOut">
               <a:rPr lang="en-US" smtClean="0"/>
-              <a:t>10/29/2018</a:t>
+              <a:t>11/1/2018</a:t>
             </a:fld>
             <a:endParaRPr lang="en-US"/>
           </a:p>
@@ -3726,8 +3726,8 @@
         </p:nvSpPr>
         <p:spPr>
           <a:xfrm>
-            <a:off x="3437188" y="423022"/>
-            <a:ext cx="1219200" cy="467684"/>
+            <a:off x="3437187" y="423022"/>
+            <a:ext cx="1455626" cy="467684"/>
           </a:xfrm>
           <a:prstGeom prst="rect">
             <a:avLst/>
@@ -3767,18 +3767,15 @@
                   <a:schemeClr val="bg1"/>
                 </a:solidFill>
               </a:rPr>
-              <a:t>:Address</a:t>
-            </a:r>
-          </a:p>
-          <a:p>
-            <a:pPr algn="ctr"/>
+              <a:t>:</a:t>
+            </a:r>
             <a:r>
               <a:rPr lang="en-US" sz="1600" dirty="0" err="1">
                 <a:solidFill>
                   <a:schemeClr val="bg1"/>
                 </a:solidFill>
               </a:rPr>
-              <a:t>BookParser</a:t>
+              <a:t>PiconsoParser</a:t>
             </a:r>
             <a:endParaRPr lang="en-SG" sz="1600" dirty="0">
               <a:solidFill>
@@ -5115,8 +5112,8 @@
         </p:nvSpPr>
         <p:spPr>
           <a:xfrm>
-            <a:off x="7544541" y="2819400"/>
-            <a:ext cx="1175072" cy="184666"/>
+            <a:off x="7239000" y="2819400"/>
+            <a:ext cx="1599459" cy="184666"/>
           </a:xfrm>
           <a:prstGeom prst="rect">
             <a:avLst/>
@@ -5149,7 +5146,7 @@
                   <a:srgbClr val="7030A0"/>
                 </a:solidFill>
               </a:rPr>
-              <a:t>getCurrDirectory</a:t>
+              <a:t>getCurrImageListBatch</a:t>
             </a:r>
             <a:r>
               <a:rPr lang="en-US" sz="1200" dirty="0">

--- a/docs/diagrams/SelectSequenceDiagram.pptx
+++ b/docs/diagrams/SelectSequenceDiagram.pptx
@@ -209,7 +209,7 @@
           <a:p>
             <a:fld id="{F5CC4B3F-88C1-4FFA-B1B6-F41C21DC6924}" type="datetimeFigureOut">
               <a:rPr lang="en-US" smtClean="0"/>
-              <a:t>11/1/2018</a:t>
+              <a:t>11/10/2018</a:t>
             </a:fld>
             <a:endParaRPr lang="en-US"/>
           </a:p>
@@ -655,7 +655,7 @@
           <a:p>
             <a:fld id="{78C97017-6FC3-485B-9764-EAC9E56C1D49}" type="datetimeFigureOut">
               <a:rPr lang="en-US" smtClean="0"/>
-              <a:t>11/1/2018</a:t>
+              <a:t>11/10/2018</a:t>
             </a:fld>
             <a:endParaRPr lang="en-US"/>
           </a:p>
@@ -823,7 +823,7 @@
           <a:p>
             <a:fld id="{78C97017-6FC3-485B-9764-EAC9E56C1D49}" type="datetimeFigureOut">
               <a:rPr lang="en-US" smtClean="0"/>
-              <a:t>11/1/2018</a:t>
+              <a:t>11/10/2018</a:t>
             </a:fld>
             <a:endParaRPr lang="en-US"/>
           </a:p>
@@ -1001,7 +1001,7 @@
           <a:p>
             <a:fld id="{78C97017-6FC3-485B-9764-EAC9E56C1D49}" type="datetimeFigureOut">
               <a:rPr lang="en-US" smtClean="0"/>
-              <a:t>11/1/2018</a:t>
+              <a:t>11/10/2018</a:t>
             </a:fld>
             <a:endParaRPr lang="en-US"/>
           </a:p>
@@ -1169,7 +1169,7 @@
           <a:p>
             <a:fld id="{78C97017-6FC3-485B-9764-EAC9E56C1D49}" type="datetimeFigureOut">
               <a:rPr lang="en-US" smtClean="0"/>
-              <a:t>11/1/2018</a:t>
+              <a:t>11/10/2018</a:t>
             </a:fld>
             <a:endParaRPr lang="en-US"/>
           </a:p>
@@ -1414,7 +1414,7 @@
           <a:p>
             <a:fld id="{78C97017-6FC3-485B-9764-EAC9E56C1D49}" type="datetimeFigureOut">
               <a:rPr lang="en-US" smtClean="0"/>
-              <a:t>11/1/2018</a:t>
+              <a:t>11/10/2018</a:t>
             </a:fld>
             <a:endParaRPr lang="en-US"/>
           </a:p>
@@ -1699,7 +1699,7 @@
           <a:p>
             <a:fld id="{78C97017-6FC3-485B-9764-EAC9E56C1D49}" type="datetimeFigureOut">
               <a:rPr lang="en-US" smtClean="0"/>
-              <a:t>11/1/2018</a:t>
+              <a:t>11/10/2018</a:t>
             </a:fld>
             <a:endParaRPr lang="en-US"/>
           </a:p>
@@ -2118,7 +2118,7 @@
           <a:p>
             <a:fld id="{78C97017-6FC3-485B-9764-EAC9E56C1D49}" type="datetimeFigureOut">
               <a:rPr lang="en-US" smtClean="0"/>
-              <a:t>11/1/2018</a:t>
+              <a:t>11/10/2018</a:t>
             </a:fld>
             <a:endParaRPr lang="en-US"/>
           </a:p>
@@ -2235,7 +2235,7 @@
           <a:p>
             <a:fld id="{78C97017-6FC3-485B-9764-EAC9E56C1D49}" type="datetimeFigureOut">
               <a:rPr lang="en-US" smtClean="0"/>
-              <a:t>11/1/2018</a:t>
+              <a:t>11/10/2018</a:t>
             </a:fld>
             <a:endParaRPr lang="en-US"/>
           </a:p>
@@ -2330,7 +2330,7 @@
           <a:p>
             <a:fld id="{78C97017-6FC3-485B-9764-EAC9E56C1D49}" type="datetimeFigureOut">
               <a:rPr lang="en-US" smtClean="0"/>
-              <a:t>11/1/2018</a:t>
+              <a:t>11/10/2018</a:t>
             </a:fld>
             <a:endParaRPr lang="en-US"/>
           </a:p>
@@ -2605,7 +2605,7 @@
           <a:p>
             <a:fld id="{78C97017-6FC3-485B-9764-EAC9E56C1D49}" type="datetimeFigureOut">
               <a:rPr lang="en-US" smtClean="0"/>
-              <a:t>11/1/2018</a:t>
+              <a:t>11/10/2018</a:t>
             </a:fld>
             <a:endParaRPr lang="en-US"/>
           </a:p>
@@ -2857,7 +2857,7 @@
           <a:p>
             <a:fld id="{78C97017-6FC3-485B-9764-EAC9E56C1D49}" type="datetimeFigureOut">
               <a:rPr lang="en-US" smtClean="0"/>
-              <a:t>11/1/2018</a:t>
+              <a:t>11/10/2018</a:t>
             </a:fld>
             <a:endParaRPr lang="en-US"/>
           </a:p>
@@ -3068,7 +3068,7 @@
           <a:p>
             <a:fld id="{78C97017-6FC3-485B-9764-EAC9E56C1D49}" type="datetimeFigureOut">
               <a:rPr lang="en-US" smtClean="0"/>
-              <a:t>11/1/2018</a:t>
+              <a:t>11/10/2018</a:t>
             </a:fld>
             <a:endParaRPr lang="en-US"/>
           </a:p>
@@ -3451,8 +3451,8 @@
         </p:nvSpPr>
         <p:spPr>
           <a:xfrm>
-            <a:off x="6485114" y="163019"/>
-            <a:ext cx="6055550" cy="5247181"/>
+            <a:off x="6561405" y="163018"/>
+            <a:ext cx="4147728" cy="7761767"/>
           </a:xfrm>
           <a:prstGeom prst="roundRect">
             <a:avLst>
@@ -3512,8 +3512,8 @@
         </p:nvSpPr>
         <p:spPr>
           <a:xfrm>
-            <a:off x="467813" y="163018"/>
-            <a:ext cx="5863964" cy="5247182"/>
+            <a:off x="196655" y="163017"/>
+            <a:ext cx="6399396" cy="7761774"/>
           </a:xfrm>
           <a:prstGeom prst="roundRect">
             <a:avLst>
@@ -3643,7 +3643,7 @@
         <p:spPr>
           <a:xfrm>
             <a:off x="1610959" y="907617"/>
-            <a:ext cx="0" cy="4350183"/>
+            <a:ext cx="0" cy="6178983"/>
           </a:xfrm>
           <a:prstGeom prst="line">
             <a:avLst/>
@@ -3679,8 +3679,8 @@
         </p:nvSpPr>
         <p:spPr>
           <a:xfrm>
-            <a:off x="1530029" y="1258311"/>
-            <a:ext cx="161322" cy="3847087"/>
+            <a:off x="1530029" y="1258310"/>
+            <a:ext cx="176935" cy="6437861"/>
           </a:xfrm>
           <a:prstGeom prst="rect">
             <a:avLst/>
@@ -3888,7 +3888,7 @@
         <p:spPr>
           <a:xfrm>
             <a:off x="5602082" y="1613633"/>
-            <a:ext cx="0" cy="3415567"/>
+            <a:ext cx="21631" cy="5973357"/>
           </a:xfrm>
           <a:prstGeom prst="line">
             <a:avLst/>
@@ -4007,8 +4007,8 @@
         </p:nvSpPr>
         <p:spPr>
           <a:xfrm>
-            <a:off x="457200" y="1245513"/>
-            <a:ext cx="1114338" cy="430887"/>
+            <a:off x="234228" y="1245513"/>
+            <a:ext cx="1337310" cy="646331"/>
           </a:xfrm>
           <a:prstGeom prst="rect">
             <a:avLst/>
@@ -4039,23 +4039,7 @@
                   <a:srgbClr val="0070C0"/>
                 </a:solidFill>
               </a:rPr>
-              <a:t>(“select &lt;</a:t>
-            </a:r>
-            <a:r>
-              <a:rPr lang="en-US" sz="1400" dirty="0" err="1">
-                <a:solidFill>
-                  <a:srgbClr val="0070C0"/>
-                </a:solidFill>
-              </a:rPr>
-              <a:t>idx</a:t>
-            </a:r>
-            <a:r>
-              <a:rPr lang="en-US" sz="1400" dirty="0">
-                <a:solidFill>
-                  <a:srgbClr val="0070C0"/>
-                </a:solidFill>
-              </a:rPr>
-              <a:t>&gt;”)</a:t>
+              <a:t>(“canvas &lt;arguments&gt;”)</a:t>
             </a:r>
           </a:p>
         </p:txBody>
@@ -4225,7 +4209,7 @@
         </p:nvCxnSpPr>
         <p:spPr>
           <a:xfrm>
-            <a:off x="380999" y="5105400"/>
+            <a:off x="380999" y="6798299"/>
             <a:ext cx="1196051" cy="0"/>
           </a:xfrm>
           <a:prstGeom prst="straightConnector1">
@@ -4263,8 +4247,8 @@
         </p:nvSpPr>
         <p:spPr>
           <a:xfrm>
-            <a:off x="5526488" y="2731313"/>
-            <a:ext cx="151794" cy="2178489"/>
+            <a:off x="5526488" y="2731312"/>
+            <a:ext cx="194450" cy="4779483"/>
           </a:xfrm>
           <a:prstGeom prst="rect">
             <a:avLst/>
@@ -4304,14 +4288,14 @@
       </p:sp>
       <p:sp>
         <p:nvSpPr>
-          <p:cNvPr id="79" name="TextBox 78"/>
+          <p:cNvPr id="80" name="TextBox 79"/>
           <p:cNvSpPr txBox="1"/>
           <p:nvPr/>
         </p:nvSpPr>
         <p:spPr>
           <a:xfrm>
-            <a:off x="5755507" y="2748246"/>
-            <a:ext cx="1483493" cy="184666"/>
+            <a:off x="1885189" y="1106150"/>
+            <a:ext cx="1899551" cy="215444"/>
           </a:xfrm>
           <a:prstGeom prst="rect">
             <a:avLst/>
@@ -4336,37 +4320,26 @@
           </a:lstStyle>
           <a:p>
             <a:r>
-              <a:rPr lang="en-US" sz="1200" dirty="0" err="1">
-                <a:solidFill>
-                  <a:schemeClr val="accent4">
-                    <a:lumMod val="75000"/>
-                  </a:schemeClr>
-                </a:solidFill>
-              </a:rPr>
-              <a:t>getDirectoryImageList</a:t>
-            </a:r>
-            <a:r>
-              <a:rPr lang="en-US" sz="1200" dirty="0">
-                <a:solidFill>
-                  <a:srgbClr val="7030A0"/>
-                </a:solidFill>
-              </a:rPr>
-              <a:t>()</a:t>
-            </a:r>
-            <a:endParaRPr lang="en-US" sz="1200" dirty="0"/>
-          </a:p>
-        </p:txBody>
-      </p:sp>
-      <p:sp>
-        <p:nvSpPr>
-          <p:cNvPr id="80" name="TextBox 79"/>
+              <a:rPr lang="en-US" dirty="0" err="1"/>
+              <a:t>parseCommand</a:t>
+            </a:r>
+            <a:r>
+              <a:rPr lang="en-US" dirty="0"/>
+              <a:t>(“canvas”)</a:t>
+            </a:r>
+          </a:p>
+        </p:txBody>
+      </p:sp>
+      <p:sp>
+        <p:nvSpPr>
+          <p:cNvPr id="82" name="TextBox 81"/>
           <p:cNvSpPr txBox="1"/>
           <p:nvPr/>
         </p:nvSpPr>
         <p:spPr>
           <a:xfrm>
-            <a:off x="1885189" y="1106150"/>
-            <a:ext cx="1899551" cy="215444"/>
+            <a:off x="3272755" y="4388982"/>
+            <a:ext cx="621216" cy="236988"/>
           </a:xfrm>
           <a:prstGeom prst="rect">
             <a:avLst/>
@@ -4391,26 +4364,22 @@
           </a:lstStyle>
           <a:p>
             <a:r>
-              <a:rPr lang="en-US" dirty="0" err="1"/>
-              <a:t>parseCommand</a:t>
-            </a:r>
-            <a:r>
               <a:rPr lang="en-US" dirty="0"/>
-              <a:t>(“select”)</a:t>
-            </a:r>
-          </a:p>
-        </p:txBody>
-      </p:sp>
-      <p:sp>
-        <p:nvSpPr>
-          <p:cNvPr id="82" name="TextBox 81"/>
+              <a:t>result</a:t>
+            </a:r>
+          </a:p>
+        </p:txBody>
+      </p:sp>
+      <p:sp>
+        <p:nvSpPr>
+          <p:cNvPr id="83" name="TextBox 82"/>
           <p:cNvSpPr txBox="1"/>
           <p:nvPr/>
         </p:nvSpPr>
         <p:spPr>
           <a:xfrm>
-            <a:off x="3272755" y="4661356"/>
-            <a:ext cx="621216" cy="215444"/>
+            <a:off x="279654" y="6561846"/>
+            <a:ext cx="762000" cy="215444"/>
           </a:xfrm>
           <a:prstGeom prst="rect">
             <a:avLst/>
@@ -4443,14 +4412,14 @@
       </p:sp>
       <p:sp>
         <p:nvSpPr>
-          <p:cNvPr id="83" name="TextBox 82"/>
+          <p:cNvPr id="93" name="TextBox 92"/>
           <p:cNvSpPr txBox="1"/>
           <p:nvPr/>
         </p:nvSpPr>
         <p:spPr>
           <a:xfrm>
-            <a:off x="645270" y="4860301"/>
-            <a:ext cx="762000" cy="215444"/>
+            <a:off x="2499094" y="1905793"/>
+            <a:ext cx="580960" cy="215444"/>
           </a:xfrm>
           <a:prstGeom prst="rect">
             <a:avLst/>
@@ -4476,21 +4445,21 @@
           <a:p>
             <a:r>
               <a:rPr lang="en-US" dirty="0"/>
-              <a:t>result</a:t>
-            </a:r>
-          </a:p>
-        </p:txBody>
-      </p:sp>
-      <p:sp>
-        <p:nvSpPr>
-          <p:cNvPr id="84" name="Rectangle 62"/>
+              <a:t>canvas</a:t>
+            </a:r>
+          </a:p>
+        </p:txBody>
+      </p:sp>
+      <p:sp>
+        <p:nvSpPr>
+          <p:cNvPr id="40" name="Rectangle 62"/>
           <p:cNvSpPr/>
           <p:nvPr/>
         </p:nvSpPr>
         <p:spPr>
           <a:xfrm>
-            <a:off x="8230341" y="2438400"/>
-            <a:ext cx="1294659" cy="244173"/>
+            <a:off x="6855306" y="2362200"/>
+            <a:ext cx="841636" cy="300180"/>
           </a:xfrm>
           <a:prstGeom prst="rect">
             <a:avLst/>
@@ -4530,15 +4499,7 @@
                   <a:schemeClr val="bg1"/>
                 </a:solidFill>
               </a:rPr>
-              <a:t>:</a:t>
-            </a:r>
-            <a:r>
-              <a:rPr lang="en-US" sz="1600" dirty="0" err="1">
-                <a:solidFill>
-                  <a:schemeClr val="bg1"/>
-                </a:solidFill>
-              </a:rPr>
-              <a:t>UserPrefs</a:t>
+              <a:t>: Model</a:t>
             </a:r>
             <a:endParaRPr lang="en-SG" sz="1600" dirty="0">
               <a:solidFill>
@@ -4548,63 +4509,55 @@
           </a:p>
         </p:txBody>
       </p:sp>
-      <p:sp>
-        <p:nvSpPr>
-          <p:cNvPr id="86" name="Rectangle 85"/>
-          <p:cNvSpPr/>
-          <p:nvPr/>
-        </p:nvSpPr>
-        <p:spPr>
-          <a:xfrm>
-            <a:off x="8805410" y="3010906"/>
-            <a:ext cx="141935" cy="195819"/>
-          </a:xfrm>
-          <a:prstGeom prst="rect">
-            <a:avLst/>
-          </a:prstGeom>
-          <a:solidFill>
-            <a:srgbClr val="7030A0"/>
-          </a:solidFill>
-          <a:ln>
+      <p:cxnSp>
+        <p:nvCxnSpPr>
+          <p:cNvPr id="46" name="Straight Connector 45"/>
+          <p:cNvCxnSpPr>
+            <a:cxnSpLocks/>
+          </p:cNvCxnSpPr>
+          <p:nvPr/>
+        </p:nvCxnSpPr>
+        <p:spPr>
+          <a:xfrm>
+            <a:off x="7295992" y="2653306"/>
+            <a:ext cx="0" cy="4814294"/>
+          </a:xfrm>
+          <a:prstGeom prst="line">
+            <a:avLst/>
+          </a:prstGeom>
+          <a:ln w="19050">
             <a:solidFill>
               <a:srgbClr val="7030A0"/>
             </a:solidFill>
+            <a:prstDash val="sysDash"/>
           </a:ln>
           <a:effectLst/>
         </p:spPr>
         <p:style>
           <a:lnRef idx="1">
-            <a:schemeClr val="accent3"/>
+            <a:schemeClr val="accent1"/>
           </a:lnRef>
           <a:fillRef idx="2">
-            <a:schemeClr val="accent3"/>
+            <a:schemeClr val="accent1"/>
           </a:fillRef>
           <a:effectRef idx="1">
-            <a:schemeClr val="accent3"/>
+            <a:schemeClr val="accent1"/>
           </a:effectRef>
           <a:fontRef idx="minor">
             <a:schemeClr val="dk1"/>
           </a:fontRef>
         </p:style>
-        <p:txBody>
-          <a:bodyPr rtlCol="0" anchor="ctr"/>
-          <a:lstStyle/>
-          <a:p>
-            <a:pPr algn="ctr"/>
-            <a:endParaRPr lang="en-SG" sz="1400" dirty="0"/>
-          </a:p>
-        </p:txBody>
-      </p:sp>
-      <p:sp>
-        <p:nvSpPr>
-          <p:cNvPr id="93" name="TextBox 92"/>
+      </p:cxnSp>
+      <p:sp>
+        <p:nvSpPr>
+          <p:cNvPr id="4" name="TextBox 3"/>
           <p:cNvSpPr txBox="1"/>
           <p:nvPr/>
         </p:nvSpPr>
         <p:spPr>
           <a:xfrm>
-            <a:off x="2499094" y="1905793"/>
-            <a:ext cx="446042" cy="215444"/>
+            <a:off x="5494511" y="7586990"/>
+            <a:ext cx="258404" cy="261610"/>
           </a:xfrm>
           <a:prstGeom prst="rect">
             <a:avLst/>
@@ -4612,49 +4565,42 @@
           <a:noFill/>
         </p:spPr>
         <p:txBody>
-          <a:bodyPr wrap="square" lIns="0" tIns="0" rIns="0" bIns="0" rtlCol="0">
+          <a:bodyPr wrap="none" rtlCol="0">
             <a:spAutoFit/>
           </a:bodyPr>
-          <a:lstStyle>
-            <a:defPPr>
-              <a:defRPr lang="en-US"/>
-            </a:defPPr>
-            <a:lvl1pPr algn="r">
-              <a:defRPr sz="1400">
+          <a:lstStyle/>
+          <a:p>
+            <a:r>
+              <a:rPr lang="en-SG" sz="1100" dirty="0">
                 <a:solidFill>
-                  <a:srgbClr val="0070C0"/>
+                  <a:srgbClr val="002060"/>
                 </a:solidFill>
-              </a:defRPr>
-            </a:lvl1pPr>
-          </a:lstStyle>
-          <a:p>
-            <a:r>
-              <a:rPr lang="en-US" dirty="0"/>
-              <a:t>select</a:t>
-            </a:r>
-          </a:p>
-        </p:txBody>
-      </p:sp>
-      <p:sp>
-        <p:nvSpPr>
-          <p:cNvPr id="40" name="Rectangle 62"/>
+              </a:rPr>
+              <a:t>X</a:t>
+            </a:r>
+          </a:p>
+        </p:txBody>
+      </p:sp>
+      <p:sp>
+        <p:nvSpPr>
+          <p:cNvPr id="19" name="Rectangle 62"/>
           <p:cNvSpPr/>
           <p:nvPr/>
         </p:nvSpPr>
         <p:spPr>
           <a:xfrm>
-            <a:off x="6855306" y="2362200"/>
-            <a:ext cx="841636" cy="300180"/>
+            <a:off x="4952599" y="1295400"/>
+            <a:ext cx="1371587" cy="461538"/>
           </a:xfrm>
           <a:prstGeom prst="rect">
             <a:avLst/>
           </a:prstGeom>
           <a:solidFill>
-            <a:srgbClr val="7030A0"/>
+            <a:srgbClr val="0070C0"/>
           </a:solidFill>
           <a:ln w="19050">
             <a:solidFill>
-              <a:srgbClr val="7030A0"/>
+              <a:srgbClr val="0070C0"/>
             </a:solidFill>
           </a:ln>
           <a:effectLst/>
@@ -4679,228 +4625,12 @@
           <a:p>
             <a:pPr algn="ctr"/>
             <a:r>
-              <a:rPr lang="en-US" sz="1600" dirty="0">
-                <a:solidFill>
-                  <a:schemeClr val="bg1"/>
-                </a:solidFill>
-              </a:rPr>
-              <a:t>: Model</a:t>
-            </a:r>
-            <a:endParaRPr lang="en-SG" sz="1600" dirty="0">
-              <a:solidFill>
-                <a:schemeClr val="bg1"/>
-              </a:solidFill>
-            </a:endParaRPr>
-          </a:p>
-        </p:txBody>
-      </p:sp>
-      <p:cxnSp>
-        <p:nvCxnSpPr>
-          <p:cNvPr id="46" name="Straight Connector 45"/>
-          <p:cNvCxnSpPr>
-            <a:cxnSpLocks/>
-          </p:cNvCxnSpPr>
-          <p:nvPr/>
-        </p:nvCxnSpPr>
-        <p:spPr>
-          <a:xfrm>
-            <a:off x="7295992" y="2653306"/>
-            <a:ext cx="2486" cy="2417965"/>
-          </a:xfrm>
-          <a:prstGeom prst="line">
-            <a:avLst/>
-          </a:prstGeom>
-          <a:ln w="19050">
-            <a:solidFill>
-              <a:srgbClr val="7030A0"/>
-            </a:solidFill>
-            <a:prstDash val="sysDash"/>
-          </a:ln>
-          <a:effectLst/>
-        </p:spPr>
-        <p:style>
-          <a:lnRef idx="1">
-            <a:schemeClr val="accent1"/>
-          </a:lnRef>
-          <a:fillRef idx="2">
-            <a:schemeClr val="accent1"/>
-          </a:fillRef>
-          <a:effectRef idx="1">
-            <a:schemeClr val="accent1"/>
-          </a:effectRef>
-          <a:fontRef idx="minor">
-            <a:schemeClr val="dk1"/>
-          </a:fontRef>
-        </p:style>
-      </p:cxnSp>
-      <p:sp>
-        <p:nvSpPr>
-          <p:cNvPr id="49" name="Rectangle 48"/>
-          <p:cNvSpPr/>
-          <p:nvPr/>
-        </p:nvSpPr>
-        <p:spPr>
-          <a:xfrm>
-            <a:off x="7193068" y="2958107"/>
-            <a:ext cx="152505" cy="375718"/>
-          </a:xfrm>
-          <a:prstGeom prst="rect">
-            <a:avLst/>
-          </a:prstGeom>
-          <a:solidFill>
-            <a:srgbClr val="7030A0"/>
-          </a:solidFill>
-          <a:ln>
-            <a:solidFill>
-              <a:srgbClr val="7030A0"/>
-            </a:solidFill>
-          </a:ln>
-          <a:effectLst/>
-        </p:spPr>
-        <p:style>
-          <a:lnRef idx="1">
-            <a:schemeClr val="accent3"/>
-          </a:lnRef>
-          <a:fillRef idx="2">
-            <a:schemeClr val="accent3"/>
-          </a:fillRef>
-          <a:effectRef idx="1">
-            <a:schemeClr val="accent3"/>
-          </a:effectRef>
-          <a:fontRef idx="minor">
-            <a:schemeClr val="dk1"/>
-          </a:fontRef>
-        </p:style>
-        <p:txBody>
-          <a:bodyPr rtlCol="0" anchor="ctr"/>
-          <a:lstStyle/>
-          <a:p>
-            <a:pPr algn="ctr"/>
-            <a:endParaRPr lang="en-SG" sz="1400"/>
-          </a:p>
-        </p:txBody>
-      </p:sp>
-      <p:cxnSp>
-        <p:nvCxnSpPr>
-          <p:cNvPr id="50" name="Straight Arrow Connector 49"/>
-          <p:cNvCxnSpPr>
-            <a:cxnSpLocks/>
-          </p:cNvCxnSpPr>
-          <p:nvPr/>
-        </p:nvCxnSpPr>
-        <p:spPr>
-          <a:xfrm>
-            <a:off x="5685755" y="2975344"/>
-            <a:ext cx="1507313" cy="0"/>
-          </a:xfrm>
-          <a:prstGeom prst="straightConnector1">
-            <a:avLst/>
-          </a:prstGeom>
-          <a:ln w="19050">
-            <a:solidFill>
-              <a:srgbClr val="0070C0"/>
-            </a:solidFill>
-            <a:tailEnd type="arrow"/>
-          </a:ln>
-        </p:spPr>
-        <p:style>
-          <a:lnRef idx="1">
-            <a:schemeClr val="accent1"/>
-          </a:lnRef>
-          <a:fillRef idx="0">
-            <a:schemeClr val="accent1"/>
-          </a:fillRef>
-          <a:effectRef idx="0">
-            <a:schemeClr val="accent1"/>
-          </a:effectRef>
-          <a:fontRef idx="minor">
-            <a:schemeClr val="tx1"/>
-          </a:fontRef>
-        </p:style>
-      </p:cxnSp>
-      <p:sp>
-        <p:nvSpPr>
-          <p:cNvPr id="4" name="TextBox 3"/>
-          <p:cNvSpPr txBox="1"/>
-          <p:nvPr/>
-        </p:nvSpPr>
-        <p:spPr>
-          <a:xfrm>
-            <a:off x="5472880" y="5029200"/>
-            <a:ext cx="258404" cy="261610"/>
-          </a:xfrm>
-          <a:prstGeom prst="rect">
-            <a:avLst/>
-          </a:prstGeom>
-          <a:noFill/>
-        </p:spPr>
-        <p:txBody>
-          <a:bodyPr wrap="none" rtlCol="0">
-            <a:spAutoFit/>
-          </a:bodyPr>
-          <a:lstStyle/>
-          <a:p>
-            <a:r>
-              <a:rPr lang="en-SG" sz="1100" dirty="0">
-                <a:solidFill>
-                  <a:srgbClr val="002060"/>
-                </a:solidFill>
-              </a:rPr>
-              <a:t>X</a:t>
-            </a:r>
-          </a:p>
-        </p:txBody>
-      </p:sp>
-      <p:sp>
-        <p:nvSpPr>
-          <p:cNvPr id="19" name="Rectangle 62"/>
-          <p:cNvSpPr/>
-          <p:nvPr/>
-        </p:nvSpPr>
-        <p:spPr>
-          <a:xfrm>
-            <a:off x="4952599" y="1295400"/>
-            <a:ext cx="1295801" cy="461538"/>
-          </a:xfrm>
-          <a:prstGeom prst="rect">
-            <a:avLst/>
-          </a:prstGeom>
-          <a:solidFill>
-            <a:srgbClr val="0070C0"/>
-          </a:solidFill>
-          <a:ln w="19050">
-            <a:solidFill>
-              <a:srgbClr val="0070C0"/>
-            </a:solidFill>
-          </a:ln>
-          <a:effectLst/>
-        </p:spPr>
-        <p:style>
-          <a:lnRef idx="1">
-            <a:schemeClr val="accent2"/>
-          </a:lnRef>
-          <a:fillRef idx="2">
-            <a:schemeClr val="accent2"/>
-          </a:fillRef>
-          <a:effectRef idx="1">
-            <a:schemeClr val="accent2"/>
-          </a:effectRef>
-          <a:fontRef idx="minor">
-            <a:schemeClr val="dk1"/>
-          </a:fontRef>
-        </p:style>
-        <p:txBody>
-          <a:bodyPr rtlCol="0" anchor="ctr"/>
-          <a:lstStyle/>
-          <a:p>
-            <a:pPr algn="ctr"/>
-            <a:r>
               <a:rPr lang="en-US" sz="1600" dirty="0" err="1">
                 <a:solidFill>
                   <a:schemeClr val="bg1"/>
                 </a:solidFill>
               </a:rPr>
-              <a:t>select:Select</a:t>
+              <a:t>canvas:Canvas</a:t>
             </a:r>
             <a:br>
               <a:rPr lang="en-US" sz="1600" dirty="0">
@@ -5029,7 +4759,7 @@
         </p:nvCxnSpPr>
         <p:spPr>
           <a:xfrm>
-            <a:off x="1691351" y="4909802"/>
+            <a:off x="1691351" y="4648200"/>
             <a:ext cx="3831517" cy="0"/>
           </a:xfrm>
           <a:prstGeom prst="straightConnector1">
@@ -5059,12 +4789,65 @@
           </a:fontRef>
         </p:style>
       </p:cxnSp>
+      <p:sp>
+        <p:nvSpPr>
+          <p:cNvPr id="54" name="Rectangle 53">
+            <a:extLst>
+              <a:ext uri="{FF2B5EF4-FFF2-40B4-BE49-F238E27FC236}">
+                <a16:creationId xmlns:a16="http://schemas.microsoft.com/office/drawing/2014/main" id="{89CA0E73-D056-42E5-88A3-4CD2AA6A492D}"/>
+              </a:ext>
+            </a:extLst>
+          </p:cNvPr>
+          <p:cNvSpPr/>
+          <p:nvPr/>
+        </p:nvSpPr>
+        <p:spPr>
+          <a:xfrm>
+            <a:off x="7195746" y="4143873"/>
+            <a:ext cx="152505" cy="375718"/>
+          </a:xfrm>
+          <a:prstGeom prst="rect">
+            <a:avLst/>
+          </a:prstGeom>
+          <a:solidFill>
+            <a:srgbClr val="7030A0"/>
+          </a:solidFill>
+          <a:ln>
+            <a:solidFill>
+              <a:srgbClr val="7030A0"/>
+            </a:solidFill>
+          </a:ln>
+          <a:effectLst/>
+        </p:spPr>
+        <p:style>
+          <a:lnRef idx="1">
+            <a:schemeClr val="accent3"/>
+          </a:lnRef>
+          <a:fillRef idx="2">
+            <a:schemeClr val="accent3"/>
+          </a:fillRef>
+          <a:effectRef idx="1">
+            <a:schemeClr val="accent3"/>
+          </a:effectRef>
+          <a:fontRef idx="minor">
+            <a:schemeClr val="dk1"/>
+          </a:fontRef>
+        </p:style>
+        <p:txBody>
+          <a:bodyPr rtlCol="0" anchor="ctr"/>
+          <a:lstStyle/>
+          <a:p>
+            <a:pPr algn="ctr"/>
+            <a:endParaRPr lang="en-SG" sz="1400"/>
+          </a:p>
+        </p:txBody>
+      </p:sp>
       <p:cxnSp>
         <p:nvCxnSpPr>
-          <p:cNvPr id="89" name="Straight Connector 88">
+          <p:cNvPr id="55" name="Straight Arrow Connector 54">
             <a:extLst>
               <a:ext uri="{FF2B5EF4-FFF2-40B4-BE49-F238E27FC236}">
-                <a16:creationId xmlns:a16="http://schemas.microsoft.com/office/drawing/2014/main" id="{E4E1C8CA-49DF-45D8-80A5-D5C8282EE927}"/>
+                <a16:creationId xmlns:a16="http://schemas.microsoft.com/office/drawing/2014/main" id="{FF72696D-5412-4E4B-9C96-7F57AE42A008}"/>
               </a:ext>
             </a:extLst>
           </p:cNvPr>
@@ -5075,45 +4858,50 @@
         </p:nvCxnSpPr>
         <p:spPr>
           <a:xfrm>
-            <a:off x="8881989" y="2642997"/>
-            <a:ext cx="9138" cy="2428274"/>
-          </a:xfrm>
-          <a:prstGeom prst="line">
+            <a:off x="5685755" y="4167051"/>
+            <a:ext cx="1507313" cy="0"/>
+          </a:xfrm>
+          <a:prstGeom prst="straightConnector1">
             <a:avLst/>
           </a:prstGeom>
           <a:ln w="19050">
             <a:solidFill>
-              <a:srgbClr val="7030A0"/>
+              <a:srgbClr val="0070C0"/>
             </a:solidFill>
-            <a:prstDash val="sysDash"/>
+            <a:tailEnd type="arrow"/>
           </a:ln>
-          <a:effectLst/>
         </p:spPr>
         <p:style>
           <a:lnRef idx="1">
             <a:schemeClr val="accent1"/>
           </a:lnRef>
-          <a:fillRef idx="2">
+          <a:fillRef idx="0">
             <a:schemeClr val="accent1"/>
           </a:fillRef>
-          <a:effectRef idx="1">
+          <a:effectRef idx="0">
             <a:schemeClr val="accent1"/>
           </a:effectRef>
           <a:fontRef idx="minor">
-            <a:schemeClr val="dk1"/>
+            <a:schemeClr val="tx1"/>
           </a:fontRef>
         </p:style>
       </p:cxnSp>
       <p:sp>
         <p:nvSpPr>
-          <p:cNvPr id="41" name="TextBox 40"/>
+          <p:cNvPr id="57" name="TextBox 56">
+            <a:extLst>
+              <a:ext uri="{FF2B5EF4-FFF2-40B4-BE49-F238E27FC236}">
+                <a16:creationId xmlns:a16="http://schemas.microsoft.com/office/drawing/2014/main" id="{96963441-FA23-489A-AC06-849CB59F8636}"/>
+              </a:ext>
+            </a:extLst>
+          </p:cNvPr>
           <p:cNvSpPr txBox="1"/>
           <p:nvPr/>
         </p:nvSpPr>
         <p:spPr>
           <a:xfrm>
-            <a:off x="7239000" y="2819400"/>
-            <a:ext cx="1599459" cy="184666"/>
+            <a:off x="5695630" y="3774376"/>
+            <a:ext cx="1579172" cy="369332"/>
           </a:xfrm>
           <a:prstGeom prst="rect">
             <a:avLst/>
@@ -5140,14 +4928,27 @@
             </a:lvl1pPr>
           </a:lstStyle>
           <a:p>
+            <a:pPr algn="ctr"/>
             <a:r>
               <a:rPr lang="en-US" sz="1200" dirty="0" err="1">
                 <a:solidFill>
-                  <a:srgbClr val="7030A0"/>
+                  <a:schemeClr val="accent4">
+                    <a:lumMod val="75000"/>
+                  </a:schemeClr>
                 </a:solidFill>
               </a:rPr>
-              <a:t>getCurrImageListBatch</a:t>
-            </a:r>
+              <a:t>setCanvasAuto</a:t>
+            </a:r>
+            <a:endParaRPr lang="en-US" sz="1200" dirty="0">
+              <a:solidFill>
+                <a:schemeClr val="accent4">
+                  <a:lumMod val="75000"/>
+                </a:schemeClr>
+              </a:solidFill>
+            </a:endParaRPr>
+          </a:p>
+          <a:p>
+            <a:pPr algn="ctr"/>
             <a:r>
               <a:rPr lang="en-US" sz="1200" dirty="0">
                 <a:solidFill>
@@ -5156,67 +4957,30 @@
                   </a:schemeClr>
                 </a:solidFill>
               </a:rPr>
-              <a:t>()</a:t>
+              <a:t>(auto)</a:t>
             </a:r>
           </a:p>
         </p:txBody>
       </p:sp>
       <p:cxnSp>
         <p:nvCxnSpPr>
-          <p:cNvPr id="52" name="Straight Arrow Connector 51"/>
-          <p:cNvCxnSpPr>
-            <a:cxnSpLocks/>
-          </p:cNvCxnSpPr>
-          <p:nvPr/>
-        </p:nvCxnSpPr>
-        <p:spPr>
-          <a:xfrm>
-            <a:off x="7349532" y="3026895"/>
-            <a:ext cx="1470216" cy="0"/>
-          </a:xfrm>
-          <a:prstGeom prst="straightConnector1">
-            <a:avLst/>
-          </a:prstGeom>
-          <a:ln w="19050">
-            <a:solidFill>
-              <a:srgbClr val="7030A0"/>
-            </a:solidFill>
-            <a:tailEnd type="arrow"/>
-          </a:ln>
-        </p:spPr>
-        <p:style>
-          <a:lnRef idx="1">
-            <a:schemeClr val="accent1"/>
-          </a:lnRef>
-          <a:fillRef idx="0">
-            <a:schemeClr val="accent1"/>
-          </a:fillRef>
-          <a:effectRef idx="0">
-            <a:schemeClr val="accent1"/>
-          </a:effectRef>
-          <a:fontRef idx="minor">
-            <a:schemeClr val="tx1"/>
-          </a:fontRef>
-        </p:style>
-      </p:cxnSp>
-      <p:cxnSp>
-        <p:nvCxnSpPr>
-          <p:cNvPr id="60" name="Straight Arrow Connector 59">
+          <p:cNvPr id="61" name="Straight Arrow Connector 60">
             <a:extLst>
               <a:ext uri="{FF2B5EF4-FFF2-40B4-BE49-F238E27FC236}">
-                <a16:creationId xmlns:a16="http://schemas.microsoft.com/office/drawing/2014/main" id="{7C9F21BC-13A9-471F-825A-2621FD36355F}"/>
+                <a16:creationId xmlns:a16="http://schemas.microsoft.com/office/drawing/2014/main" id="{B8AD5208-2B4F-44B2-911D-C88EF52BEACF}"/>
               </a:ext>
             </a:extLst>
           </p:cNvPr>
           <p:cNvCxnSpPr>
             <a:cxnSpLocks/>
+            <a:endCxn id="54" idx="2"/>
           </p:cNvCxnSpPr>
           <p:nvPr/>
         </p:nvCxnSpPr>
         <p:spPr>
-          <a:xfrm flipV="1">
-            <a:off x="7349532" y="3200400"/>
-            <a:ext cx="1470216" cy="6325"/>
+          <a:xfrm>
+            <a:off x="5685755" y="4519591"/>
+            <a:ext cx="1586244" cy="0"/>
           </a:xfrm>
           <a:prstGeom prst="straightConnector1">
             <a:avLst/>
@@ -5245,59 +5009,215 @@
           </a:fontRef>
         </p:style>
       </p:cxnSp>
-      <p:cxnSp>
-        <p:nvCxnSpPr>
-          <p:cNvPr id="63" name="Straight Arrow Connector 62">
+      <p:sp>
+        <p:nvSpPr>
+          <p:cNvPr id="24" name="Rectangle 23">
             <a:extLst>
               <a:ext uri="{FF2B5EF4-FFF2-40B4-BE49-F238E27FC236}">
-                <a16:creationId xmlns:a16="http://schemas.microsoft.com/office/drawing/2014/main" id="{7C9F21BC-13A9-471F-825A-2621FD36355F}"/>
+                <a16:creationId xmlns:a16="http://schemas.microsoft.com/office/drawing/2014/main" id="{45912D00-2CF1-4580-9F76-17B3F3BA02D7}"/>
               </a:ext>
             </a:extLst>
           </p:cNvPr>
-          <p:cNvCxnSpPr>
-            <a:cxnSpLocks/>
-            <a:endCxn id="49" idx="2"/>
-          </p:cNvCxnSpPr>
-          <p:nvPr/>
-        </p:nvCxnSpPr>
-        <p:spPr>
-          <a:xfrm>
-            <a:off x="5678282" y="3333825"/>
-            <a:ext cx="1591039" cy="0"/>
-          </a:xfrm>
-          <a:prstGeom prst="straightConnector1">
-            <a:avLst/>
-          </a:prstGeom>
+          <p:cNvSpPr/>
+          <p:nvPr/>
+        </p:nvSpPr>
+        <p:spPr>
+          <a:xfrm>
+            <a:off x="1161523" y="3657600"/>
+            <a:ext cx="8875236" cy="1107108"/>
+          </a:xfrm>
+          <a:prstGeom prst="rect">
+            <a:avLst/>
+          </a:prstGeom>
+          <a:noFill/>
+        </p:spPr>
+        <p:style>
+          <a:lnRef idx="2">
+            <a:schemeClr val="accent1">
+              <a:shade val="50000"/>
+            </a:schemeClr>
+          </a:lnRef>
+          <a:fillRef idx="1">
+            <a:schemeClr val="accent1"/>
+          </a:fillRef>
+          <a:effectRef idx="0">
+            <a:schemeClr val="accent1"/>
+          </a:effectRef>
+          <a:fontRef idx="minor">
+            <a:schemeClr val="lt1"/>
+          </a:fontRef>
+        </p:style>
+        <p:txBody>
+          <a:bodyPr rtlCol="0" anchor="ctr"/>
+          <a:lstStyle/>
+          <a:p>
+            <a:pPr algn="ctr"/>
+            <a:endParaRPr lang="en-SG"/>
+          </a:p>
+        </p:txBody>
+      </p:sp>
+      <p:sp>
+        <p:nvSpPr>
+          <p:cNvPr id="32" name="TextBox 31">
+            <a:extLst>
+              <a:ext uri="{FF2B5EF4-FFF2-40B4-BE49-F238E27FC236}">
+                <a16:creationId xmlns:a16="http://schemas.microsoft.com/office/drawing/2014/main" id="{A50659C5-B41E-47DE-B520-5B9E76BB9592}"/>
+              </a:ext>
+            </a:extLst>
+          </p:cNvPr>
+          <p:cNvSpPr txBox="1"/>
+          <p:nvPr/>
+        </p:nvSpPr>
+        <p:spPr>
+          <a:xfrm>
+            <a:off x="1172541" y="3671211"/>
+            <a:ext cx="341193" cy="261610"/>
+          </a:xfrm>
+          <a:prstGeom prst="rect">
+            <a:avLst/>
+          </a:prstGeom>
+          <a:noFill/>
+          <a:ln w="28575">
+            <a:solidFill>
+              <a:schemeClr val="tx2"/>
+            </a:solidFill>
+          </a:ln>
+        </p:spPr>
+        <p:txBody>
+          <a:bodyPr wrap="square" rtlCol="0">
+            <a:spAutoFit/>
+          </a:bodyPr>
+          <a:lstStyle/>
+          <a:p>
+            <a:r>
+              <a:rPr lang="en-SG" sz="1100" dirty="0"/>
+              <a:t>alt</a:t>
+            </a:r>
+            <a:endParaRPr lang="en-SG" sz="1200" dirty="0"/>
+          </a:p>
+        </p:txBody>
+      </p:sp>
+      <p:sp>
+        <p:nvSpPr>
+          <p:cNvPr id="33" name="TextBox 32">
+            <a:extLst>
+              <a:ext uri="{FF2B5EF4-FFF2-40B4-BE49-F238E27FC236}">
+                <a16:creationId xmlns:a16="http://schemas.microsoft.com/office/drawing/2014/main" id="{D534193E-E902-4C34-8911-47BF735E523F}"/>
+              </a:ext>
+            </a:extLst>
+          </p:cNvPr>
+          <p:cNvSpPr txBox="1"/>
+          <p:nvPr/>
+        </p:nvSpPr>
+        <p:spPr>
+          <a:xfrm>
+            <a:off x="1730957" y="3673757"/>
+            <a:ext cx="1359668" cy="430887"/>
+          </a:xfrm>
+          <a:prstGeom prst="rect">
+            <a:avLst/>
+          </a:prstGeom>
+          <a:noFill/>
+        </p:spPr>
+        <p:txBody>
+          <a:bodyPr wrap="none" rtlCol="0">
+            <a:spAutoFit/>
+          </a:bodyPr>
+          <a:lstStyle/>
+          <a:p>
+            <a:r>
+              <a:rPr lang="en-SG" sz="1100" dirty="0"/>
+              <a:t>[</a:t>
+            </a:r>
+            <a:r>
+              <a:rPr lang="en-SG" sz="1050" dirty="0" err="1"/>
+              <a:t>subcommand.equals</a:t>
+            </a:r>
+            <a:endParaRPr lang="en-SG" sz="1050" dirty="0"/>
+          </a:p>
+          <a:p>
+            <a:r>
+              <a:rPr lang="en-SG" sz="1050" dirty="0"/>
+              <a:t>(“auto-resize”)</a:t>
+            </a:r>
+            <a:r>
+              <a:rPr lang="en-SG" sz="1100" dirty="0"/>
+              <a:t>]</a:t>
+            </a:r>
+          </a:p>
+        </p:txBody>
+      </p:sp>
+      <p:sp>
+        <p:nvSpPr>
+          <p:cNvPr id="92" name="Rectangle 62">
+            <a:extLst>
+              <a:ext uri="{FF2B5EF4-FFF2-40B4-BE49-F238E27FC236}">
+                <a16:creationId xmlns:a16="http://schemas.microsoft.com/office/drawing/2014/main" id="{189CA505-A137-4429-BC9A-09BF03347E71}"/>
+              </a:ext>
+            </a:extLst>
+          </p:cNvPr>
+          <p:cNvSpPr/>
+          <p:nvPr/>
+        </p:nvSpPr>
+        <p:spPr>
+          <a:xfrm>
+            <a:off x="8763000" y="2362200"/>
+            <a:ext cx="1176963" cy="300180"/>
+          </a:xfrm>
+          <a:prstGeom prst="rect">
+            <a:avLst/>
+          </a:prstGeom>
+          <a:solidFill>
+            <a:srgbClr val="7030A0"/>
+          </a:solidFill>
           <a:ln w="19050">
             <a:solidFill>
               <a:srgbClr val="7030A0"/>
             </a:solidFill>
-            <a:prstDash val="sysDash"/>
-            <a:headEnd type="arrow" w="med" len="med"/>
-            <a:tailEnd type="none" w="med" len="med"/>
           </a:ln>
+          <a:effectLst/>
         </p:spPr>
         <p:style>
           <a:lnRef idx="1">
-            <a:schemeClr val="accent1"/>
+            <a:schemeClr val="accent2"/>
           </a:lnRef>
-          <a:fillRef idx="0">
-            <a:schemeClr val="accent1"/>
+          <a:fillRef idx="2">
+            <a:schemeClr val="accent2"/>
           </a:fillRef>
-          <a:effectRef idx="0">
-            <a:schemeClr val="accent1"/>
+          <a:effectRef idx="1">
+            <a:schemeClr val="accent2"/>
           </a:effectRef>
           <a:fontRef idx="minor">
-            <a:schemeClr val="tx1"/>
+            <a:schemeClr val="dk1"/>
           </a:fontRef>
         </p:style>
-      </p:cxnSp>
-      <p:sp>
-        <p:nvSpPr>
-          <p:cNvPr id="54" name="Rectangle 53">
+        <p:txBody>
+          <a:bodyPr rtlCol="0" anchor="ctr"/>
+          <a:lstStyle/>
+          <a:p>
+            <a:pPr algn="ctr"/>
+            <a:r>
+              <a:rPr lang="en-US" sz="1600" dirty="0">
+                <a:solidFill>
+                  <a:schemeClr val="bg1"/>
+                </a:solidFill>
+              </a:rPr>
+              <a:t>: Canvas</a:t>
+            </a:r>
+            <a:endParaRPr lang="en-SG" sz="1600" dirty="0">
+              <a:solidFill>
+                <a:schemeClr val="bg1"/>
+              </a:solidFill>
+            </a:endParaRPr>
+          </a:p>
+        </p:txBody>
+      </p:sp>
+      <p:sp>
+        <p:nvSpPr>
+          <p:cNvPr id="94" name="Rectangle 93">
             <a:extLst>
               <a:ext uri="{FF2B5EF4-FFF2-40B4-BE49-F238E27FC236}">
-                <a16:creationId xmlns:a16="http://schemas.microsoft.com/office/drawing/2014/main" id="{89CA0E73-D056-42E5-88A3-4CD2AA6A492D}"/>
+                <a16:creationId xmlns:a16="http://schemas.microsoft.com/office/drawing/2014/main" id="{8931DBBF-77EC-45FE-A74F-DB6CAAD1F36F}"/>
               </a:ext>
             </a:extLst>
           </p:cNvPr>
@@ -5306,8 +5226,8 @@
         </p:nvSpPr>
         <p:spPr>
           <a:xfrm>
-            <a:off x="7195746" y="4143873"/>
-            <a:ext cx="152505" cy="375718"/>
+            <a:off x="9265332" y="4233822"/>
+            <a:ext cx="141935" cy="195819"/>
           </a:xfrm>
           <a:prstGeom prst="rect">
             <a:avLst/>
@@ -5341,16 +5261,16 @@
           <a:lstStyle/>
           <a:p>
             <a:pPr algn="ctr"/>
-            <a:endParaRPr lang="en-SG" sz="1400"/>
+            <a:endParaRPr lang="en-SG" sz="1400" dirty="0"/>
           </a:p>
         </p:txBody>
       </p:sp>
       <p:cxnSp>
         <p:nvCxnSpPr>
-          <p:cNvPr id="55" name="Straight Arrow Connector 54">
+          <p:cNvPr id="96" name="Straight Connector 95">
             <a:extLst>
               <a:ext uri="{FF2B5EF4-FFF2-40B4-BE49-F238E27FC236}">
-                <a16:creationId xmlns:a16="http://schemas.microsoft.com/office/drawing/2014/main" id="{FF72696D-5412-4E4B-9C96-7F57AE42A008}"/>
+                <a16:creationId xmlns:a16="http://schemas.microsoft.com/office/drawing/2014/main" id="{4D8EE163-859D-4191-A6AC-3C780BB59E38}"/>
               </a:ext>
             </a:extLst>
           </p:cNvPr>
@@ -5361,40 +5281,41 @@
         </p:nvCxnSpPr>
         <p:spPr>
           <a:xfrm>
-            <a:off x="5685755" y="4167051"/>
-            <a:ext cx="1507313" cy="0"/>
-          </a:xfrm>
-          <a:prstGeom prst="straightConnector1">
+            <a:off x="9336300" y="2600926"/>
+            <a:ext cx="0" cy="4866674"/>
+          </a:xfrm>
+          <a:prstGeom prst="line">
             <a:avLst/>
           </a:prstGeom>
           <a:ln w="19050">
             <a:solidFill>
-              <a:srgbClr val="0070C0"/>
+              <a:srgbClr val="7030A0"/>
             </a:solidFill>
-            <a:tailEnd type="arrow"/>
+            <a:prstDash val="sysDash"/>
           </a:ln>
+          <a:effectLst/>
         </p:spPr>
         <p:style>
           <a:lnRef idx="1">
             <a:schemeClr val="accent1"/>
           </a:lnRef>
-          <a:fillRef idx="0">
+          <a:fillRef idx="2">
             <a:schemeClr val="accent1"/>
           </a:fillRef>
-          <a:effectRef idx="0">
+          <a:effectRef idx="1">
             <a:schemeClr val="accent1"/>
           </a:effectRef>
           <a:fontRef idx="minor">
-            <a:schemeClr val="tx1"/>
+            <a:schemeClr val="dk1"/>
           </a:fontRef>
         </p:style>
       </p:cxnSp>
       <p:sp>
         <p:nvSpPr>
-          <p:cNvPr id="57" name="TextBox 56">
+          <p:cNvPr id="97" name="TextBox 96">
             <a:extLst>
               <a:ext uri="{FF2B5EF4-FFF2-40B4-BE49-F238E27FC236}">
-                <a16:creationId xmlns:a16="http://schemas.microsoft.com/office/drawing/2014/main" id="{96963441-FA23-489A-AC06-849CB59F8636}"/>
+                <a16:creationId xmlns:a16="http://schemas.microsoft.com/office/drawing/2014/main" id="{56055C65-F5BB-480A-B3AC-D4E611D788DC}"/>
               </a:ext>
             </a:extLst>
           </p:cNvPr>
@@ -5403,8 +5324,8 @@
         </p:nvSpPr>
         <p:spPr>
           <a:xfrm>
-            <a:off x="5695630" y="3774376"/>
-            <a:ext cx="1579172" cy="369332"/>
+            <a:off x="7581085" y="4002720"/>
+            <a:ext cx="1525296" cy="184666"/>
           </a:xfrm>
           <a:prstGeom prst="rect">
             <a:avLst/>
@@ -5434,19 +5355,13 @@
             <a:r>
               <a:rPr lang="en-US" sz="1200" dirty="0" err="1">
                 <a:solidFill>
-                  <a:srgbClr val="7030A0"/>
+                  <a:schemeClr val="accent4">
+                    <a:lumMod val="75000"/>
+                  </a:schemeClr>
                 </a:solidFill>
               </a:rPr>
-              <a:t>updateCurrOriginalImage</a:t>
-            </a:r>
-            <a:endParaRPr lang="en-US" sz="1200" dirty="0">
-              <a:solidFill>
-                <a:srgbClr val="7030A0"/>
-              </a:solidFill>
-            </a:endParaRPr>
-          </a:p>
-          <a:p>
-            <a:pPr algn="ctr"/>
+              <a:t>setCanvasAuto</a:t>
+            </a:r>
             <a:r>
               <a:rPr lang="en-US" sz="1200" dirty="0">
                 <a:solidFill>
@@ -5455,402 +5370,7 @@
                   </a:schemeClr>
                 </a:solidFill>
               </a:rPr>
-              <a:t>(Image, Path)</a:t>
-            </a:r>
-          </a:p>
-        </p:txBody>
-      </p:sp>
-      <p:cxnSp>
-        <p:nvCxnSpPr>
-          <p:cNvPr id="61" name="Straight Arrow Connector 60">
-            <a:extLst>
-              <a:ext uri="{FF2B5EF4-FFF2-40B4-BE49-F238E27FC236}">
-                <a16:creationId xmlns:a16="http://schemas.microsoft.com/office/drawing/2014/main" id="{B8AD5208-2B4F-44B2-911D-C88EF52BEACF}"/>
-              </a:ext>
-            </a:extLst>
-          </p:cNvPr>
-          <p:cNvCxnSpPr>
-            <a:cxnSpLocks/>
-            <a:endCxn id="54" idx="2"/>
-          </p:cNvCxnSpPr>
-          <p:nvPr/>
-        </p:nvCxnSpPr>
-        <p:spPr>
-          <a:xfrm>
-            <a:off x="5685755" y="4519591"/>
-            <a:ext cx="1586244" cy="0"/>
-          </a:xfrm>
-          <a:prstGeom prst="straightConnector1">
-            <a:avLst/>
-          </a:prstGeom>
-          <a:ln w="19050">
-            <a:solidFill>
-              <a:srgbClr val="7030A0"/>
-            </a:solidFill>
-            <a:prstDash val="sysDash"/>
-            <a:headEnd type="arrow" w="med" len="med"/>
-            <a:tailEnd type="none" w="med" len="med"/>
-          </a:ln>
-        </p:spPr>
-        <p:style>
-          <a:lnRef idx="1">
-            <a:schemeClr val="accent1"/>
-          </a:lnRef>
-          <a:fillRef idx="0">
-            <a:schemeClr val="accent1"/>
-          </a:fillRef>
-          <a:effectRef idx="0">
-            <a:schemeClr val="accent1"/>
-          </a:effectRef>
-          <a:fontRef idx="minor">
-            <a:schemeClr val="tx1"/>
-          </a:fontRef>
-        </p:style>
-      </p:cxnSp>
-      <p:sp>
-        <p:nvSpPr>
-          <p:cNvPr id="24" name="Rectangle 23">
-            <a:extLst>
-              <a:ext uri="{FF2B5EF4-FFF2-40B4-BE49-F238E27FC236}">
-                <a16:creationId xmlns:a16="http://schemas.microsoft.com/office/drawing/2014/main" id="{45912D00-2CF1-4580-9F76-17B3F3BA02D7}"/>
-              </a:ext>
-            </a:extLst>
-          </p:cNvPr>
-          <p:cNvSpPr/>
-          <p:nvPr/>
-        </p:nvSpPr>
-        <p:spPr>
-          <a:xfrm>
-            <a:off x="4267200" y="3657600"/>
-            <a:ext cx="8144262" cy="1107108"/>
-          </a:xfrm>
-          <a:prstGeom prst="rect">
-            <a:avLst/>
-          </a:prstGeom>
-          <a:noFill/>
-        </p:spPr>
-        <p:style>
-          <a:lnRef idx="2">
-            <a:schemeClr val="accent1">
-              <a:shade val="50000"/>
-            </a:schemeClr>
-          </a:lnRef>
-          <a:fillRef idx="1">
-            <a:schemeClr val="accent1"/>
-          </a:fillRef>
-          <a:effectRef idx="0">
-            <a:schemeClr val="accent1"/>
-          </a:effectRef>
-          <a:fontRef idx="minor">
-            <a:schemeClr val="lt1"/>
-          </a:fontRef>
-        </p:style>
-        <p:txBody>
-          <a:bodyPr rtlCol="0" anchor="ctr"/>
-          <a:lstStyle/>
-          <a:p>
-            <a:pPr algn="ctr"/>
-            <a:endParaRPr lang="en-SG"/>
-          </a:p>
-        </p:txBody>
-      </p:sp>
-      <p:sp>
-        <p:nvSpPr>
-          <p:cNvPr id="32" name="TextBox 31">
-            <a:extLst>
-              <a:ext uri="{FF2B5EF4-FFF2-40B4-BE49-F238E27FC236}">
-                <a16:creationId xmlns:a16="http://schemas.microsoft.com/office/drawing/2014/main" id="{A50659C5-B41E-47DE-B520-5B9E76BB9592}"/>
-              </a:ext>
-            </a:extLst>
-          </p:cNvPr>
-          <p:cNvSpPr txBox="1"/>
-          <p:nvPr/>
-        </p:nvSpPr>
-        <p:spPr>
-          <a:xfrm>
-            <a:off x="4267200" y="3657600"/>
-            <a:ext cx="414313" cy="276999"/>
-          </a:xfrm>
-          <a:prstGeom prst="rect">
-            <a:avLst/>
-          </a:prstGeom>
-          <a:noFill/>
-          <a:ln w="28575">
-            <a:solidFill>
-              <a:schemeClr val="tx2"/>
-            </a:solidFill>
-          </a:ln>
-        </p:spPr>
-        <p:txBody>
-          <a:bodyPr wrap="square" rtlCol="0">
-            <a:spAutoFit/>
-          </a:bodyPr>
-          <a:lstStyle/>
-          <a:p>
-            <a:r>
-              <a:rPr lang="en-SG" sz="1200" dirty="0"/>
-              <a:t>opt</a:t>
-            </a:r>
-          </a:p>
-        </p:txBody>
-      </p:sp>
-      <p:sp>
-        <p:nvSpPr>
-          <p:cNvPr id="33" name="TextBox 32">
-            <a:extLst>
-              <a:ext uri="{FF2B5EF4-FFF2-40B4-BE49-F238E27FC236}">
-                <a16:creationId xmlns:a16="http://schemas.microsoft.com/office/drawing/2014/main" id="{D534193E-E902-4C34-8911-47BF735E523F}"/>
-              </a:ext>
-            </a:extLst>
-          </p:cNvPr>
-          <p:cNvSpPr txBox="1"/>
-          <p:nvPr/>
-        </p:nvSpPr>
-        <p:spPr>
-          <a:xfrm>
-            <a:off x="4625533" y="3672990"/>
-            <a:ext cx="923651" cy="261610"/>
-          </a:xfrm>
-          <a:prstGeom prst="rect">
-            <a:avLst/>
-          </a:prstGeom>
-          <a:noFill/>
-        </p:spPr>
-        <p:txBody>
-          <a:bodyPr wrap="none" rtlCol="0">
-            <a:spAutoFit/>
-          </a:bodyPr>
-          <a:lstStyle/>
-          <a:p>
-            <a:r>
-              <a:rPr lang="en-SG" sz="1100" dirty="0"/>
-              <a:t>[1 ≤ </a:t>
-            </a:r>
-            <a:r>
-              <a:rPr lang="en-SG" sz="1100" dirty="0" err="1"/>
-              <a:t>idx</a:t>
-            </a:r>
-            <a:r>
-              <a:rPr lang="en-SG" sz="1100" dirty="0"/>
-              <a:t> ≤ 10]</a:t>
-            </a:r>
-          </a:p>
-        </p:txBody>
-      </p:sp>
-      <p:sp>
-        <p:nvSpPr>
-          <p:cNvPr id="92" name="Rectangle 62">
-            <a:extLst>
-              <a:ext uri="{FF2B5EF4-FFF2-40B4-BE49-F238E27FC236}">
-                <a16:creationId xmlns:a16="http://schemas.microsoft.com/office/drawing/2014/main" id="{189CA505-A137-4429-BC9A-09BF03347E71}"/>
-              </a:ext>
-            </a:extLst>
-          </p:cNvPr>
-          <p:cNvSpPr/>
-          <p:nvPr/>
-        </p:nvSpPr>
-        <p:spPr>
-          <a:xfrm>
-            <a:off x="9830541" y="2438400"/>
-            <a:ext cx="1294659" cy="244173"/>
-          </a:xfrm>
-          <a:prstGeom prst="rect">
-            <a:avLst/>
-          </a:prstGeom>
-          <a:solidFill>
-            <a:srgbClr val="7030A0"/>
-          </a:solidFill>
-          <a:ln w="19050">
-            <a:solidFill>
-              <a:srgbClr val="7030A0"/>
-            </a:solidFill>
-          </a:ln>
-          <a:effectLst/>
-        </p:spPr>
-        <p:style>
-          <a:lnRef idx="1">
-            <a:schemeClr val="accent2"/>
-          </a:lnRef>
-          <a:fillRef idx="2">
-            <a:schemeClr val="accent2"/>
-          </a:fillRef>
-          <a:effectRef idx="1">
-            <a:schemeClr val="accent2"/>
-          </a:effectRef>
-          <a:fontRef idx="minor">
-            <a:schemeClr val="dk1"/>
-          </a:fontRef>
-        </p:style>
-        <p:txBody>
-          <a:bodyPr rtlCol="0" anchor="ctr"/>
-          <a:lstStyle/>
-          <a:p>
-            <a:pPr algn="ctr"/>
-            <a:r>
-              <a:rPr lang="en-US" sz="1600" dirty="0">
-                <a:solidFill>
-                  <a:schemeClr val="bg1"/>
-                </a:solidFill>
-              </a:rPr>
-              <a:t>: Canvas</a:t>
-            </a:r>
-            <a:endParaRPr lang="en-SG" sz="1600" dirty="0">
-              <a:solidFill>
-                <a:schemeClr val="bg1"/>
-              </a:solidFill>
-            </a:endParaRPr>
-          </a:p>
-        </p:txBody>
-      </p:sp>
-      <p:sp>
-        <p:nvSpPr>
-          <p:cNvPr id="94" name="Rectangle 93">
-            <a:extLst>
-              <a:ext uri="{FF2B5EF4-FFF2-40B4-BE49-F238E27FC236}">
-                <a16:creationId xmlns:a16="http://schemas.microsoft.com/office/drawing/2014/main" id="{8931DBBF-77EC-45FE-A74F-DB6CAAD1F36F}"/>
-              </a:ext>
-            </a:extLst>
-          </p:cNvPr>
-          <p:cNvSpPr/>
-          <p:nvPr/>
-        </p:nvSpPr>
-        <p:spPr>
-          <a:xfrm>
-            <a:off x="10376913" y="4233822"/>
-            <a:ext cx="141935" cy="195819"/>
-          </a:xfrm>
-          <a:prstGeom prst="rect">
-            <a:avLst/>
-          </a:prstGeom>
-          <a:solidFill>
-            <a:srgbClr val="7030A0"/>
-          </a:solidFill>
-          <a:ln>
-            <a:solidFill>
-              <a:srgbClr val="7030A0"/>
-            </a:solidFill>
-          </a:ln>
-          <a:effectLst/>
-        </p:spPr>
-        <p:style>
-          <a:lnRef idx="1">
-            <a:schemeClr val="accent3"/>
-          </a:lnRef>
-          <a:fillRef idx="2">
-            <a:schemeClr val="accent3"/>
-          </a:fillRef>
-          <a:effectRef idx="1">
-            <a:schemeClr val="accent3"/>
-          </a:effectRef>
-          <a:fontRef idx="minor">
-            <a:schemeClr val="dk1"/>
-          </a:fontRef>
-        </p:style>
-        <p:txBody>
-          <a:bodyPr rtlCol="0" anchor="ctr"/>
-          <a:lstStyle/>
-          <a:p>
-            <a:pPr algn="ctr"/>
-            <a:endParaRPr lang="en-SG" sz="1400" dirty="0"/>
-          </a:p>
-        </p:txBody>
-      </p:sp>
-      <p:cxnSp>
-        <p:nvCxnSpPr>
-          <p:cNvPr id="96" name="Straight Connector 95">
-            <a:extLst>
-              <a:ext uri="{FF2B5EF4-FFF2-40B4-BE49-F238E27FC236}">
-                <a16:creationId xmlns:a16="http://schemas.microsoft.com/office/drawing/2014/main" id="{4D8EE163-859D-4191-A6AC-3C780BB59E38}"/>
-              </a:ext>
-            </a:extLst>
-          </p:cNvPr>
-          <p:cNvCxnSpPr>
-            <a:cxnSpLocks/>
-          </p:cNvCxnSpPr>
-          <p:nvPr/>
-        </p:nvCxnSpPr>
-        <p:spPr>
-          <a:xfrm>
-            <a:off x="10462689" y="2699515"/>
-            <a:ext cx="9138" cy="2428274"/>
-          </a:xfrm>
-          <a:prstGeom prst="line">
-            <a:avLst/>
-          </a:prstGeom>
-          <a:ln w="19050">
-            <a:solidFill>
-              <a:srgbClr val="7030A0"/>
-            </a:solidFill>
-            <a:prstDash val="sysDash"/>
-          </a:ln>
-          <a:effectLst/>
-        </p:spPr>
-        <p:style>
-          <a:lnRef idx="1">
-            <a:schemeClr val="accent1"/>
-          </a:lnRef>
-          <a:fillRef idx="2">
-            <a:schemeClr val="accent1"/>
-          </a:fillRef>
-          <a:effectRef idx="1">
-            <a:schemeClr val="accent1"/>
-          </a:effectRef>
-          <a:fontRef idx="minor">
-            <a:schemeClr val="dk1"/>
-          </a:fontRef>
-        </p:style>
-      </p:cxnSp>
-      <p:sp>
-        <p:nvSpPr>
-          <p:cNvPr id="97" name="TextBox 96">
-            <a:extLst>
-              <a:ext uri="{FF2B5EF4-FFF2-40B4-BE49-F238E27FC236}">
-                <a16:creationId xmlns:a16="http://schemas.microsoft.com/office/drawing/2014/main" id="{56055C65-F5BB-480A-B3AC-D4E611D788DC}"/>
-              </a:ext>
-            </a:extLst>
-          </p:cNvPr>
-          <p:cNvSpPr txBox="1"/>
-          <p:nvPr/>
-        </p:nvSpPr>
-        <p:spPr>
-          <a:xfrm>
-            <a:off x="7581085" y="4002720"/>
-            <a:ext cx="1175072" cy="184666"/>
-          </a:xfrm>
-          <a:prstGeom prst="rect">
-            <a:avLst/>
-          </a:prstGeom>
-          <a:noFill/>
-          <a:ln>
-            <a:noFill/>
-          </a:ln>
-        </p:spPr>
-        <p:txBody>
-          <a:bodyPr wrap="square" lIns="0" tIns="0" rIns="0" bIns="0" rtlCol="0">
-            <a:spAutoFit/>
-          </a:bodyPr>
-          <a:lstStyle>
-            <a:defPPr>
-              <a:defRPr lang="en-US"/>
-            </a:defPPr>
-            <a:lvl1pPr algn="r">
-              <a:defRPr sz="1400">
-                <a:solidFill>
-                  <a:srgbClr val="0070C0"/>
-                </a:solidFill>
-              </a:defRPr>
-            </a:lvl1pPr>
-          </a:lstStyle>
-          <a:p>
-            <a:r>
-              <a:rPr lang="en-US" sz="1200" dirty="0">
-                <a:solidFill>
-                  <a:schemeClr val="accent4">
-                    <a:lumMod val="75000"/>
-                  </a:schemeClr>
-                </a:solidFill>
-              </a:rPr>
-              <a:t>Canvas()</a:t>
+              <a:t>(auto)</a:t>
             </a:r>
           </a:p>
         </p:txBody>
@@ -5872,7 +5392,7 @@
         <p:spPr>
           <a:xfrm>
             <a:off x="7349532" y="4230898"/>
-            <a:ext cx="3045776" cy="0"/>
+            <a:ext cx="1915800" cy="0"/>
           </a:xfrm>
           <a:prstGeom prst="straightConnector1">
             <a:avLst/>
@@ -5910,13 +5430,14 @@
           </p:cNvPr>
           <p:cNvCxnSpPr>
             <a:cxnSpLocks/>
+            <a:endCxn id="94" idx="2"/>
           </p:cNvCxnSpPr>
           <p:nvPr/>
         </p:nvCxnSpPr>
         <p:spPr>
           <a:xfrm>
             <a:off x="7339782" y="4425747"/>
-            <a:ext cx="3010021" cy="3894"/>
+            <a:ext cx="1996518" cy="3894"/>
           </a:xfrm>
           <a:prstGeom prst="straightConnector1">
             <a:avLst/>
@@ -5945,56 +5466,12 @@
           </a:fontRef>
         </p:style>
       </p:cxnSp>
-      <p:cxnSp>
-        <p:nvCxnSpPr>
-          <p:cNvPr id="100" name="Straight Arrow Connector 99">
+      <p:sp>
+        <p:nvSpPr>
+          <p:cNvPr id="71" name="TextBox 70">
             <a:extLst>
               <a:ext uri="{FF2B5EF4-FFF2-40B4-BE49-F238E27FC236}">
-                <a16:creationId xmlns:a16="http://schemas.microsoft.com/office/drawing/2014/main" id="{7792EE8E-F6E3-43D8-9D24-B407E97F75C2}"/>
-              </a:ext>
-            </a:extLst>
-          </p:cNvPr>
-          <p:cNvCxnSpPr>
-            <a:cxnSpLocks/>
-          </p:cNvCxnSpPr>
-          <p:nvPr/>
-        </p:nvCxnSpPr>
-        <p:spPr>
-          <a:xfrm>
-            <a:off x="10535532" y="4243633"/>
-            <a:ext cx="1470216" cy="0"/>
-          </a:xfrm>
-          <a:prstGeom prst="straightConnector1">
-            <a:avLst/>
-          </a:prstGeom>
-          <a:ln w="19050">
-            <a:solidFill>
-              <a:srgbClr val="7030A0"/>
-            </a:solidFill>
-            <a:tailEnd type="arrow"/>
-          </a:ln>
-        </p:spPr>
-        <p:style>
-          <a:lnRef idx="1">
-            <a:schemeClr val="accent1"/>
-          </a:lnRef>
-          <a:fillRef idx="0">
-            <a:schemeClr val="accent1"/>
-          </a:fillRef>
-          <a:effectRef idx="0">
-            <a:schemeClr val="accent1"/>
-          </a:effectRef>
-          <a:fontRef idx="minor">
-            <a:schemeClr val="tx1"/>
-          </a:fontRef>
-        </p:style>
-      </p:cxnSp>
-      <p:sp>
-        <p:nvSpPr>
-          <p:cNvPr id="101" name="TextBox 100">
-            <a:extLst>
-              <a:ext uri="{FF2B5EF4-FFF2-40B4-BE49-F238E27FC236}">
-                <a16:creationId xmlns:a16="http://schemas.microsoft.com/office/drawing/2014/main" id="{AD61DF80-5750-4FCE-89C6-48FF076BA717}"/>
+                <a16:creationId xmlns:a16="http://schemas.microsoft.com/office/drawing/2014/main" id="{BD848E80-B0E7-4088-8EA1-20ACF25BF931}"/>
               </a:ext>
             </a:extLst>
           </p:cNvPr>
@@ -6003,16 +5480,13 @@
         </p:nvSpPr>
         <p:spPr>
           <a:xfrm>
-            <a:off x="10902524" y="3829956"/>
-            <a:ext cx="981054" cy="369332"/>
+            <a:off x="3281893" y="5491674"/>
+            <a:ext cx="621216" cy="236988"/>
           </a:xfrm>
           <a:prstGeom prst="rect">
             <a:avLst/>
           </a:prstGeom>
           <a:noFill/>
-          <a:ln>
-            <a:noFill/>
-          </a:ln>
         </p:spPr>
         <p:txBody>
           <a:bodyPr wrap="square" lIns="0" tIns="0" rIns="0" bIns="0" rtlCol="0">
@@ -6031,66 +5505,19 @@
             </a:lvl1pPr>
           </a:lstStyle>
           <a:p>
-            <a:pPr algn="just"/>
-            <a:r>
-              <a:rPr lang="en-US" sz="1200" dirty="0" err="1">
-                <a:solidFill>
-                  <a:schemeClr val="accent4">
-                    <a:lumMod val="75000"/>
-                  </a:schemeClr>
-                </a:solidFill>
-              </a:rPr>
-              <a:t>addLayer</a:t>
-            </a:r>
-            <a:endParaRPr lang="en-US" sz="1200" dirty="0">
-              <a:solidFill>
-                <a:schemeClr val="accent4">
-                  <a:lumMod val="75000"/>
-                </a:schemeClr>
-              </a:solidFill>
-            </a:endParaRPr>
-          </a:p>
-          <a:p>
-            <a:pPr algn="just"/>
-            <a:r>
-              <a:rPr lang="en-US" sz="1200" dirty="0">
-                <a:solidFill>
-                  <a:schemeClr val="accent4">
-                    <a:lumMod val="75000"/>
-                  </a:schemeClr>
-                </a:solidFill>
-              </a:rPr>
-              <a:t>(</a:t>
-            </a:r>
-            <a:r>
-              <a:rPr lang="en-US" sz="1200" dirty="0" err="1">
-                <a:solidFill>
-                  <a:schemeClr val="accent4">
-                    <a:lumMod val="75000"/>
-                  </a:schemeClr>
-                </a:solidFill>
-              </a:rPr>
-              <a:t>PreviewImage</a:t>
-            </a:r>
-            <a:r>
-              <a:rPr lang="en-US" sz="1200" dirty="0">
-                <a:solidFill>
-                  <a:schemeClr val="accent4">
-                    <a:lumMod val="75000"/>
-                  </a:schemeClr>
-                </a:solidFill>
-              </a:rPr>
-              <a:t>)</a:t>
+            <a:r>
+              <a:rPr lang="en-US" dirty="0"/>
+              <a:t>result</a:t>
             </a:r>
           </a:p>
         </p:txBody>
       </p:sp>
       <p:cxnSp>
         <p:nvCxnSpPr>
-          <p:cNvPr id="102" name="Straight Connector 101">
+          <p:cNvPr id="72" name="Straight Arrow Connector 71">
             <a:extLst>
               <a:ext uri="{FF2B5EF4-FFF2-40B4-BE49-F238E27FC236}">
-                <a16:creationId xmlns:a16="http://schemas.microsoft.com/office/drawing/2014/main" id="{D7BFEF81-30EE-4826-8AEB-348B9EA8244F}"/>
+                <a16:creationId xmlns:a16="http://schemas.microsoft.com/office/drawing/2014/main" id="{6D8A9B34-F9AC-4F2F-A583-FC67B1500EB6}"/>
               </a:ext>
             </a:extLst>
           </p:cNvPr>
@@ -6101,41 +5528,42 @@
         </p:nvCxnSpPr>
         <p:spPr>
           <a:xfrm>
-            <a:off x="12057680" y="2581962"/>
-            <a:ext cx="9138" cy="2428274"/>
-          </a:xfrm>
-          <a:prstGeom prst="line">
+            <a:off x="1700489" y="5750892"/>
+            <a:ext cx="3831517" cy="0"/>
+          </a:xfrm>
+          <a:prstGeom prst="straightConnector1">
             <a:avLst/>
           </a:prstGeom>
           <a:ln w="19050">
             <a:solidFill>
-              <a:srgbClr val="7030A0"/>
+              <a:srgbClr val="0070C0"/>
             </a:solidFill>
             <a:prstDash val="sysDash"/>
+            <a:headEnd type="arrow" w="med" len="med"/>
+            <a:tailEnd type="none" w="med" len="med"/>
           </a:ln>
-          <a:effectLst/>
         </p:spPr>
         <p:style>
           <a:lnRef idx="1">
             <a:schemeClr val="accent1"/>
           </a:lnRef>
-          <a:fillRef idx="2">
+          <a:fillRef idx="0">
             <a:schemeClr val="accent1"/>
           </a:fillRef>
-          <a:effectRef idx="1">
+          <a:effectRef idx="0">
             <a:schemeClr val="accent1"/>
           </a:effectRef>
           <a:fontRef idx="minor">
-            <a:schemeClr val="dk1"/>
+            <a:schemeClr val="tx1"/>
           </a:fontRef>
         </p:style>
       </p:cxnSp>
       <p:sp>
         <p:nvSpPr>
-          <p:cNvPr id="103" name="Rectangle 102">
+          <p:cNvPr id="73" name="Rectangle 72">
             <a:extLst>
               <a:ext uri="{FF2B5EF4-FFF2-40B4-BE49-F238E27FC236}">
-                <a16:creationId xmlns:a16="http://schemas.microsoft.com/office/drawing/2014/main" id="{BE74BAA3-C087-4000-B5D2-C74E2BDE44E3}"/>
+                <a16:creationId xmlns:a16="http://schemas.microsoft.com/office/drawing/2014/main" id="{70E72223-18E2-462B-A8B9-4CD909B270DF}"/>
               </a:ext>
             </a:extLst>
           </p:cNvPr>
@@ -6144,8 +5572,8 @@
         </p:nvSpPr>
         <p:spPr>
           <a:xfrm>
-            <a:off x="11991281" y="4211154"/>
-            <a:ext cx="141935" cy="195819"/>
+            <a:off x="7204884" y="5246565"/>
+            <a:ext cx="152505" cy="375718"/>
           </a:xfrm>
           <a:prstGeom prst="rect">
             <a:avLst/>
@@ -6179,16 +5607,16 @@
           <a:lstStyle/>
           <a:p>
             <a:pPr algn="ctr"/>
-            <a:endParaRPr lang="en-SG" sz="1400" dirty="0"/>
+            <a:endParaRPr lang="en-SG" sz="1400"/>
           </a:p>
         </p:txBody>
       </p:sp>
       <p:cxnSp>
         <p:nvCxnSpPr>
-          <p:cNvPr id="104" name="Straight Arrow Connector 103">
+          <p:cNvPr id="74" name="Straight Arrow Connector 73">
             <a:extLst>
               <a:ext uri="{FF2B5EF4-FFF2-40B4-BE49-F238E27FC236}">
-                <a16:creationId xmlns:a16="http://schemas.microsoft.com/office/drawing/2014/main" id="{B753275D-699D-462A-A06C-D362B0C00F9E}"/>
+                <a16:creationId xmlns:a16="http://schemas.microsoft.com/office/drawing/2014/main" id="{98EB7231-B864-4152-BB49-A707D6D4A912}"/>
               </a:ext>
             </a:extLst>
           </p:cNvPr>
@@ -6198,9 +5626,130 @@
           <p:nvPr/>
         </p:nvCxnSpPr>
         <p:spPr>
-          <a:xfrm flipV="1">
-            <a:off x="10515600" y="4355788"/>
-            <a:ext cx="1470216" cy="6325"/>
+          <a:xfrm>
+            <a:off x="5694893" y="5269743"/>
+            <a:ext cx="1507313" cy="0"/>
+          </a:xfrm>
+          <a:prstGeom prst="straightConnector1">
+            <a:avLst/>
+          </a:prstGeom>
+          <a:ln w="19050">
+            <a:solidFill>
+              <a:srgbClr val="0070C0"/>
+            </a:solidFill>
+            <a:tailEnd type="arrow"/>
+          </a:ln>
+        </p:spPr>
+        <p:style>
+          <a:lnRef idx="1">
+            <a:schemeClr val="accent1"/>
+          </a:lnRef>
+          <a:fillRef idx="0">
+            <a:schemeClr val="accent1"/>
+          </a:fillRef>
+          <a:effectRef idx="0">
+            <a:schemeClr val="accent1"/>
+          </a:effectRef>
+          <a:fontRef idx="minor">
+            <a:schemeClr val="tx1"/>
+          </a:fontRef>
+        </p:style>
+      </p:cxnSp>
+      <p:sp>
+        <p:nvSpPr>
+          <p:cNvPr id="75" name="TextBox 74">
+            <a:extLst>
+              <a:ext uri="{FF2B5EF4-FFF2-40B4-BE49-F238E27FC236}">
+                <a16:creationId xmlns:a16="http://schemas.microsoft.com/office/drawing/2014/main" id="{1468B229-ABA9-43A9-BAE6-F00894FA7D00}"/>
+              </a:ext>
+            </a:extLst>
+          </p:cNvPr>
+          <p:cNvSpPr txBox="1"/>
+          <p:nvPr/>
+        </p:nvSpPr>
+        <p:spPr>
+          <a:xfrm>
+            <a:off x="5704768" y="4877068"/>
+            <a:ext cx="1579172" cy="369332"/>
+          </a:xfrm>
+          <a:prstGeom prst="rect">
+            <a:avLst/>
+          </a:prstGeom>
+          <a:noFill/>
+          <a:ln>
+            <a:noFill/>
+          </a:ln>
+        </p:spPr>
+        <p:txBody>
+          <a:bodyPr wrap="square" lIns="0" tIns="0" rIns="0" bIns="0" rtlCol="0">
+            <a:spAutoFit/>
+          </a:bodyPr>
+          <a:lstStyle>
+            <a:defPPr>
+              <a:defRPr lang="en-US"/>
+            </a:defPPr>
+            <a:lvl1pPr algn="r">
+              <a:defRPr sz="1400">
+                <a:solidFill>
+                  <a:srgbClr val="0070C0"/>
+                </a:solidFill>
+              </a:defRPr>
+            </a:lvl1pPr>
+          </a:lstStyle>
+          <a:p>
+            <a:pPr algn="ctr"/>
+            <a:r>
+              <a:rPr lang="en-US" sz="1200" dirty="0" err="1">
+                <a:solidFill>
+                  <a:schemeClr val="accent4">
+                    <a:lumMod val="75000"/>
+                  </a:schemeClr>
+                </a:solidFill>
+              </a:rPr>
+              <a:t>setBackgroundColor</a:t>
+            </a:r>
+            <a:endParaRPr lang="en-US" sz="1200" dirty="0">
+              <a:solidFill>
+                <a:schemeClr val="accent4">
+                  <a:lumMod val="75000"/>
+                </a:schemeClr>
+              </a:solidFill>
+            </a:endParaRPr>
+          </a:p>
+          <a:p>
+            <a:pPr algn="ctr"/>
+            <a:r>
+              <a:rPr lang="en-US" sz="1200" dirty="0">
+                <a:solidFill>
+                  <a:schemeClr val="accent4">
+                    <a:lumMod val="75000"/>
+                  </a:schemeClr>
+                </a:solidFill>
+              </a:rPr>
+              <a:t>(color)</a:t>
+            </a:r>
+          </a:p>
+        </p:txBody>
+      </p:sp>
+      <p:cxnSp>
+        <p:nvCxnSpPr>
+          <p:cNvPr id="76" name="Straight Arrow Connector 75">
+            <a:extLst>
+              <a:ext uri="{FF2B5EF4-FFF2-40B4-BE49-F238E27FC236}">
+                <a16:creationId xmlns:a16="http://schemas.microsoft.com/office/drawing/2014/main" id="{39495F2B-4D1A-4825-9AC0-1D053C0FF31C}"/>
+              </a:ext>
+            </a:extLst>
+          </p:cNvPr>
+          <p:cNvCxnSpPr>
+            <a:cxnSpLocks/>
+            <a:endCxn id="73" idx="2"/>
+          </p:cNvCxnSpPr>
+          <p:nvPr/>
+        </p:nvCxnSpPr>
+        <p:spPr>
+          <a:xfrm>
+            <a:off x="5694893" y="5622283"/>
+            <a:ext cx="1586244" cy="0"/>
           </a:xfrm>
           <a:prstGeom prst="straightConnector1">
             <a:avLst/>
@@ -6231,10 +5780,10 @@
       </p:cxnSp>
       <p:sp>
         <p:nvSpPr>
-          <p:cNvPr id="105" name="Rectangle 62">
+          <p:cNvPr id="77" name="Rectangle 76">
             <a:extLst>
               <a:ext uri="{FF2B5EF4-FFF2-40B4-BE49-F238E27FC236}">
-                <a16:creationId xmlns:a16="http://schemas.microsoft.com/office/drawing/2014/main" id="{BE836737-F13B-4B80-8D9A-6D6A97D65A97}"/>
+                <a16:creationId xmlns:a16="http://schemas.microsoft.com/office/drawing/2014/main" id="{5ED57C76-4593-40AF-B841-3C174DC3ED49}"/>
               </a:ext>
             </a:extLst>
           </p:cNvPr>
@@ -6243,8 +5792,113 @@
         </p:nvSpPr>
         <p:spPr>
           <a:xfrm>
-            <a:off x="11511820" y="2448844"/>
-            <a:ext cx="908780" cy="250672"/>
+            <a:off x="1161523" y="4760292"/>
+            <a:ext cx="8875236" cy="1107108"/>
+          </a:xfrm>
+          <a:prstGeom prst="rect">
+            <a:avLst/>
+          </a:prstGeom>
+          <a:noFill/>
+        </p:spPr>
+        <p:style>
+          <a:lnRef idx="2">
+            <a:schemeClr val="accent1">
+              <a:shade val="50000"/>
+            </a:schemeClr>
+          </a:lnRef>
+          <a:fillRef idx="1">
+            <a:schemeClr val="accent1"/>
+          </a:fillRef>
+          <a:effectRef idx="0">
+            <a:schemeClr val="accent1"/>
+          </a:effectRef>
+          <a:fontRef idx="minor">
+            <a:schemeClr val="lt1"/>
+          </a:fontRef>
+        </p:style>
+        <p:txBody>
+          <a:bodyPr rtlCol="0" anchor="ctr"/>
+          <a:lstStyle/>
+          <a:p>
+            <a:pPr algn="ctr"/>
+            <a:endParaRPr lang="en-SG"/>
+          </a:p>
+        </p:txBody>
+      </p:sp>
+      <p:sp>
+        <p:nvSpPr>
+          <p:cNvPr id="85" name="TextBox 84">
+            <a:extLst>
+              <a:ext uri="{FF2B5EF4-FFF2-40B4-BE49-F238E27FC236}">
+                <a16:creationId xmlns:a16="http://schemas.microsoft.com/office/drawing/2014/main" id="{B7BF8131-564F-4AFD-ABAD-94E5EFA4CDA3}"/>
+              </a:ext>
+            </a:extLst>
+          </p:cNvPr>
+          <p:cNvSpPr txBox="1"/>
+          <p:nvPr/>
+        </p:nvSpPr>
+        <p:spPr>
+          <a:xfrm>
+            <a:off x="1717420" y="4824129"/>
+            <a:ext cx="1359668" cy="430887"/>
+          </a:xfrm>
+          <a:prstGeom prst="rect">
+            <a:avLst/>
+          </a:prstGeom>
+          <a:noFill/>
+        </p:spPr>
+        <p:txBody>
+          <a:bodyPr wrap="none" rtlCol="0">
+            <a:spAutoFit/>
+          </a:bodyPr>
+          <a:lstStyle/>
+          <a:p>
+            <a:r>
+              <a:rPr lang="en-SG" sz="1100" dirty="0"/>
+              <a:t>[</a:t>
+            </a:r>
+            <a:r>
+              <a:rPr lang="en-SG" sz="1050" dirty="0" err="1"/>
+              <a:t>subcommand.equals</a:t>
+            </a:r>
+            <a:endParaRPr lang="en-SG" sz="1050" dirty="0"/>
+          </a:p>
+          <a:p>
+            <a:r>
+              <a:rPr lang="en-SG" sz="1050" dirty="0"/>
+              <a:t>(“</a:t>
+            </a:r>
+            <a:r>
+              <a:rPr lang="en-SG" sz="1050" dirty="0" err="1"/>
+              <a:t>bgcolor</a:t>
+            </a:r>
+            <a:r>
+              <a:rPr lang="en-SG" sz="1050" dirty="0"/>
+              <a:t>”)</a:t>
+            </a:r>
+            <a:r>
+              <a:rPr lang="en-SG" sz="1100" dirty="0"/>
+              <a:t>]</a:t>
+            </a:r>
+          </a:p>
+        </p:txBody>
+      </p:sp>
+      <p:sp>
+        <p:nvSpPr>
+          <p:cNvPr id="87" name="Rectangle 86">
+            <a:extLst>
+              <a:ext uri="{FF2B5EF4-FFF2-40B4-BE49-F238E27FC236}">
+                <a16:creationId xmlns:a16="http://schemas.microsoft.com/office/drawing/2014/main" id="{524CE77C-B4BE-4088-AE53-A08A3146F6B9}"/>
+              </a:ext>
+            </a:extLst>
+          </p:cNvPr>
+          <p:cNvSpPr/>
+          <p:nvPr/>
+        </p:nvSpPr>
+        <p:spPr>
+          <a:xfrm>
+            <a:off x="9274470" y="5336514"/>
+            <a:ext cx="141935" cy="195819"/>
           </a:xfrm>
           <a:prstGeom prst="rect">
             <a:avLst/>
@@ -6252,7 +5906,7 @@
           <a:solidFill>
             <a:srgbClr val="7030A0"/>
           </a:solidFill>
-          <a:ln w="19050">
+          <a:ln>
             <a:solidFill>
               <a:srgbClr val="7030A0"/>
             </a:solidFill>
@@ -6261,13 +5915,13 @@
         </p:spPr>
         <p:style>
           <a:lnRef idx="1">
-            <a:schemeClr val="accent2"/>
+            <a:schemeClr val="accent3"/>
           </a:lnRef>
           <a:fillRef idx="2">
-            <a:schemeClr val="accent2"/>
+            <a:schemeClr val="accent3"/>
           </a:fillRef>
           <a:effectRef idx="1">
-            <a:schemeClr val="accent2"/>
+            <a:schemeClr val="accent3"/>
           </a:effectRef>
           <a:fontRef idx="minor">
             <a:schemeClr val="dk1"/>
@@ -6278,19 +5932,832 @@
           <a:lstStyle/>
           <a:p>
             <a:pPr algn="ctr"/>
-            <a:r>
-              <a:rPr lang="en-US" sz="1600" dirty="0">
+            <a:endParaRPr lang="en-SG" sz="1400" dirty="0"/>
+          </a:p>
+        </p:txBody>
+      </p:sp>
+      <p:cxnSp>
+        <p:nvCxnSpPr>
+          <p:cNvPr id="88" name="Straight Arrow Connector 87">
+            <a:extLst>
+              <a:ext uri="{FF2B5EF4-FFF2-40B4-BE49-F238E27FC236}">
+                <a16:creationId xmlns:a16="http://schemas.microsoft.com/office/drawing/2014/main" id="{28E2BFFF-7398-424F-A43E-1417EC63B11C}"/>
+              </a:ext>
+            </a:extLst>
+          </p:cNvPr>
+          <p:cNvCxnSpPr>
+            <a:cxnSpLocks/>
+          </p:cNvCxnSpPr>
+          <p:nvPr/>
+        </p:nvCxnSpPr>
+        <p:spPr>
+          <a:xfrm>
+            <a:off x="7358670" y="5333590"/>
+            <a:ext cx="1915800" cy="0"/>
+          </a:xfrm>
+          <a:prstGeom prst="straightConnector1">
+            <a:avLst/>
+          </a:prstGeom>
+          <a:ln w="19050">
+            <a:solidFill>
+              <a:srgbClr val="7030A0"/>
+            </a:solidFill>
+            <a:tailEnd type="arrow"/>
+          </a:ln>
+        </p:spPr>
+        <p:style>
+          <a:lnRef idx="1">
+            <a:schemeClr val="accent1"/>
+          </a:lnRef>
+          <a:fillRef idx="0">
+            <a:schemeClr val="accent1"/>
+          </a:fillRef>
+          <a:effectRef idx="0">
+            <a:schemeClr val="accent1"/>
+          </a:effectRef>
+          <a:fontRef idx="minor">
+            <a:schemeClr val="tx1"/>
+          </a:fontRef>
+        </p:style>
+      </p:cxnSp>
+      <p:cxnSp>
+        <p:nvCxnSpPr>
+          <p:cNvPr id="90" name="Straight Arrow Connector 89">
+            <a:extLst>
+              <a:ext uri="{FF2B5EF4-FFF2-40B4-BE49-F238E27FC236}">
+                <a16:creationId xmlns:a16="http://schemas.microsoft.com/office/drawing/2014/main" id="{9026B8C2-4267-4D1E-91B7-CF32CEE62AA8}"/>
+              </a:ext>
+            </a:extLst>
+          </p:cNvPr>
+          <p:cNvCxnSpPr>
+            <a:cxnSpLocks/>
+            <a:endCxn id="87" idx="2"/>
+          </p:cNvCxnSpPr>
+          <p:nvPr/>
+        </p:nvCxnSpPr>
+        <p:spPr>
+          <a:xfrm>
+            <a:off x="7348920" y="5528439"/>
+            <a:ext cx="1996518" cy="3894"/>
+          </a:xfrm>
+          <a:prstGeom prst="straightConnector1">
+            <a:avLst/>
+          </a:prstGeom>
+          <a:ln w="19050">
+            <a:solidFill>
+              <a:srgbClr val="7030A0"/>
+            </a:solidFill>
+            <a:prstDash val="sysDash"/>
+            <a:headEnd type="arrow" w="med" len="med"/>
+            <a:tailEnd type="none" w="med" len="med"/>
+          </a:ln>
+        </p:spPr>
+        <p:style>
+          <a:lnRef idx="1">
+            <a:schemeClr val="accent1"/>
+          </a:lnRef>
+          <a:fillRef idx="0">
+            <a:schemeClr val="accent1"/>
+          </a:fillRef>
+          <a:effectRef idx="0">
+            <a:schemeClr val="accent1"/>
+          </a:effectRef>
+          <a:fontRef idx="minor">
+            <a:schemeClr val="tx1"/>
+          </a:fontRef>
+        </p:style>
+      </p:cxnSp>
+      <p:sp>
+        <p:nvSpPr>
+          <p:cNvPr id="116" name="TextBox 115">
+            <a:extLst>
+              <a:ext uri="{FF2B5EF4-FFF2-40B4-BE49-F238E27FC236}">
+                <a16:creationId xmlns:a16="http://schemas.microsoft.com/office/drawing/2014/main" id="{4DB36DCB-8E71-4BB9-9D04-299C51ADD6C1}"/>
+              </a:ext>
+            </a:extLst>
+          </p:cNvPr>
+          <p:cNvSpPr txBox="1"/>
+          <p:nvPr/>
+        </p:nvSpPr>
+        <p:spPr>
+          <a:xfrm>
+            <a:off x="7518301" y="5084391"/>
+            <a:ext cx="1662816" cy="184666"/>
+          </a:xfrm>
+          <a:prstGeom prst="rect">
+            <a:avLst/>
+          </a:prstGeom>
+          <a:noFill/>
+          <a:ln>
+            <a:noFill/>
+          </a:ln>
+        </p:spPr>
+        <p:txBody>
+          <a:bodyPr wrap="square" lIns="0" tIns="0" rIns="0" bIns="0" rtlCol="0">
+            <a:spAutoFit/>
+          </a:bodyPr>
+          <a:lstStyle>
+            <a:defPPr>
+              <a:defRPr lang="en-US"/>
+            </a:defPPr>
+            <a:lvl1pPr algn="r">
+              <a:defRPr sz="1400">
                 <a:solidFill>
-                  <a:schemeClr val="bg1"/>
+                  <a:srgbClr val="0070C0"/>
+                </a:solidFill>
+              </a:defRPr>
+            </a:lvl1pPr>
+          </a:lstStyle>
+          <a:p>
+            <a:r>
+              <a:rPr lang="en-US" sz="1200" dirty="0" err="1">
+                <a:solidFill>
+                  <a:schemeClr val="accent4">
+                    <a:lumMod val="75000"/>
+                  </a:schemeClr>
                 </a:solidFill>
               </a:rPr>
-              <a:t>: Layer</a:t>
-            </a:r>
-            <a:endParaRPr lang="en-SG" sz="1600" dirty="0">
+              <a:t>setBackgroundColor</a:t>
+            </a:r>
+            <a:r>
+              <a:rPr lang="en-US" sz="1200" dirty="0">
+                <a:solidFill>
+                  <a:schemeClr val="accent4">
+                    <a:lumMod val="75000"/>
+                  </a:schemeClr>
+                </a:solidFill>
+              </a:rPr>
+              <a:t>(color)</a:t>
+            </a:r>
+          </a:p>
+        </p:txBody>
+      </p:sp>
+      <p:sp>
+        <p:nvSpPr>
+          <p:cNvPr id="117" name="TextBox 116">
+            <a:extLst>
+              <a:ext uri="{FF2B5EF4-FFF2-40B4-BE49-F238E27FC236}">
+                <a16:creationId xmlns:a16="http://schemas.microsoft.com/office/drawing/2014/main" id="{9A6ECFAE-7A92-4F13-856D-4E19BF2D5762}"/>
+              </a:ext>
+            </a:extLst>
+          </p:cNvPr>
+          <p:cNvSpPr txBox="1"/>
+          <p:nvPr/>
+        </p:nvSpPr>
+        <p:spPr>
+          <a:xfrm>
+            <a:off x="3281893" y="6595998"/>
+            <a:ext cx="621216" cy="236988"/>
+          </a:xfrm>
+          <a:prstGeom prst="rect">
+            <a:avLst/>
+          </a:prstGeom>
+          <a:noFill/>
+        </p:spPr>
+        <p:txBody>
+          <a:bodyPr wrap="square" lIns="0" tIns="0" rIns="0" bIns="0" rtlCol="0">
+            <a:spAutoFit/>
+          </a:bodyPr>
+          <a:lstStyle>
+            <a:defPPr>
+              <a:defRPr lang="en-US"/>
+            </a:defPPr>
+            <a:lvl1pPr algn="r">
+              <a:defRPr sz="1400">
+                <a:solidFill>
+                  <a:srgbClr val="0070C0"/>
+                </a:solidFill>
+              </a:defRPr>
+            </a:lvl1pPr>
+          </a:lstStyle>
+          <a:p>
+            <a:r>
+              <a:rPr lang="en-US" dirty="0"/>
+              <a:t>result</a:t>
+            </a:r>
+          </a:p>
+        </p:txBody>
+      </p:sp>
+      <p:cxnSp>
+        <p:nvCxnSpPr>
+          <p:cNvPr id="118" name="Straight Arrow Connector 117">
+            <a:extLst>
+              <a:ext uri="{FF2B5EF4-FFF2-40B4-BE49-F238E27FC236}">
+                <a16:creationId xmlns:a16="http://schemas.microsoft.com/office/drawing/2014/main" id="{C80DE54F-61E5-4BC7-84D5-4A323163291E}"/>
+              </a:ext>
+            </a:extLst>
+          </p:cNvPr>
+          <p:cNvCxnSpPr>
+            <a:cxnSpLocks/>
+          </p:cNvCxnSpPr>
+          <p:nvPr/>
+        </p:nvCxnSpPr>
+        <p:spPr>
+          <a:xfrm>
+            <a:off x="1700489" y="6855216"/>
+            <a:ext cx="3831517" cy="0"/>
+          </a:xfrm>
+          <a:prstGeom prst="straightConnector1">
+            <a:avLst/>
+          </a:prstGeom>
+          <a:ln w="19050">
+            <a:solidFill>
+              <a:srgbClr val="0070C0"/>
+            </a:solidFill>
+            <a:prstDash val="sysDash"/>
+            <a:headEnd type="arrow" w="med" len="med"/>
+            <a:tailEnd type="none" w="med" len="med"/>
+          </a:ln>
+        </p:spPr>
+        <p:style>
+          <a:lnRef idx="1">
+            <a:schemeClr val="accent1"/>
+          </a:lnRef>
+          <a:fillRef idx="0">
+            <a:schemeClr val="accent1"/>
+          </a:fillRef>
+          <a:effectRef idx="0">
+            <a:schemeClr val="accent1"/>
+          </a:effectRef>
+          <a:fontRef idx="minor">
+            <a:schemeClr val="tx1"/>
+          </a:fontRef>
+        </p:style>
+      </p:cxnSp>
+      <p:sp>
+        <p:nvSpPr>
+          <p:cNvPr id="119" name="Rectangle 118">
+            <a:extLst>
+              <a:ext uri="{FF2B5EF4-FFF2-40B4-BE49-F238E27FC236}">
+                <a16:creationId xmlns:a16="http://schemas.microsoft.com/office/drawing/2014/main" id="{950FF836-DFC5-49CE-A3FE-97DED588FD23}"/>
+              </a:ext>
+            </a:extLst>
+          </p:cNvPr>
+          <p:cNvSpPr/>
+          <p:nvPr/>
+        </p:nvSpPr>
+        <p:spPr>
+          <a:xfrm>
+            <a:off x="7204884" y="6350889"/>
+            <a:ext cx="152505" cy="375718"/>
+          </a:xfrm>
+          <a:prstGeom prst="rect">
+            <a:avLst/>
+          </a:prstGeom>
+          <a:solidFill>
+            <a:srgbClr val="7030A0"/>
+          </a:solidFill>
+          <a:ln>
+            <a:solidFill>
+              <a:srgbClr val="7030A0"/>
+            </a:solidFill>
+          </a:ln>
+          <a:effectLst/>
+        </p:spPr>
+        <p:style>
+          <a:lnRef idx="1">
+            <a:schemeClr val="accent3"/>
+          </a:lnRef>
+          <a:fillRef idx="2">
+            <a:schemeClr val="accent3"/>
+          </a:fillRef>
+          <a:effectRef idx="1">
+            <a:schemeClr val="accent3"/>
+          </a:effectRef>
+          <a:fontRef idx="minor">
+            <a:schemeClr val="dk1"/>
+          </a:fontRef>
+        </p:style>
+        <p:txBody>
+          <a:bodyPr rtlCol="0" anchor="ctr"/>
+          <a:lstStyle/>
+          <a:p>
+            <a:pPr algn="ctr"/>
+            <a:endParaRPr lang="en-SG" sz="1400"/>
+          </a:p>
+        </p:txBody>
+      </p:sp>
+      <p:cxnSp>
+        <p:nvCxnSpPr>
+          <p:cNvPr id="120" name="Straight Arrow Connector 119">
+            <a:extLst>
+              <a:ext uri="{FF2B5EF4-FFF2-40B4-BE49-F238E27FC236}">
+                <a16:creationId xmlns:a16="http://schemas.microsoft.com/office/drawing/2014/main" id="{6202B1FF-03B9-47AD-AD26-C920CC56CBEC}"/>
+              </a:ext>
+            </a:extLst>
+          </p:cNvPr>
+          <p:cNvCxnSpPr>
+            <a:cxnSpLocks/>
+          </p:cNvCxnSpPr>
+          <p:nvPr/>
+        </p:nvCxnSpPr>
+        <p:spPr>
+          <a:xfrm>
+            <a:off x="5694893" y="6374067"/>
+            <a:ext cx="1507313" cy="0"/>
+          </a:xfrm>
+          <a:prstGeom prst="straightConnector1">
+            <a:avLst/>
+          </a:prstGeom>
+          <a:ln w="19050">
+            <a:solidFill>
+              <a:srgbClr val="0070C0"/>
+            </a:solidFill>
+            <a:tailEnd type="arrow"/>
+          </a:ln>
+        </p:spPr>
+        <p:style>
+          <a:lnRef idx="1">
+            <a:schemeClr val="accent1"/>
+          </a:lnRef>
+          <a:fillRef idx="0">
+            <a:schemeClr val="accent1"/>
+          </a:fillRef>
+          <a:effectRef idx="0">
+            <a:schemeClr val="accent1"/>
+          </a:effectRef>
+          <a:fontRef idx="minor">
+            <a:schemeClr val="tx1"/>
+          </a:fontRef>
+        </p:style>
+      </p:cxnSp>
+      <p:sp>
+        <p:nvSpPr>
+          <p:cNvPr id="121" name="TextBox 120">
+            <a:extLst>
+              <a:ext uri="{FF2B5EF4-FFF2-40B4-BE49-F238E27FC236}">
+                <a16:creationId xmlns:a16="http://schemas.microsoft.com/office/drawing/2014/main" id="{9E56E0F0-53D7-4440-8F98-A646E04E238D}"/>
+              </a:ext>
+            </a:extLst>
+          </p:cNvPr>
+          <p:cNvSpPr txBox="1"/>
+          <p:nvPr/>
+        </p:nvSpPr>
+        <p:spPr>
+          <a:xfrm>
+            <a:off x="5704768" y="5981392"/>
+            <a:ext cx="1579172" cy="369332"/>
+          </a:xfrm>
+          <a:prstGeom prst="rect">
+            <a:avLst/>
+          </a:prstGeom>
+          <a:noFill/>
+          <a:ln>
+            <a:noFill/>
+          </a:ln>
+        </p:spPr>
+        <p:txBody>
+          <a:bodyPr wrap="square" lIns="0" tIns="0" rIns="0" bIns="0" rtlCol="0">
+            <a:spAutoFit/>
+          </a:bodyPr>
+          <a:lstStyle>
+            <a:defPPr>
+              <a:defRPr lang="en-US"/>
+            </a:defPPr>
+            <a:lvl1pPr algn="r">
+              <a:defRPr sz="1400">
+                <a:solidFill>
+                  <a:srgbClr val="0070C0"/>
+                </a:solidFill>
+              </a:defRPr>
+            </a:lvl1pPr>
+          </a:lstStyle>
+          <a:p>
+            <a:pPr algn="ctr"/>
+            <a:r>
+              <a:rPr lang="en-US" sz="1200" dirty="0" err="1">
+                <a:solidFill>
+                  <a:schemeClr val="accent4">
+                    <a:lumMod val="75000"/>
+                  </a:schemeClr>
+                </a:solidFill>
+              </a:rPr>
+              <a:t>setCanvasSize</a:t>
+            </a:r>
+            <a:endParaRPr lang="en-US" sz="1200" dirty="0">
               <a:solidFill>
-                <a:schemeClr val="bg1"/>
+                <a:schemeClr val="accent4">
+                  <a:lumMod val="75000"/>
+                </a:schemeClr>
               </a:solidFill>
             </a:endParaRPr>
+          </a:p>
+          <a:p>
+            <a:pPr algn="ctr"/>
+            <a:r>
+              <a:rPr lang="en-US" sz="1200" dirty="0">
+                <a:solidFill>
+                  <a:schemeClr val="accent4">
+                    <a:lumMod val="75000"/>
+                  </a:schemeClr>
+                </a:solidFill>
+              </a:rPr>
+              <a:t>(</a:t>
+            </a:r>
+            <a:r>
+              <a:rPr lang="en-US" sz="1200" dirty="0" err="1">
+                <a:solidFill>
+                  <a:schemeClr val="accent4">
+                    <a:lumMod val="75000"/>
+                  </a:schemeClr>
+                </a:solidFill>
+              </a:rPr>
+              <a:t>height,width</a:t>
+            </a:r>
+            <a:r>
+              <a:rPr lang="en-US" sz="1200" dirty="0">
+                <a:solidFill>
+                  <a:schemeClr val="accent4">
+                    <a:lumMod val="75000"/>
+                  </a:schemeClr>
+                </a:solidFill>
+              </a:rPr>
+              <a:t>)</a:t>
+            </a:r>
+          </a:p>
+        </p:txBody>
+      </p:sp>
+      <p:cxnSp>
+        <p:nvCxnSpPr>
+          <p:cNvPr id="122" name="Straight Arrow Connector 121">
+            <a:extLst>
+              <a:ext uri="{FF2B5EF4-FFF2-40B4-BE49-F238E27FC236}">
+                <a16:creationId xmlns:a16="http://schemas.microsoft.com/office/drawing/2014/main" id="{142CE05A-4C85-4FF2-8C6E-784B9E9B8346}"/>
+              </a:ext>
+            </a:extLst>
+          </p:cNvPr>
+          <p:cNvCxnSpPr>
+            <a:cxnSpLocks/>
+            <a:endCxn id="119" idx="2"/>
+          </p:cNvCxnSpPr>
+          <p:nvPr/>
+        </p:nvCxnSpPr>
+        <p:spPr>
+          <a:xfrm>
+            <a:off x="5694893" y="6726607"/>
+            <a:ext cx="1586244" cy="0"/>
+          </a:xfrm>
+          <a:prstGeom prst="straightConnector1">
+            <a:avLst/>
+          </a:prstGeom>
+          <a:ln w="19050">
+            <a:solidFill>
+              <a:srgbClr val="7030A0"/>
+            </a:solidFill>
+            <a:prstDash val="sysDash"/>
+            <a:headEnd type="arrow" w="med" len="med"/>
+            <a:tailEnd type="none" w="med" len="med"/>
+          </a:ln>
+        </p:spPr>
+        <p:style>
+          <a:lnRef idx="1">
+            <a:schemeClr val="accent1"/>
+          </a:lnRef>
+          <a:fillRef idx="0">
+            <a:schemeClr val="accent1"/>
+          </a:fillRef>
+          <a:effectRef idx="0">
+            <a:schemeClr val="accent1"/>
+          </a:effectRef>
+          <a:fontRef idx="minor">
+            <a:schemeClr val="tx1"/>
+          </a:fontRef>
+        </p:style>
+      </p:cxnSp>
+      <p:sp>
+        <p:nvSpPr>
+          <p:cNvPr id="123" name="Rectangle 122">
+            <a:extLst>
+              <a:ext uri="{FF2B5EF4-FFF2-40B4-BE49-F238E27FC236}">
+                <a16:creationId xmlns:a16="http://schemas.microsoft.com/office/drawing/2014/main" id="{743BE1F3-FFA8-4729-ADD0-3F32203F75F3}"/>
+              </a:ext>
+            </a:extLst>
+          </p:cNvPr>
+          <p:cNvSpPr/>
+          <p:nvPr/>
+        </p:nvSpPr>
+        <p:spPr>
+          <a:xfrm>
+            <a:off x="1161523" y="5864616"/>
+            <a:ext cx="8875236" cy="1107108"/>
+          </a:xfrm>
+          <a:prstGeom prst="rect">
+            <a:avLst/>
+          </a:prstGeom>
+          <a:noFill/>
+        </p:spPr>
+        <p:style>
+          <a:lnRef idx="2">
+            <a:schemeClr val="accent1">
+              <a:shade val="50000"/>
+            </a:schemeClr>
+          </a:lnRef>
+          <a:fillRef idx="1">
+            <a:schemeClr val="accent1"/>
+          </a:fillRef>
+          <a:effectRef idx="0">
+            <a:schemeClr val="accent1"/>
+          </a:effectRef>
+          <a:fontRef idx="minor">
+            <a:schemeClr val="lt1"/>
+          </a:fontRef>
+        </p:style>
+        <p:txBody>
+          <a:bodyPr rtlCol="0" anchor="ctr"/>
+          <a:lstStyle/>
+          <a:p>
+            <a:pPr algn="ctr"/>
+            <a:endParaRPr lang="en-SG"/>
+          </a:p>
+        </p:txBody>
+      </p:sp>
+      <p:sp>
+        <p:nvSpPr>
+          <p:cNvPr id="124" name="TextBox 123">
+            <a:extLst>
+              <a:ext uri="{FF2B5EF4-FFF2-40B4-BE49-F238E27FC236}">
+                <a16:creationId xmlns:a16="http://schemas.microsoft.com/office/drawing/2014/main" id="{6F427E76-90CE-4AD1-AF18-F18AB62E7AB3}"/>
+              </a:ext>
+            </a:extLst>
+          </p:cNvPr>
+          <p:cNvSpPr txBox="1"/>
+          <p:nvPr/>
+        </p:nvSpPr>
+        <p:spPr>
+          <a:xfrm>
+            <a:off x="1664629" y="5889630"/>
+            <a:ext cx="1359668" cy="430887"/>
+          </a:xfrm>
+          <a:prstGeom prst="rect">
+            <a:avLst/>
+          </a:prstGeom>
+          <a:noFill/>
+        </p:spPr>
+        <p:txBody>
+          <a:bodyPr wrap="none" rtlCol="0">
+            <a:spAutoFit/>
+          </a:bodyPr>
+          <a:lstStyle/>
+          <a:p>
+            <a:r>
+              <a:rPr lang="en-SG" sz="1100" dirty="0"/>
+              <a:t>[</a:t>
+            </a:r>
+            <a:r>
+              <a:rPr lang="en-SG" sz="1050" dirty="0" err="1"/>
+              <a:t>subcommand.equals</a:t>
+            </a:r>
+            <a:endParaRPr lang="en-SG" sz="1050" dirty="0"/>
+          </a:p>
+          <a:p>
+            <a:r>
+              <a:rPr lang="en-SG" sz="1050" dirty="0"/>
+              <a:t>(“size”)</a:t>
+            </a:r>
+            <a:r>
+              <a:rPr lang="en-SG" sz="1100" dirty="0"/>
+              <a:t>]</a:t>
+            </a:r>
+          </a:p>
+        </p:txBody>
+      </p:sp>
+      <p:sp>
+        <p:nvSpPr>
+          <p:cNvPr id="125" name="Rectangle 124">
+            <a:extLst>
+              <a:ext uri="{FF2B5EF4-FFF2-40B4-BE49-F238E27FC236}">
+                <a16:creationId xmlns:a16="http://schemas.microsoft.com/office/drawing/2014/main" id="{14F8F487-FC08-4F8C-8388-3D7F9B9C5D4F}"/>
+              </a:ext>
+            </a:extLst>
+          </p:cNvPr>
+          <p:cNvSpPr/>
+          <p:nvPr/>
+        </p:nvSpPr>
+        <p:spPr>
+          <a:xfrm>
+            <a:off x="9274470" y="6440838"/>
+            <a:ext cx="141935" cy="195819"/>
+          </a:xfrm>
+          <a:prstGeom prst="rect">
+            <a:avLst/>
+          </a:prstGeom>
+          <a:solidFill>
+            <a:srgbClr val="7030A0"/>
+          </a:solidFill>
+          <a:ln>
+            <a:solidFill>
+              <a:srgbClr val="7030A0"/>
+            </a:solidFill>
+          </a:ln>
+          <a:effectLst/>
+        </p:spPr>
+        <p:style>
+          <a:lnRef idx="1">
+            <a:schemeClr val="accent3"/>
+          </a:lnRef>
+          <a:fillRef idx="2">
+            <a:schemeClr val="accent3"/>
+          </a:fillRef>
+          <a:effectRef idx="1">
+            <a:schemeClr val="accent3"/>
+          </a:effectRef>
+          <a:fontRef idx="minor">
+            <a:schemeClr val="dk1"/>
+          </a:fontRef>
+        </p:style>
+        <p:txBody>
+          <a:bodyPr rtlCol="0" anchor="ctr"/>
+          <a:lstStyle/>
+          <a:p>
+            <a:pPr algn="ctr"/>
+            <a:endParaRPr lang="en-SG" sz="1400" dirty="0"/>
+          </a:p>
+        </p:txBody>
+      </p:sp>
+      <p:cxnSp>
+        <p:nvCxnSpPr>
+          <p:cNvPr id="126" name="Straight Arrow Connector 125">
+            <a:extLst>
+              <a:ext uri="{FF2B5EF4-FFF2-40B4-BE49-F238E27FC236}">
+                <a16:creationId xmlns:a16="http://schemas.microsoft.com/office/drawing/2014/main" id="{63FF19CA-CF72-4C10-BCF8-CD2CE7025BB3}"/>
+              </a:ext>
+            </a:extLst>
+          </p:cNvPr>
+          <p:cNvCxnSpPr>
+            <a:cxnSpLocks/>
+          </p:cNvCxnSpPr>
+          <p:nvPr/>
+        </p:nvCxnSpPr>
+        <p:spPr>
+          <a:xfrm>
+            <a:off x="7358670" y="6437914"/>
+            <a:ext cx="1915800" cy="0"/>
+          </a:xfrm>
+          <a:prstGeom prst="straightConnector1">
+            <a:avLst/>
+          </a:prstGeom>
+          <a:ln w="19050">
+            <a:solidFill>
+              <a:srgbClr val="7030A0"/>
+            </a:solidFill>
+            <a:tailEnd type="arrow"/>
+          </a:ln>
+        </p:spPr>
+        <p:style>
+          <a:lnRef idx="1">
+            <a:schemeClr val="accent1"/>
+          </a:lnRef>
+          <a:fillRef idx="0">
+            <a:schemeClr val="accent1"/>
+          </a:fillRef>
+          <a:effectRef idx="0">
+            <a:schemeClr val="accent1"/>
+          </a:effectRef>
+          <a:fontRef idx="minor">
+            <a:schemeClr val="tx1"/>
+          </a:fontRef>
+        </p:style>
+      </p:cxnSp>
+      <p:cxnSp>
+        <p:nvCxnSpPr>
+          <p:cNvPr id="127" name="Straight Arrow Connector 126">
+            <a:extLst>
+              <a:ext uri="{FF2B5EF4-FFF2-40B4-BE49-F238E27FC236}">
+                <a16:creationId xmlns:a16="http://schemas.microsoft.com/office/drawing/2014/main" id="{55EE1193-9409-48CA-AC09-9386D055E085}"/>
+              </a:ext>
+            </a:extLst>
+          </p:cNvPr>
+          <p:cNvCxnSpPr>
+            <a:cxnSpLocks/>
+            <a:endCxn id="125" idx="2"/>
+          </p:cNvCxnSpPr>
+          <p:nvPr/>
+        </p:nvCxnSpPr>
+        <p:spPr>
+          <a:xfrm>
+            <a:off x="7348920" y="6632763"/>
+            <a:ext cx="1996518" cy="3894"/>
+          </a:xfrm>
+          <a:prstGeom prst="straightConnector1">
+            <a:avLst/>
+          </a:prstGeom>
+          <a:ln w="19050">
+            <a:solidFill>
+              <a:srgbClr val="7030A0"/>
+            </a:solidFill>
+            <a:prstDash val="sysDash"/>
+            <a:headEnd type="arrow" w="med" len="med"/>
+            <a:tailEnd type="none" w="med" len="med"/>
+          </a:ln>
+        </p:spPr>
+        <p:style>
+          <a:lnRef idx="1">
+            <a:schemeClr val="accent1"/>
+          </a:lnRef>
+          <a:fillRef idx="0">
+            <a:schemeClr val="accent1"/>
+          </a:fillRef>
+          <a:effectRef idx="0">
+            <a:schemeClr val="accent1"/>
+          </a:effectRef>
+          <a:fontRef idx="minor">
+            <a:schemeClr val="tx1"/>
+          </a:fontRef>
+        </p:style>
+      </p:cxnSp>
+      <p:sp>
+        <p:nvSpPr>
+          <p:cNvPr id="129" name="TextBox 128">
+            <a:extLst>
+              <a:ext uri="{FF2B5EF4-FFF2-40B4-BE49-F238E27FC236}">
+                <a16:creationId xmlns:a16="http://schemas.microsoft.com/office/drawing/2014/main" id="{C0546A10-43CC-470A-A519-0D1BD80F321D}"/>
+              </a:ext>
+            </a:extLst>
+          </p:cNvPr>
+          <p:cNvSpPr txBox="1"/>
+          <p:nvPr/>
+        </p:nvSpPr>
+        <p:spPr>
+          <a:xfrm>
+            <a:off x="7556141" y="6058400"/>
+            <a:ext cx="1579172" cy="369332"/>
+          </a:xfrm>
+          <a:prstGeom prst="rect">
+            <a:avLst/>
+          </a:prstGeom>
+          <a:noFill/>
+          <a:ln>
+            <a:noFill/>
+          </a:ln>
+        </p:spPr>
+        <p:txBody>
+          <a:bodyPr wrap="square" lIns="0" tIns="0" rIns="0" bIns="0" rtlCol="0">
+            <a:spAutoFit/>
+          </a:bodyPr>
+          <a:lstStyle>
+            <a:defPPr>
+              <a:defRPr lang="en-US"/>
+            </a:defPPr>
+            <a:lvl1pPr algn="r">
+              <a:defRPr sz="1400">
+                <a:solidFill>
+                  <a:srgbClr val="0070C0"/>
+                </a:solidFill>
+              </a:defRPr>
+            </a:lvl1pPr>
+          </a:lstStyle>
+          <a:p>
+            <a:pPr algn="ctr"/>
+            <a:r>
+              <a:rPr lang="en-US" sz="1200" dirty="0" err="1">
+                <a:solidFill>
+                  <a:schemeClr val="accent4">
+                    <a:lumMod val="75000"/>
+                  </a:schemeClr>
+                </a:solidFill>
+              </a:rPr>
+              <a:t>setCanvasSize</a:t>
+            </a:r>
+            <a:endParaRPr lang="en-US" sz="1200" dirty="0">
+              <a:solidFill>
+                <a:schemeClr val="accent4">
+                  <a:lumMod val="75000"/>
+                </a:schemeClr>
+              </a:solidFill>
+            </a:endParaRPr>
+          </a:p>
+          <a:p>
+            <a:pPr algn="ctr"/>
+            <a:r>
+              <a:rPr lang="en-US" sz="1200" dirty="0">
+                <a:solidFill>
+                  <a:schemeClr val="accent4">
+                    <a:lumMod val="75000"/>
+                  </a:schemeClr>
+                </a:solidFill>
+              </a:rPr>
+              <a:t>(</a:t>
+            </a:r>
+            <a:r>
+              <a:rPr lang="en-US" sz="1200" dirty="0" err="1">
+                <a:solidFill>
+                  <a:schemeClr val="accent4">
+                    <a:lumMod val="75000"/>
+                  </a:schemeClr>
+                </a:solidFill>
+              </a:rPr>
+              <a:t>height,width</a:t>
+            </a:r>
+            <a:r>
+              <a:rPr lang="en-US" sz="1200" dirty="0">
+                <a:solidFill>
+                  <a:schemeClr val="accent4">
+                    <a:lumMod val="75000"/>
+                  </a:schemeClr>
+                </a:solidFill>
+              </a:rPr>
+              <a:t>)</a:t>
+            </a:r>
           </a:p>
         </p:txBody>
       </p:sp>
@@ -6332,8 +6799,8 @@
         </p:nvSpPr>
         <p:spPr>
           <a:xfrm>
-            <a:off x="6325545" y="351753"/>
-            <a:ext cx="4323549" cy="5247181"/>
+            <a:off x="6561403" y="163018"/>
+            <a:ext cx="6316397" cy="7761767"/>
           </a:xfrm>
           <a:prstGeom prst="roundRect">
             <a:avLst>
@@ -6393,8 +6860,8 @@
         </p:nvSpPr>
         <p:spPr>
           <a:xfrm>
-            <a:off x="471280" y="423022"/>
-            <a:ext cx="5863964" cy="5247182"/>
+            <a:off x="196655" y="163017"/>
+            <a:ext cx="6399396" cy="7761774"/>
           </a:xfrm>
           <a:prstGeom prst="roundRect">
             <a:avLst>
@@ -6524,7 +6991,7 @@
         <p:spPr>
           <a:xfrm>
             <a:off x="1610959" y="907617"/>
-            <a:ext cx="0" cy="4350183"/>
+            <a:ext cx="0" cy="6178983"/>
           </a:xfrm>
           <a:prstGeom prst="line">
             <a:avLst/>
@@ -6560,8 +7027,8 @@
         </p:nvSpPr>
         <p:spPr>
           <a:xfrm>
-            <a:off x="1530029" y="1258311"/>
-            <a:ext cx="161322" cy="3847087"/>
+            <a:off x="1530029" y="1258310"/>
+            <a:ext cx="176935" cy="6437861"/>
           </a:xfrm>
           <a:prstGeom prst="rect">
             <a:avLst/>
@@ -6607,8 +7074,8 @@
         </p:nvSpPr>
         <p:spPr>
           <a:xfrm>
-            <a:off x="3437188" y="423022"/>
-            <a:ext cx="1219200" cy="467684"/>
+            <a:off x="3437187" y="423022"/>
+            <a:ext cx="1455626" cy="467684"/>
           </a:xfrm>
           <a:prstGeom prst="rect">
             <a:avLst/>
@@ -6648,18 +7115,15 @@
                   <a:schemeClr val="bg1"/>
                 </a:solidFill>
               </a:rPr>
-              <a:t>:Address</a:t>
-            </a:r>
-          </a:p>
-          <a:p>
-            <a:pPr algn="ctr"/>
+              <a:t>:</a:t>
+            </a:r>
             <a:r>
               <a:rPr lang="en-US" sz="1600" dirty="0" err="1">
                 <a:solidFill>
                   <a:schemeClr val="bg1"/>
                 </a:solidFill>
               </a:rPr>
-              <a:t>BookParser</a:t>
+              <a:t>PiconsoParser</a:t>
             </a:r>
             <a:endParaRPr lang="en-SG" sz="1600" dirty="0">
               <a:solidFill>
@@ -6772,7 +7236,7 @@
         <p:spPr>
           <a:xfrm>
             <a:off x="5602082" y="1613633"/>
-            <a:ext cx="0" cy="3415567"/>
+            <a:ext cx="21631" cy="5973357"/>
           </a:xfrm>
           <a:prstGeom prst="line">
             <a:avLst/>
@@ -6891,8 +7355,8 @@
         </p:nvSpPr>
         <p:spPr>
           <a:xfrm>
-            <a:off x="292382" y="1258309"/>
-            <a:ext cx="1179128" cy="646331"/>
+            <a:off x="234228" y="1245513"/>
+            <a:ext cx="1337310" cy="646331"/>
           </a:xfrm>
           <a:prstGeom prst="rect">
             <a:avLst/>
@@ -6923,23 +7387,7 @@
                   <a:srgbClr val="0070C0"/>
                 </a:solidFill>
               </a:rPr>
-              <a:t>(“convert &lt;</a:t>
-            </a:r>
-            <a:r>
-              <a:rPr lang="en-US" sz="1400" dirty="0" err="1">
-                <a:solidFill>
-                  <a:srgbClr val="0070C0"/>
-                </a:solidFill>
-              </a:rPr>
-              <a:t>args</a:t>
-            </a:r>
-            <a:r>
-              <a:rPr lang="en-US" sz="1400" dirty="0">
-                <a:solidFill>
-                  <a:srgbClr val="0070C0"/>
-                </a:solidFill>
-              </a:rPr>
-              <a:t>&gt;”)</a:t>
+              <a:t>(“canvas &lt;arguments&gt;”)</a:t>
             </a:r>
           </a:p>
         </p:txBody>
@@ -6947,13 +7395,16 @@
       <p:cxnSp>
         <p:nvCxnSpPr>
           <p:cNvPr id="28" name="Straight Arrow Connector 27"/>
-          <p:cNvCxnSpPr/>
+          <p:cNvCxnSpPr>
+            <a:cxnSpLocks/>
+            <a:endCxn id="19" idx="1"/>
+          </p:cNvCxnSpPr>
           <p:nvPr/>
         </p:nvCxnSpPr>
         <p:spPr>
-          <a:xfrm flipV="1">
-            <a:off x="4135972" y="1512340"/>
-            <a:ext cx="922392" cy="1"/>
+          <a:xfrm>
+            <a:off x="4109108" y="1526169"/>
+            <a:ext cx="843491" cy="0"/>
           </a:xfrm>
           <a:prstGeom prst="straightConnector1">
             <a:avLst/>
@@ -7106,7 +7557,7 @@
         </p:nvCxnSpPr>
         <p:spPr>
           <a:xfrm>
-            <a:off x="380999" y="5105400"/>
+            <a:off x="380999" y="6798299"/>
             <a:ext cx="1196051" cy="0"/>
           </a:xfrm>
           <a:prstGeom prst="straightConnector1">
@@ -7144,8 +7595,8 @@
         </p:nvSpPr>
         <p:spPr>
           <a:xfrm>
-            <a:off x="5526488" y="2731313"/>
-            <a:ext cx="151794" cy="2178489"/>
+            <a:off x="5526488" y="2731312"/>
+            <a:ext cx="194450" cy="4779483"/>
           </a:xfrm>
           <a:prstGeom prst="rect">
             <a:avLst/>
@@ -7185,14 +7636,14 @@
       </p:sp>
       <p:sp>
         <p:nvSpPr>
-          <p:cNvPr id="79" name="TextBox 78"/>
+          <p:cNvPr id="80" name="TextBox 79"/>
           <p:cNvSpPr txBox="1"/>
           <p:nvPr/>
         </p:nvSpPr>
         <p:spPr>
           <a:xfrm>
-            <a:off x="5744799" y="2755856"/>
-            <a:ext cx="1298078" cy="184666"/>
+            <a:off x="1885189" y="1106150"/>
+            <a:ext cx="1899551" cy="215444"/>
           </a:xfrm>
           <a:prstGeom prst="rect">
             <a:avLst/>
@@ -7217,37 +7668,26 @@
           </a:lstStyle>
           <a:p>
             <a:r>
-              <a:rPr lang="en-US" sz="1200" dirty="0" err="1">
-                <a:solidFill>
-                  <a:schemeClr val="accent4">
-                    <a:lumMod val="75000"/>
-                  </a:schemeClr>
-                </a:solidFill>
-              </a:rPr>
-              <a:t>addTransformation</a:t>
-            </a:r>
-            <a:r>
-              <a:rPr lang="en-US" sz="1200" dirty="0">
-                <a:solidFill>
-                  <a:srgbClr val="7030A0"/>
-                </a:solidFill>
-              </a:rPr>
-              <a:t>()</a:t>
-            </a:r>
-            <a:endParaRPr lang="en-US" sz="1200" dirty="0"/>
-          </a:p>
-        </p:txBody>
-      </p:sp>
-      <p:sp>
-        <p:nvSpPr>
-          <p:cNvPr id="80" name="TextBox 79"/>
+              <a:rPr lang="en-US" dirty="0" err="1"/>
+              <a:t>parseCommand</a:t>
+            </a:r>
+            <a:r>
+              <a:rPr lang="en-US" dirty="0"/>
+              <a:t>(“canvas”)</a:t>
+            </a:r>
+          </a:p>
+        </p:txBody>
+      </p:sp>
+      <p:sp>
+        <p:nvSpPr>
+          <p:cNvPr id="82" name="TextBox 81"/>
           <p:cNvSpPr txBox="1"/>
           <p:nvPr/>
         </p:nvSpPr>
         <p:spPr>
           <a:xfrm>
-            <a:off x="1750985" y="1040752"/>
-            <a:ext cx="2079761" cy="215444"/>
+            <a:off x="3272755" y="4388982"/>
+            <a:ext cx="621216" cy="236988"/>
           </a:xfrm>
           <a:prstGeom prst="rect">
             <a:avLst/>
@@ -7272,26 +7712,22 @@
           </a:lstStyle>
           <a:p>
             <a:r>
-              <a:rPr lang="en-US" dirty="0" err="1"/>
-              <a:t>parseCommand</a:t>
-            </a:r>
-            <a:r>
               <a:rPr lang="en-US" dirty="0"/>
-              <a:t>(“convert”)</a:t>
-            </a:r>
-          </a:p>
-        </p:txBody>
-      </p:sp>
-      <p:sp>
-        <p:nvSpPr>
-          <p:cNvPr id="82" name="TextBox 81"/>
+              <a:t>result</a:t>
+            </a:r>
+          </a:p>
+        </p:txBody>
+      </p:sp>
+      <p:sp>
+        <p:nvSpPr>
+          <p:cNvPr id="83" name="TextBox 82"/>
           <p:cNvSpPr txBox="1"/>
           <p:nvPr/>
         </p:nvSpPr>
         <p:spPr>
           <a:xfrm>
-            <a:off x="3272755" y="4661356"/>
-            <a:ext cx="621216" cy="215444"/>
+            <a:off x="279654" y="6561846"/>
+            <a:ext cx="762000" cy="215444"/>
           </a:xfrm>
           <a:prstGeom prst="rect">
             <a:avLst/>
@@ -7324,14 +7760,14 @@
       </p:sp>
       <p:sp>
         <p:nvSpPr>
-          <p:cNvPr id="83" name="TextBox 82"/>
+          <p:cNvPr id="93" name="TextBox 92"/>
           <p:cNvSpPr txBox="1"/>
           <p:nvPr/>
         </p:nvSpPr>
         <p:spPr>
           <a:xfrm>
-            <a:off x="645270" y="4860301"/>
-            <a:ext cx="762000" cy="215444"/>
+            <a:off x="2499094" y="1905793"/>
+            <a:ext cx="580960" cy="215444"/>
           </a:xfrm>
           <a:prstGeom prst="rect">
             <a:avLst/>
@@ -7357,21 +7793,21 @@
           <a:p>
             <a:r>
               <a:rPr lang="en-US" dirty="0"/>
-              <a:t>result</a:t>
-            </a:r>
-          </a:p>
-        </p:txBody>
-      </p:sp>
-      <p:sp>
-        <p:nvSpPr>
-          <p:cNvPr id="84" name="Rectangle 62"/>
+              <a:t>canvas</a:t>
+            </a:r>
+          </a:p>
+        </p:txBody>
+      </p:sp>
+      <p:sp>
+        <p:nvSpPr>
+          <p:cNvPr id="40" name="Rectangle 62"/>
           <p:cNvSpPr/>
           <p:nvPr/>
         </p:nvSpPr>
         <p:spPr>
           <a:xfrm>
-            <a:off x="8080635" y="2438400"/>
-            <a:ext cx="1294659" cy="244173"/>
+            <a:off x="6855306" y="2362200"/>
+            <a:ext cx="841636" cy="300180"/>
           </a:xfrm>
           <a:prstGeom prst="rect">
             <a:avLst/>
@@ -7411,7 +7847,7 @@
                   <a:schemeClr val="bg1"/>
                 </a:solidFill>
               </a:rPr>
-              <a:t>: Canvas</a:t>
+              <a:t>: Model</a:t>
             </a:r>
             <a:endParaRPr lang="en-SG" sz="1600" dirty="0">
               <a:solidFill>
@@ -7421,63 +7857,55 @@
           </a:p>
         </p:txBody>
       </p:sp>
-      <p:sp>
-        <p:nvSpPr>
-          <p:cNvPr id="86" name="Rectangle 85"/>
-          <p:cNvSpPr/>
-          <p:nvPr/>
-        </p:nvSpPr>
-        <p:spPr>
-          <a:xfrm>
-            <a:off x="8655704" y="3010906"/>
-            <a:ext cx="141935" cy="195819"/>
-          </a:xfrm>
-          <a:prstGeom prst="rect">
-            <a:avLst/>
-          </a:prstGeom>
-          <a:solidFill>
-            <a:srgbClr val="7030A0"/>
-          </a:solidFill>
-          <a:ln>
+      <p:cxnSp>
+        <p:nvCxnSpPr>
+          <p:cNvPr id="46" name="Straight Connector 45"/>
+          <p:cNvCxnSpPr>
+            <a:cxnSpLocks/>
+          </p:cNvCxnSpPr>
+          <p:nvPr/>
+        </p:nvCxnSpPr>
+        <p:spPr>
+          <a:xfrm>
+            <a:off x="7295992" y="2653306"/>
+            <a:ext cx="0" cy="4814294"/>
+          </a:xfrm>
+          <a:prstGeom prst="line">
+            <a:avLst/>
+          </a:prstGeom>
+          <a:ln w="19050">
             <a:solidFill>
               <a:srgbClr val="7030A0"/>
             </a:solidFill>
+            <a:prstDash val="sysDash"/>
           </a:ln>
           <a:effectLst/>
         </p:spPr>
         <p:style>
           <a:lnRef idx="1">
-            <a:schemeClr val="accent3"/>
+            <a:schemeClr val="accent1"/>
           </a:lnRef>
           <a:fillRef idx="2">
-            <a:schemeClr val="accent3"/>
+            <a:schemeClr val="accent1"/>
           </a:fillRef>
           <a:effectRef idx="1">
-            <a:schemeClr val="accent3"/>
+            <a:schemeClr val="accent1"/>
           </a:effectRef>
           <a:fontRef idx="minor">
             <a:schemeClr val="dk1"/>
           </a:fontRef>
         </p:style>
-        <p:txBody>
-          <a:bodyPr rtlCol="0" anchor="ctr"/>
-          <a:lstStyle/>
-          <a:p>
-            <a:pPr algn="ctr"/>
-            <a:endParaRPr lang="en-SG" sz="1400" dirty="0"/>
-          </a:p>
-        </p:txBody>
-      </p:sp>
-      <p:sp>
-        <p:nvSpPr>
-          <p:cNvPr id="93" name="TextBox 92"/>
+      </p:cxnSp>
+      <p:sp>
+        <p:nvSpPr>
+          <p:cNvPr id="4" name="TextBox 3"/>
           <p:cNvSpPr txBox="1"/>
           <p:nvPr/>
         </p:nvSpPr>
         <p:spPr>
           <a:xfrm>
-            <a:off x="2091691" y="1865909"/>
-            <a:ext cx="1365403" cy="215444"/>
+            <a:off x="5494511" y="7586990"/>
+            <a:ext cx="258404" cy="261610"/>
           </a:xfrm>
           <a:prstGeom prst="rect">
             <a:avLst/>
@@ -7485,51 +7913,42 @@
           <a:noFill/>
         </p:spPr>
         <p:txBody>
-          <a:bodyPr wrap="square" lIns="0" tIns="0" rIns="0" bIns="0" rtlCol="0">
+          <a:bodyPr wrap="none" rtlCol="0">
             <a:spAutoFit/>
           </a:bodyPr>
-          <a:lstStyle>
-            <a:defPPr>
-              <a:defRPr lang="en-US"/>
-            </a:defPPr>
-            <a:lvl1pPr algn="r">
-              <a:defRPr sz="1400">
+          <a:lstStyle/>
+          <a:p>
+            <a:r>
+              <a:rPr lang="en-SG" sz="1100" dirty="0">
                 <a:solidFill>
-                  <a:srgbClr val="0070C0"/>
+                  <a:srgbClr val="002060"/>
                 </a:solidFill>
-              </a:defRPr>
-            </a:lvl1pPr>
-          </a:lstStyle>
-          <a:p>
-            <a:pPr algn="ctr"/>
-            <a:r>
-              <a:rPr lang="en-US" dirty="0" err="1"/>
-              <a:t>ConvertCommand</a:t>
-            </a:r>
-            <a:endParaRPr lang="en-US" dirty="0"/>
-          </a:p>
-        </p:txBody>
-      </p:sp>
-      <p:sp>
-        <p:nvSpPr>
-          <p:cNvPr id="40" name="Rectangle 62"/>
+              </a:rPr>
+              <a:t>X</a:t>
+            </a:r>
+          </a:p>
+        </p:txBody>
+      </p:sp>
+      <p:sp>
+        <p:nvSpPr>
+          <p:cNvPr id="19" name="Rectangle 62"/>
           <p:cNvSpPr/>
           <p:nvPr/>
         </p:nvSpPr>
         <p:spPr>
           <a:xfrm>
-            <a:off x="6705600" y="2362200"/>
-            <a:ext cx="841636" cy="300180"/>
+            <a:off x="4952599" y="1295400"/>
+            <a:ext cx="1371587" cy="461538"/>
           </a:xfrm>
           <a:prstGeom prst="rect">
             <a:avLst/>
           </a:prstGeom>
           <a:solidFill>
-            <a:srgbClr val="7030A0"/>
+            <a:srgbClr val="0070C0"/>
           </a:solidFill>
           <a:ln w="19050">
             <a:solidFill>
-              <a:srgbClr val="7030A0"/>
+              <a:srgbClr val="0070C0"/>
             </a:solidFill>
           </a:ln>
           <a:effectLst/>
@@ -7554,245 +7973,29 @@
           <a:p>
             <a:pPr algn="ctr"/>
             <a:r>
+              <a:rPr lang="en-US" sz="1600" dirty="0" err="1">
+                <a:solidFill>
+                  <a:schemeClr val="bg1"/>
+                </a:solidFill>
+              </a:rPr>
+              <a:t>canvas:Canvas</a:t>
+            </a:r>
+            <a:br>
               <a:rPr lang="en-US" sz="1600" dirty="0">
                 <a:solidFill>
                   <a:schemeClr val="bg1"/>
                 </a:solidFill>
               </a:rPr>
-              <a:t>: Model</a:t>
-            </a:r>
-            <a:endParaRPr lang="en-SG" sz="1600" dirty="0">
-              <a:solidFill>
-                <a:schemeClr val="bg1"/>
-              </a:solidFill>
-            </a:endParaRPr>
-          </a:p>
-        </p:txBody>
-      </p:sp>
-      <p:cxnSp>
-        <p:nvCxnSpPr>
-          <p:cNvPr id="46" name="Straight Connector 45"/>
-          <p:cNvCxnSpPr>
-            <a:cxnSpLocks/>
-          </p:cNvCxnSpPr>
-          <p:nvPr/>
-        </p:nvCxnSpPr>
-        <p:spPr>
-          <a:xfrm flipH="1">
-            <a:off x="7126893" y="2653306"/>
-            <a:ext cx="19393" cy="2375894"/>
-          </a:xfrm>
-          <a:prstGeom prst="line">
-            <a:avLst/>
-          </a:prstGeom>
-          <a:ln w="19050">
-            <a:solidFill>
-              <a:srgbClr val="7030A0"/>
-            </a:solidFill>
-            <a:prstDash val="sysDash"/>
-          </a:ln>
-          <a:effectLst/>
-        </p:spPr>
-        <p:style>
-          <a:lnRef idx="1">
-            <a:schemeClr val="accent1"/>
-          </a:lnRef>
-          <a:fillRef idx="2">
-            <a:schemeClr val="accent1"/>
-          </a:fillRef>
-          <a:effectRef idx="1">
-            <a:schemeClr val="accent1"/>
-          </a:effectRef>
-          <a:fontRef idx="minor">
-            <a:schemeClr val="dk1"/>
-          </a:fontRef>
-        </p:style>
-      </p:cxnSp>
-      <p:sp>
-        <p:nvSpPr>
-          <p:cNvPr id="49" name="Rectangle 48"/>
-          <p:cNvSpPr/>
-          <p:nvPr/>
-        </p:nvSpPr>
-        <p:spPr>
-          <a:xfrm>
-            <a:off x="7043362" y="2958107"/>
-            <a:ext cx="152505" cy="375718"/>
-          </a:xfrm>
-          <a:prstGeom prst="rect">
-            <a:avLst/>
-          </a:prstGeom>
-          <a:solidFill>
-            <a:srgbClr val="7030A0"/>
-          </a:solidFill>
-          <a:ln>
-            <a:solidFill>
-              <a:srgbClr val="7030A0"/>
-            </a:solidFill>
-          </a:ln>
-          <a:effectLst/>
-        </p:spPr>
-        <p:style>
-          <a:lnRef idx="1">
-            <a:schemeClr val="accent3"/>
-          </a:lnRef>
-          <a:fillRef idx="2">
-            <a:schemeClr val="accent3"/>
-          </a:fillRef>
-          <a:effectRef idx="1">
-            <a:schemeClr val="accent3"/>
-          </a:effectRef>
-          <a:fontRef idx="minor">
-            <a:schemeClr val="dk1"/>
-          </a:fontRef>
-        </p:style>
-        <p:txBody>
-          <a:bodyPr rtlCol="0" anchor="ctr"/>
-          <a:lstStyle/>
-          <a:p>
-            <a:pPr algn="ctr"/>
-            <a:endParaRPr lang="en-SG" sz="1400"/>
-          </a:p>
-        </p:txBody>
-      </p:sp>
-      <p:cxnSp>
-        <p:nvCxnSpPr>
-          <p:cNvPr id="50" name="Straight Arrow Connector 49"/>
-          <p:cNvCxnSpPr>
-            <a:cxnSpLocks/>
-          </p:cNvCxnSpPr>
-          <p:nvPr/>
-        </p:nvCxnSpPr>
-        <p:spPr>
-          <a:xfrm>
-            <a:off x="5685755" y="2975344"/>
-            <a:ext cx="1357607" cy="0"/>
-          </a:xfrm>
-          <a:prstGeom prst="straightConnector1">
-            <a:avLst/>
-          </a:prstGeom>
-          <a:ln w="19050">
-            <a:solidFill>
-              <a:srgbClr val="0070C0"/>
-            </a:solidFill>
-            <a:tailEnd type="arrow"/>
-          </a:ln>
-        </p:spPr>
-        <p:style>
-          <a:lnRef idx="1">
-            <a:schemeClr val="accent1"/>
-          </a:lnRef>
-          <a:fillRef idx="0">
-            <a:schemeClr val="accent1"/>
-          </a:fillRef>
-          <a:effectRef idx="0">
-            <a:schemeClr val="accent1"/>
-          </a:effectRef>
-          <a:fontRef idx="minor">
-            <a:schemeClr val="tx1"/>
-          </a:fontRef>
-        </p:style>
-      </p:cxnSp>
-      <p:sp>
-        <p:nvSpPr>
-          <p:cNvPr id="4" name="TextBox 3"/>
-          <p:cNvSpPr txBox="1"/>
-          <p:nvPr/>
-        </p:nvSpPr>
-        <p:spPr>
-          <a:xfrm>
-            <a:off x="5472880" y="5029200"/>
-            <a:ext cx="258404" cy="261610"/>
-          </a:xfrm>
-          <a:prstGeom prst="rect">
-            <a:avLst/>
-          </a:prstGeom>
-          <a:noFill/>
-        </p:spPr>
-        <p:txBody>
-          <a:bodyPr wrap="none" rtlCol="0">
-            <a:spAutoFit/>
-          </a:bodyPr>
-          <a:lstStyle/>
-          <a:p>
-            <a:r>
-              <a:rPr lang="en-SG" sz="1100" dirty="0">
-                <a:solidFill>
-                  <a:srgbClr val="002060"/>
-                </a:solidFill>
-              </a:rPr>
-              <a:t>X</a:t>
-            </a:r>
-          </a:p>
-        </p:txBody>
-      </p:sp>
-      <p:sp>
-        <p:nvSpPr>
-          <p:cNvPr id="19" name="Rectangle 62"/>
-          <p:cNvSpPr/>
-          <p:nvPr/>
-        </p:nvSpPr>
-        <p:spPr>
-          <a:xfrm>
-            <a:off x="5035976" y="1260268"/>
-            <a:ext cx="1216202" cy="461538"/>
-          </a:xfrm>
-          <a:prstGeom prst="rect">
-            <a:avLst/>
-          </a:prstGeom>
-          <a:solidFill>
-            <a:srgbClr val="0070C0"/>
-          </a:solidFill>
-          <a:ln w="19050">
-            <a:solidFill>
-              <a:srgbClr val="0070C0"/>
-            </a:solidFill>
-          </a:ln>
-          <a:effectLst/>
-        </p:spPr>
-        <p:style>
-          <a:lnRef idx="1">
-            <a:schemeClr val="accent2"/>
-          </a:lnRef>
-          <a:fillRef idx="2">
-            <a:schemeClr val="accent2"/>
-          </a:fillRef>
-          <a:effectRef idx="1">
-            <a:schemeClr val="accent2"/>
-          </a:effectRef>
-          <a:fontRef idx="minor">
-            <a:schemeClr val="dk1"/>
-          </a:fontRef>
-        </p:style>
-        <p:txBody>
-          <a:bodyPr rtlCol="0" anchor="ctr"/>
-          <a:lstStyle/>
-          <a:p>
-            <a:pPr algn="ctr"/>
-            <a:r>
-              <a:rPr lang="en-US" sz="1200" dirty="0">
-                <a:solidFill>
-                  <a:schemeClr val="bg1"/>
-                </a:solidFill>
-              </a:rPr>
-              <a:t>convert: Convert</a:t>
-            </a:r>
-            <a:br>
-              <a:rPr lang="en-US" sz="1200" dirty="0">
-                <a:solidFill>
-                  <a:schemeClr val="bg1"/>
-                </a:solidFill>
-              </a:rPr>
             </a:br>
             <a:r>
-              <a:rPr lang="en-US" sz="1200" dirty="0">
+              <a:rPr lang="en-US" sz="1600" dirty="0">
                 <a:solidFill>
                   <a:schemeClr val="bg1"/>
                 </a:solidFill>
               </a:rPr>
               <a:t>Command</a:t>
             </a:r>
-            <a:endParaRPr lang="en-SG" sz="1200" dirty="0">
+            <a:endParaRPr lang="en-SG" sz="1600" dirty="0">
               <a:solidFill>
                 <a:schemeClr val="bg1"/>
               </a:solidFill>
@@ -7904,7 +8107,7 @@
         </p:nvCxnSpPr>
         <p:spPr>
           <a:xfrm>
-            <a:off x="1691351" y="4909802"/>
+            <a:off x="1691351" y="4648200"/>
             <a:ext cx="3831517" cy="0"/>
           </a:xfrm>
           <a:prstGeom prst="straightConnector1">
@@ -7934,12 +8137,65 @@
           </a:fontRef>
         </p:style>
       </p:cxnSp>
+      <p:sp>
+        <p:nvSpPr>
+          <p:cNvPr id="54" name="Rectangle 53">
+            <a:extLst>
+              <a:ext uri="{FF2B5EF4-FFF2-40B4-BE49-F238E27FC236}">
+                <a16:creationId xmlns:a16="http://schemas.microsoft.com/office/drawing/2014/main" id="{89CA0E73-D056-42E5-88A3-4CD2AA6A492D}"/>
+              </a:ext>
+            </a:extLst>
+          </p:cNvPr>
+          <p:cNvSpPr/>
+          <p:nvPr/>
+        </p:nvSpPr>
+        <p:spPr>
+          <a:xfrm>
+            <a:off x="7195746" y="4143873"/>
+            <a:ext cx="152505" cy="375718"/>
+          </a:xfrm>
+          <a:prstGeom prst="rect">
+            <a:avLst/>
+          </a:prstGeom>
+          <a:solidFill>
+            <a:srgbClr val="7030A0"/>
+          </a:solidFill>
+          <a:ln>
+            <a:solidFill>
+              <a:srgbClr val="7030A0"/>
+            </a:solidFill>
+          </a:ln>
+          <a:effectLst/>
+        </p:spPr>
+        <p:style>
+          <a:lnRef idx="1">
+            <a:schemeClr val="accent3"/>
+          </a:lnRef>
+          <a:fillRef idx="2">
+            <a:schemeClr val="accent3"/>
+          </a:fillRef>
+          <a:effectRef idx="1">
+            <a:schemeClr val="accent3"/>
+          </a:effectRef>
+          <a:fontRef idx="minor">
+            <a:schemeClr val="dk1"/>
+          </a:fontRef>
+        </p:style>
+        <p:txBody>
+          <a:bodyPr rtlCol="0" anchor="ctr"/>
+          <a:lstStyle/>
+          <a:p>
+            <a:pPr algn="ctr"/>
+            <a:endParaRPr lang="en-SG" sz="1400"/>
+          </a:p>
+        </p:txBody>
+      </p:sp>
       <p:cxnSp>
         <p:nvCxnSpPr>
-          <p:cNvPr id="89" name="Straight Connector 88">
+          <p:cNvPr id="55" name="Straight Arrow Connector 54">
             <a:extLst>
               <a:ext uri="{FF2B5EF4-FFF2-40B4-BE49-F238E27FC236}">
-                <a16:creationId xmlns:a16="http://schemas.microsoft.com/office/drawing/2014/main" id="{E4E1C8CA-49DF-45D8-80A5-D5C8282EE927}"/>
+                <a16:creationId xmlns:a16="http://schemas.microsoft.com/office/drawing/2014/main" id="{FF72696D-5412-4E4B-9C96-7F57AE42A008}"/>
               </a:ext>
             </a:extLst>
           </p:cNvPr>
@@ -7950,45 +8206,50 @@
         </p:nvCxnSpPr>
         <p:spPr>
           <a:xfrm>
-            <a:off x="8732283" y="2642997"/>
-            <a:ext cx="9138" cy="2428274"/>
-          </a:xfrm>
-          <a:prstGeom prst="line">
+            <a:off x="5685755" y="4167051"/>
+            <a:ext cx="1507313" cy="0"/>
+          </a:xfrm>
+          <a:prstGeom prst="straightConnector1">
             <a:avLst/>
           </a:prstGeom>
           <a:ln w="19050">
             <a:solidFill>
-              <a:srgbClr val="7030A0"/>
+              <a:srgbClr val="0070C0"/>
             </a:solidFill>
-            <a:prstDash val="sysDash"/>
+            <a:tailEnd type="arrow"/>
           </a:ln>
-          <a:effectLst/>
         </p:spPr>
         <p:style>
           <a:lnRef idx="1">
             <a:schemeClr val="accent1"/>
           </a:lnRef>
-          <a:fillRef idx="2">
+          <a:fillRef idx="0">
             <a:schemeClr val="accent1"/>
           </a:fillRef>
-          <a:effectRef idx="1">
+          <a:effectRef idx="0">
             <a:schemeClr val="accent1"/>
           </a:effectRef>
           <a:fontRef idx="minor">
-            <a:schemeClr val="dk1"/>
+            <a:schemeClr val="tx1"/>
           </a:fontRef>
         </p:style>
       </p:cxnSp>
       <p:sp>
         <p:nvSpPr>
-          <p:cNvPr id="41" name="TextBox 40"/>
+          <p:cNvPr id="57" name="TextBox 56">
+            <a:extLst>
+              <a:ext uri="{FF2B5EF4-FFF2-40B4-BE49-F238E27FC236}">
+                <a16:creationId xmlns:a16="http://schemas.microsoft.com/office/drawing/2014/main" id="{96963441-FA23-489A-AC06-849CB59F8636}"/>
+              </a:ext>
+            </a:extLst>
+          </p:cNvPr>
           <p:cNvSpPr txBox="1"/>
           <p:nvPr/>
         </p:nvSpPr>
         <p:spPr>
           <a:xfrm>
-            <a:off x="7394835" y="2819400"/>
-            <a:ext cx="1175072" cy="184666"/>
+            <a:off x="5695630" y="3774376"/>
+            <a:ext cx="1579172" cy="369332"/>
           </a:xfrm>
           <a:prstGeom prst="rect">
             <a:avLst/>
@@ -8015,6 +8276,7 @@
             </a:lvl1pPr>
           </a:lstStyle>
           <a:p>
+            <a:pPr algn="ctr"/>
             <a:r>
               <a:rPr lang="en-US" sz="1200" dirty="0" err="1">
                 <a:solidFill>
@@ -8023,8 +8285,18 @@
                   </a:schemeClr>
                 </a:solidFill>
               </a:rPr>
-              <a:t>getCurrentLayer</a:t>
-            </a:r>
+              <a:t>setCanvasAuto</a:t>
+            </a:r>
+            <a:endParaRPr lang="en-US" sz="1200" dirty="0">
+              <a:solidFill>
+                <a:schemeClr val="accent4">
+                  <a:lumMod val="75000"/>
+                </a:schemeClr>
+              </a:solidFill>
+            </a:endParaRPr>
+          </a:p>
+          <a:p>
+            <a:pPr algn="ctr"/>
             <a:r>
               <a:rPr lang="en-US" sz="1200" dirty="0">
                 <a:solidFill>
@@ -8033,67 +8305,30 @@
                   </a:schemeClr>
                 </a:solidFill>
               </a:rPr>
-              <a:t>()</a:t>
+              <a:t>(auto)</a:t>
             </a:r>
           </a:p>
         </p:txBody>
       </p:sp>
       <p:cxnSp>
         <p:nvCxnSpPr>
-          <p:cNvPr id="52" name="Straight Arrow Connector 51"/>
-          <p:cNvCxnSpPr>
-            <a:cxnSpLocks/>
-          </p:cNvCxnSpPr>
-          <p:nvPr/>
-        </p:nvCxnSpPr>
-        <p:spPr>
-          <a:xfrm>
-            <a:off x="7199826" y="3026895"/>
-            <a:ext cx="1470216" cy="0"/>
-          </a:xfrm>
-          <a:prstGeom prst="straightConnector1">
-            <a:avLst/>
-          </a:prstGeom>
-          <a:ln w="19050">
-            <a:solidFill>
-              <a:srgbClr val="7030A0"/>
-            </a:solidFill>
-            <a:tailEnd type="arrow"/>
-          </a:ln>
-        </p:spPr>
-        <p:style>
-          <a:lnRef idx="1">
-            <a:schemeClr val="accent1"/>
-          </a:lnRef>
-          <a:fillRef idx="0">
-            <a:schemeClr val="accent1"/>
-          </a:fillRef>
-          <a:effectRef idx="0">
-            <a:schemeClr val="accent1"/>
-          </a:effectRef>
-          <a:fontRef idx="minor">
-            <a:schemeClr val="tx1"/>
-          </a:fontRef>
-        </p:style>
-      </p:cxnSp>
-      <p:cxnSp>
-        <p:nvCxnSpPr>
-          <p:cNvPr id="60" name="Straight Arrow Connector 59">
+          <p:cNvPr id="61" name="Straight Arrow Connector 60">
             <a:extLst>
               <a:ext uri="{FF2B5EF4-FFF2-40B4-BE49-F238E27FC236}">
-                <a16:creationId xmlns:a16="http://schemas.microsoft.com/office/drawing/2014/main" id="{7C9F21BC-13A9-471F-825A-2621FD36355F}"/>
+                <a16:creationId xmlns:a16="http://schemas.microsoft.com/office/drawing/2014/main" id="{B8AD5208-2B4F-44B2-911D-C88EF52BEACF}"/>
               </a:ext>
             </a:extLst>
           </p:cNvPr>
           <p:cNvCxnSpPr>
             <a:cxnSpLocks/>
+            <a:endCxn id="54" idx="2"/>
           </p:cNvCxnSpPr>
           <p:nvPr/>
         </p:nvCxnSpPr>
         <p:spPr>
-          <a:xfrm flipV="1">
-            <a:off x="7199826" y="3200400"/>
-            <a:ext cx="1470216" cy="6325"/>
+          <a:xfrm>
+            <a:off x="5685755" y="4519591"/>
+            <a:ext cx="1586244" cy="0"/>
           </a:xfrm>
           <a:prstGeom prst="straightConnector1">
             <a:avLst/>
@@ -8122,59 +8357,268 @@
           </a:fontRef>
         </p:style>
       </p:cxnSp>
-      <p:cxnSp>
-        <p:nvCxnSpPr>
-          <p:cNvPr id="63" name="Straight Arrow Connector 62">
+      <p:sp>
+        <p:nvSpPr>
+          <p:cNvPr id="24" name="Rectangle 23">
             <a:extLst>
               <a:ext uri="{FF2B5EF4-FFF2-40B4-BE49-F238E27FC236}">
-                <a16:creationId xmlns:a16="http://schemas.microsoft.com/office/drawing/2014/main" id="{7C9F21BC-13A9-471F-825A-2621FD36355F}"/>
+                <a16:creationId xmlns:a16="http://schemas.microsoft.com/office/drawing/2014/main" id="{45912D00-2CF1-4580-9F76-17B3F3BA02D7}"/>
               </a:ext>
             </a:extLst>
           </p:cNvPr>
-          <p:cNvCxnSpPr>
-            <a:cxnSpLocks/>
-            <a:endCxn id="49" idx="2"/>
-          </p:cNvCxnSpPr>
-          <p:nvPr/>
-        </p:nvCxnSpPr>
-        <p:spPr>
-          <a:xfrm>
-            <a:off x="5685755" y="3333825"/>
-            <a:ext cx="1433860" cy="0"/>
-          </a:xfrm>
-          <a:prstGeom prst="straightConnector1">
-            <a:avLst/>
-          </a:prstGeom>
+          <p:cNvSpPr/>
+          <p:nvPr/>
+        </p:nvSpPr>
+        <p:spPr>
+          <a:xfrm>
+            <a:off x="1161522" y="3657600"/>
+            <a:ext cx="11259078" cy="1107108"/>
+          </a:xfrm>
+          <a:prstGeom prst="rect">
+            <a:avLst/>
+          </a:prstGeom>
+          <a:noFill/>
+        </p:spPr>
+        <p:style>
+          <a:lnRef idx="2">
+            <a:schemeClr val="accent1">
+              <a:shade val="50000"/>
+            </a:schemeClr>
+          </a:lnRef>
+          <a:fillRef idx="1">
+            <a:schemeClr val="accent1"/>
+          </a:fillRef>
+          <a:effectRef idx="0">
+            <a:schemeClr val="accent1"/>
+          </a:effectRef>
+          <a:fontRef idx="minor">
+            <a:schemeClr val="lt1"/>
+          </a:fontRef>
+        </p:style>
+        <p:txBody>
+          <a:bodyPr rtlCol="0" anchor="ctr"/>
+          <a:lstStyle/>
+          <a:p>
+            <a:pPr algn="ctr"/>
+            <a:endParaRPr lang="en-SG"/>
+          </a:p>
+        </p:txBody>
+      </p:sp>
+      <p:sp>
+        <p:nvSpPr>
+          <p:cNvPr id="32" name="TextBox 31">
+            <a:extLst>
+              <a:ext uri="{FF2B5EF4-FFF2-40B4-BE49-F238E27FC236}">
+                <a16:creationId xmlns:a16="http://schemas.microsoft.com/office/drawing/2014/main" id="{A50659C5-B41E-47DE-B520-5B9E76BB9592}"/>
+              </a:ext>
+            </a:extLst>
+          </p:cNvPr>
+          <p:cNvSpPr txBox="1"/>
+          <p:nvPr/>
+        </p:nvSpPr>
+        <p:spPr>
+          <a:xfrm>
+            <a:off x="1172541" y="3671211"/>
+            <a:ext cx="341193" cy="261610"/>
+          </a:xfrm>
+          <a:prstGeom prst="rect">
+            <a:avLst/>
+          </a:prstGeom>
+          <a:noFill/>
+          <a:ln w="28575">
+            <a:solidFill>
+              <a:schemeClr val="tx2"/>
+            </a:solidFill>
+          </a:ln>
+        </p:spPr>
+        <p:txBody>
+          <a:bodyPr wrap="square" rtlCol="0">
+            <a:spAutoFit/>
+          </a:bodyPr>
+          <a:lstStyle/>
+          <a:p>
+            <a:r>
+              <a:rPr lang="en-SG" sz="1100" dirty="0"/>
+              <a:t>alt</a:t>
+            </a:r>
+            <a:endParaRPr lang="en-SG" sz="1200" dirty="0"/>
+          </a:p>
+        </p:txBody>
+      </p:sp>
+      <p:sp>
+        <p:nvSpPr>
+          <p:cNvPr id="33" name="TextBox 32">
+            <a:extLst>
+              <a:ext uri="{FF2B5EF4-FFF2-40B4-BE49-F238E27FC236}">
+                <a16:creationId xmlns:a16="http://schemas.microsoft.com/office/drawing/2014/main" id="{D534193E-E902-4C34-8911-47BF735E523F}"/>
+              </a:ext>
+            </a:extLst>
+          </p:cNvPr>
+          <p:cNvSpPr txBox="1"/>
+          <p:nvPr/>
+        </p:nvSpPr>
+        <p:spPr>
+          <a:xfrm>
+            <a:off x="1730957" y="3673757"/>
+            <a:ext cx="1359668" cy="430887"/>
+          </a:xfrm>
+          <a:prstGeom prst="rect">
+            <a:avLst/>
+          </a:prstGeom>
+          <a:noFill/>
+        </p:spPr>
+        <p:txBody>
+          <a:bodyPr wrap="none" rtlCol="0">
+            <a:spAutoFit/>
+          </a:bodyPr>
+          <a:lstStyle/>
+          <a:p>
+            <a:r>
+              <a:rPr lang="en-SG" sz="1100" dirty="0"/>
+              <a:t>[</a:t>
+            </a:r>
+            <a:r>
+              <a:rPr lang="en-SG" sz="1050" dirty="0" err="1"/>
+              <a:t>subcommand.equals</a:t>
+            </a:r>
+            <a:endParaRPr lang="en-SG" sz="1050" dirty="0"/>
+          </a:p>
+          <a:p>
+            <a:r>
+              <a:rPr lang="en-SG" sz="1050" dirty="0"/>
+              <a:t>(“auto-resize”)</a:t>
+            </a:r>
+            <a:r>
+              <a:rPr lang="en-SG" sz="1100" dirty="0"/>
+              <a:t>]</a:t>
+            </a:r>
+          </a:p>
+        </p:txBody>
+      </p:sp>
+      <p:sp>
+        <p:nvSpPr>
+          <p:cNvPr id="92" name="Rectangle 62">
+            <a:extLst>
+              <a:ext uri="{FF2B5EF4-FFF2-40B4-BE49-F238E27FC236}">
+                <a16:creationId xmlns:a16="http://schemas.microsoft.com/office/drawing/2014/main" id="{189CA505-A137-4429-BC9A-09BF03347E71}"/>
+              </a:ext>
+            </a:extLst>
+          </p:cNvPr>
+          <p:cNvSpPr/>
+          <p:nvPr/>
+        </p:nvSpPr>
+        <p:spPr>
+          <a:xfrm>
+            <a:off x="8763000" y="2362200"/>
+            <a:ext cx="1176963" cy="300180"/>
+          </a:xfrm>
+          <a:prstGeom prst="rect">
+            <a:avLst/>
+          </a:prstGeom>
+          <a:solidFill>
+            <a:srgbClr val="7030A0"/>
+          </a:solidFill>
           <a:ln w="19050">
             <a:solidFill>
               <a:srgbClr val="7030A0"/>
             </a:solidFill>
-            <a:prstDash val="sysDash"/>
-            <a:headEnd type="arrow" w="med" len="med"/>
-            <a:tailEnd type="none" w="med" len="med"/>
           </a:ln>
+          <a:effectLst/>
         </p:spPr>
         <p:style>
           <a:lnRef idx="1">
-            <a:schemeClr val="accent1"/>
+            <a:schemeClr val="accent2"/>
           </a:lnRef>
-          <a:fillRef idx="0">
-            <a:schemeClr val="accent1"/>
+          <a:fillRef idx="2">
+            <a:schemeClr val="accent2"/>
           </a:fillRef>
-          <a:effectRef idx="0">
-            <a:schemeClr val="accent1"/>
+          <a:effectRef idx="1">
+            <a:schemeClr val="accent2"/>
           </a:effectRef>
           <a:fontRef idx="minor">
-            <a:schemeClr val="tx1"/>
+            <a:schemeClr val="dk1"/>
           </a:fontRef>
         </p:style>
-      </p:cxnSp>
+        <p:txBody>
+          <a:bodyPr rtlCol="0" anchor="ctr"/>
+          <a:lstStyle/>
+          <a:p>
+            <a:pPr algn="ctr"/>
+            <a:r>
+              <a:rPr lang="en-US" sz="1600" dirty="0">
+                <a:solidFill>
+                  <a:schemeClr val="bg1"/>
+                </a:solidFill>
+              </a:rPr>
+              <a:t>: Canvas</a:t>
+            </a:r>
+            <a:endParaRPr lang="en-SG" sz="1600" dirty="0">
+              <a:solidFill>
+                <a:schemeClr val="bg1"/>
+              </a:solidFill>
+            </a:endParaRPr>
+          </a:p>
+        </p:txBody>
+      </p:sp>
+      <p:sp>
+        <p:nvSpPr>
+          <p:cNvPr id="94" name="Rectangle 93">
+            <a:extLst>
+              <a:ext uri="{FF2B5EF4-FFF2-40B4-BE49-F238E27FC236}">
+                <a16:creationId xmlns:a16="http://schemas.microsoft.com/office/drawing/2014/main" id="{8931DBBF-77EC-45FE-A74F-DB6CAAD1F36F}"/>
+              </a:ext>
+            </a:extLst>
+          </p:cNvPr>
+          <p:cNvSpPr/>
+          <p:nvPr/>
+        </p:nvSpPr>
+        <p:spPr>
+          <a:xfrm>
+            <a:off x="9265332" y="4233822"/>
+            <a:ext cx="141935" cy="195819"/>
+          </a:xfrm>
+          <a:prstGeom prst="rect">
+            <a:avLst/>
+          </a:prstGeom>
+          <a:solidFill>
+            <a:srgbClr val="7030A0"/>
+          </a:solidFill>
+          <a:ln>
+            <a:solidFill>
+              <a:srgbClr val="7030A0"/>
+            </a:solidFill>
+          </a:ln>
+          <a:effectLst/>
+        </p:spPr>
+        <p:style>
+          <a:lnRef idx="1">
+            <a:schemeClr val="accent3"/>
+          </a:lnRef>
+          <a:fillRef idx="2">
+            <a:schemeClr val="accent3"/>
+          </a:fillRef>
+          <a:effectRef idx="1">
+            <a:schemeClr val="accent3"/>
+          </a:effectRef>
+          <a:fontRef idx="minor">
+            <a:schemeClr val="dk1"/>
+          </a:fontRef>
+        </p:style>
+        <p:txBody>
+          <a:bodyPr rtlCol="0" anchor="ctr"/>
+          <a:lstStyle/>
+          <a:p>
+            <a:pPr algn="ctr"/>
+            <a:endParaRPr lang="en-SG" sz="1400" dirty="0"/>
+          </a:p>
+        </p:txBody>
+      </p:sp>
       <p:cxnSp>
         <p:nvCxnSpPr>
-          <p:cNvPr id="53" name="Straight Arrow Connector 52">
+          <p:cNvPr id="96" name="Straight Connector 95">
             <a:extLst>
               <a:ext uri="{FF2B5EF4-FFF2-40B4-BE49-F238E27FC236}">
-                <a16:creationId xmlns:a16="http://schemas.microsoft.com/office/drawing/2014/main" id="{9999E18B-C748-464D-9C7F-6DA4D6B04A30}"/>
+                <a16:creationId xmlns:a16="http://schemas.microsoft.com/office/drawing/2014/main" id="{4D8EE163-859D-4191-A6AC-3C780BB59E38}"/>
               </a:ext>
             </a:extLst>
           </p:cNvPr>
@@ -8185,40 +8629,41 @@
         </p:nvCxnSpPr>
         <p:spPr>
           <a:xfrm>
-            <a:off x="8797638" y="3040939"/>
-            <a:ext cx="1470216" cy="0"/>
-          </a:xfrm>
-          <a:prstGeom prst="straightConnector1">
+            <a:off x="9336300" y="2600926"/>
+            <a:ext cx="0" cy="4866674"/>
+          </a:xfrm>
+          <a:prstGeom prst="line">
             <a:avLst/>
           </a:prstGeom>
           <a:ln w="19050">
             <a:solidFill>
               <a:srgbClr val="7030A0"/>
             </a:solidFill>
-            <a:tailEnd type="arrow"/>
+            <a:prstDash val="sysDash"/>
           </a:ln>
+          <a:effectLst/>
         </p:spPr>
         <p:style>
           <a:lnRef idx="1">
             <a:schemeClr val="accent1"/>
           </a:lnRef>
-          <a:fillRef idx="0">
+          <a:fillRef idx="2">
             <a:schemeClr val="accent1"/>
           </a:fillRef>
-          <a:effectRef idx="0">
+          <a:effectRef idx="1">
             <a:schemeClr val="accent1"/>
           </a:effectRef>
           <a:fontRef idx="minor">
-            <a:schemeClr val="tx1"/>
+            <a:schemeClr val="dk1"/>
           </a:fontRef>
         </p:style>
       </p:cxnSp>
       <p:sp>
         <p:nvSpPr>
-          <p:cNvPr id="68" name="TextBox 67">
+          <p:cNvPr id="97" name="TextBox 96">
             <a:extLst>
               <a:ext uri="{FF2B5EF4-FFF2-40B4-BE49-F238E27FC236}">
-                <a16:creationId xmlns:a16="http://schemas.microsoft.com/office/drawing/2014/main" id="{97EAC605-6CD7-964D-B391-19A3747A5F74}"/>
+                <a16:creationId xmlns:a16="http://schemas.microsoft.com/office/drawing/2014/main" id="{56055C65-F5BB-480A-B3AC-D4E611D788DC}"/>
               </a:ext>
             </a:extLst>
           </p:cNvPr>
@@ -8227,8 +8672,8 @@
         </p:nvSpPr>
         <p:spPr>
           <a:xfrm>
-            <a:off x="8852409" y="2835906"/>
-            <a:ext cx="1297860" cy="184666"/>
+            <a:off x="7581085" y="4002720"/>
+            <a:ext cx="1525296" cy="184666"/>
           </a:xfrm>
           <a:prstGeom prst="rect">
             <a:avLst/>
@@ -8263,7 +8708,7 @@
                   </a:schemeClr>
                 </a:solidFill>
               </a:rPr>
-              <a:t>addTransformation</a:t>
+              <a:t>setCanvasAuto</a:t>
             </a:r>
             <a:r>
               <a:rPr lang="en-US" sz="1200" dirty="0">
@@ -8273,17 +8718,17 @@
                   </a:schemeClr>
                 </a:solidFill>
               </a:rPr>
-              <a:t>()</a:t>
+              <a:t>(auto)</a:t>
             </a:r>
           </a:p>
         </p:txBody>
       </p:sp>
       <p:cxnSp>
         <p:nvCxnSpPr>
-          <p:cNvPr id="70" name="Straight Connector 69">
+          <p:cNvPr id="98" name="Straight Arrow Connector 97">
             <a:extLst>
               <a:ext uri="{FF2B5EF4-FFF2-40B4-BE49-F238E27FC236}">
-                <a16:creationId xmlns:a16="http://schemas.microsoft.com/office/drawing/2014/main" id="{D5B44BAD-122F-EC44-9E14-F641648C5E69}"/>
+                <a16:creationId xmlns:a16="http://schemas.microsoft.com/office/drawing/2014/main" id="{C21DC645-EC5E-464F-94FE-92EA654EEF29}"/>
               </a:ext>
             </a:extLst>
           </p:cNvPr>
@@ -8294,8 +8739,99 @@
         </p:nvCxnSpPr>
         <p:spPr>
           <a:xfrm>
-            <a:off x="10312669" y="2591793"/>
-            <a:ext cx="9138" cy="2428274"/>
+            <a:off x="7349532" y="4230898"/>
+            <a:ext cx="1915800" cy="0"/>
+          </a:xfrm>
+          <a:prstGeom prst="straightConnector1">
+            <a:avLst/>
+          </a:prstGeom>
+          <a:ln w="19050">
+            <a:solidFill>
+              <a:srgbClr val="7030A0"/>
+            </a:solidFill>
+            <a:tailEnd type="arrow"/>
+          </a:ln>
+        </p:spPr>
+        <p:style>
+          <a:lnRef idx="1">
+            <a:schemeClr val="accent1"/>
+          </a:lnRef>
+          <a:fillRef idx="0">
+            <a:schemeClr val="accent1"/>
+          </a:fillRef>
+          <a:effectRef idx="0">
+            <a:schemeClr val="accent1"/>
+          </a:effectRef>
+          <a:fontRef idx="minor">
+            <a:schemeClr val="tx1"/>
+          </a:fontRef>
+        </p:style>
+      </p:cxnSp>
+      <p:cxnSp>
+        <p:nvCxnSpPr>
+          <p:cNvPr id="99" name="Straight Arrow Connector 98">
+            <a:extLst>
+              <a:ext uri="{FF2B5EF4-FFF2-40B4-BE49-F238E27FC236}">
+                <a16:creationId xmlns:a16="http://schemas.microsoft.com/office/drawing/2014/main" id="{B7AB861F-3B42-4216-8388-E2A924A9365A}"/>
+              </a:ext>
+            </a:extLst>
+          </p:cNvPr>
+          <p:cNvCxnSpPr>
+            <a:cxnSpLocks/>
+            <a:endCxn id="94" idx="2"/>
+          </p:cNvCxnSpPr>
+          <p:nvPr/>
+        </p:nvCxnSpPr>
+        <p:spPr>
+          <a:xfrm>
+            <a:off x="7339782" y="4425747"/>
+            <a:ext cx="1996518" cy="3894"/>
+          </a:xfrm>
+          <a:prstGeom prst="straightConnector1">
+            <a:avLst/>
+          </a:prstGeom>
+          <a:ln w="19050">
+            <a:solidFill>
+              <a:srgbClr val="7030A0"/>
+            </a:solidFill>
+            <a:prstDash val="sysDash"/>
+            <a:headEnd type="arrow" w="med" len="med"/>
+            <a:tailEnd type="none" w="med" len="med"/>
+          </a:ln>
+        </p:spPr>
+        <p:style>
+          <a:lnRef idx="1">
+            <a:schemeClr val="accent1"/>
+          </a:lnRef>
+          <a:fillRef idx="0">
+            <a:schemeClr val="accent1"/>
+          </a:fillRef>
+          <a:effectRef idx="0">
+            <a:schemeClr val="accent1"/>
+          </a:effectRef>
+          <a:fontRef idx="minor">
+            <a:schemeClr val="tx1"/>
+          </a:fontRef>
+        </p:style>
+      </p:cxnSp>
+      <p:cxnSp>
+        <p:nvCxnSpPr>
+          <p:cNvPr id="102" name="Straight Connector 101">
+            <a:extLst>
+              <a:ext uri="{FF2B5EF4-FFF2-40B4-BE49-F238E27FC236}">
+                <a16:creationId xmlns:a16="http://schemas.microsoft.com/office/drawing/2014/main" id="{D7BFEF81-30EE-4826-8AEB-348B9EA8244F}"/>
+              </a:ext>
+            </a:extLst>
+          </p:cNvPr>
+          <p:cNvCxnSpPr>
+            <a:cxnSpLocks/>
+          </p:cNvCxnSpPr>
+          <p:nvPr/>
+        </p:nvCxnSpPr>
+        <p:spPr>
+          <a:xfrm>
+            <a:off x="11745171" y="2581962"/>
+            <a:ext cx="0" cy="4885638"/>
           </a:xfrm>
           <a:prstGeom prst="line">
             <a:avLst/>
@@ -8325,10 +8861,10 @@
       </p:cxnSp>
       <p:sp>
         <p:nvSpPr>
-          <p:cNvPr id="71" name="Rectangle 70">
+          <p:cNvPr id="103" name="Rectangle 102">
             <a:extLst>
               <a:ext uri="{FF2B5EF4-FFF2-40B4-BE49-F238E27FC236}">
-                <a16:creationId xmlns:a16="http://schemas.microsoft.com/office/drawing/2014/main" id="{6EF4DA53-E32B-6543-BEA9-163FB9D8318A}"/>
+                <a16:creationId xmlns:a16="http://schemas.microsoft.com/office/drawing/2014/main" id="{BE74BAA3-C087-4000-B5D2-C74E2BDE44E3}"/>
               </a:ext>
             </a:extLst>
           </p:cNvPr>
@@ -8337,7 +8873,7 @@
         </p:nvSpPr>
         <p:spPr>
           <a:xfrm>
-            <a:off x="10249765" y="2999567"/>
+            <a:off x="11678772" y="4211154"/>
             <a:ext cx="141935" cy="195819"/>
           </a:xfrm>
           <a:prstGeom prst="rect">
@@ -8376,58 +8912,12 @@
           </a:p>
         </p:txBody>
       </p:sp>
-      <p:cxnSp>
-        <p:nvCxnSpPr>
-          <p:cNvPr id="73" name="Straight Arrow Connector 72">
+      <p:sp>
+        <p:nvSpPr>
+          <p:cNvPr id="105" name="Rectangle 62">
             <a:extLst>
               <a:ext uri="{FF2B5EF4-FFF2-40B4-BE49-F238E27FC236}">
-                <a16:creationId xmlns:a16="http://schemas.microsoft.com/office/drawing/2014/main" id="{61B91CAA-29D9-204D-867F-0D964C2B1C33}"/>
-              </a:ext>
-            </a:extLst>
-          </p:cNvPr>
-          <p:cNvCxnSpPr>
-            <a:cxnSpLocks/>
-          </p:cNvCxnSpPr>
-          <p:nvPr/>
-        </p:nvCxnSpPr>
-        <p:spPr>
-          <a:xfrm flipV="1">
-            <a:off x="8777706" y="3153094"/>
-            <a:ext cx="1470216" cy="6325"/>
-          </a:xfrm>
-          <a:prstGeom prst="straightConnector1">
-            <a:avLst/>
-          </a:prstGeom>
-          <a:ln w="19050">
-            <a:solidFill>
-              <a:srgbClr val="7030A0"/>
-            </a:solidFill>
-            <a:prstDash val="sysDash"/>
-            <a:headEnd type="arrow" w="med" len="med"/>
-            <a:tailEnd type="none" w="med" len="med"/>
-          </a:ln>
-        </p:spPr>
-        <p:style>
-          <a:lnRef idx="1">
-            <a:schemeClr val="accent1"/>
-          </a:lnRef>
-          <a:fillRef idx="0">
-            <a:schemeClr val="accent1"/>
-          </a:fillRef>
-          <a:effectRef idx="0">
-            <a:schemeClr val="accent1"/>
-          </a:effectRef>
-          <a:fontRef idx="minor">
-            <a:schemeClr val="tx1"/>
-          </a:fontRef>
-        </p:style>
-      </p:cxnSp>
-      <p:sp>
-        <p:nvSpPr>
-          <p:cNvPr id="77" name="Rectangle 62">
-            <a:extLst>
-              <a:ext uri="{FF2B5EF4-FFF2-40B4-BE49-F238E27FC236}">
-                <a16:creationId xmlns:a16="http://schemas.microsoft.com/office/drawing/2014/main" id="{A6DFBFC6-5D15-8848-9907-068558B6E5CD}"/>
+                <a16:creationId xmlns:a16="http://schemas.microsoft.com/office/drawing/2014/main" id="{BE836737-F13B-4B80-8D9A-6D6A97D65A97}"/>
               </a:ext>
             </a:extLst>
           </p:cNvPr>
@@ -8436,8 +8926,8 @@
         </p:nvSpPr>
         <p:spPr>
           <a:xfrm>
-            <a:off x="9704813" y="2448844"/>
-            <a:ext cx="908780" cy="250672"/>
+            <a:off x="11207020" y="2358734"/>
+            <a:ext cx="908780" cy="303645"/>
           </a:xfrm>
           <a:prstGeom prst="rect">
             <a:avLst/>
@@ -8489,10 +8979,10 @@
       </p:sp>
       <p:sp>
         <p:nvSpPr>
-          <p:cNvPr id="78" name="TextBox 77">
+          <p:cNvPr id="71" name="TextBox 70">
             <a:extLst>
               <a:ext uri="{FF2B5EF4-FFF2-40B4-BE49-F238E27FC236}">
-                <a16:creationId xmlns:a16="http://schemas.microsoft.com/office/drawing/2014/main" id="{0772AC28-6CCA-D043-ABB2-97A18FBB6317}"/>
+                <a16:creationId xmlns:a16="http://schemas.microsoft.com/office/drawing/2014/main" id="{BD848E80-B0E7-4088-8EA1-20ACF25BF931}"/>
               </a:ext>
             </a:extLst>
           </p:cNvPr>
@@ -8501,8 +8991,367 @@
         </p:nvSpPr>
         <p:spPr>
           <a:xfrm>
-            <a:off x="6987213" y="5029200"/>
-            <a:ext cx="258404" cy="261610"/>
+            <a:off x="3281893" y="5491674"/>
+            <a:ext cx="621216" cy="236988"/>
+          </a:xfrm>
+          <a:prstGeom prst="rect">
+            <a:avLst/>
+          </a:prstGeom>
+          <a:noFill/>
+        </p:spPr>
+        <p:txBody>
+          <a:bodyPr wrap="square" lIns="0" tIns="0" rIns="0" bIns="0" rtlCol="0">
+            <a:spAutoFit/>
+          </a:bodyPr>
+          <a:lstStyle>
+            <a:defPPr>
+              <a:defRPr lang="en-US"/>
+            </a:defPPr>
+            <a:lvl1pPr algn="r">
+              <a:defRPr sz="1400">
+                <a:solidFill>
+                  <a:srgbClr val="0070C0"/>
+                </a:solidFill>
+              </a:defRPr>
+            </a:lvl1pPr>
+          </a:lstStyle>
+          <a:p>
+            <a:r>
+              <a:rPr lang="en-US" dirty="0"/>
+              <a:t>result</a:t>
+            </a:r>
+          </a:p>
+        </p:txBody>
+      </p:sp>
+      <p:cxnSp>
+        <p:nvCxnSpPr>
+          <p:cNvPr id="72" name="Straight Arrow Connector 71">
+            <a:extLst>
+              <a:ext uri="{FF2B5EF4-FFF2-40B4-BE49-F238E27FC236}">
+                <a16:creationId xmlns:a16="http://schemas.microsoft.com/office/drawing/2014/main" id="{6D8A9B34-F9AC-4F2F-A583-FC67B1500EB6}"/>
+              </a:ext>
+            </a:extLst>
+          </p:cNvPr>
+          <p:cNvCxnSpPr>
+            <a:cxnSpLocks/>
+          </p:cNvCxnSpPr>
+          <p:nvPr/>
+        </p:nvCxnSpPr>
+        <p:spPr>
+          <a:xfrm>
+            <a:off x="1700489" y="5750892"/>
+            <a:ext cx="3831517" cy="0"/>
+          </a:xfrm>
+          <a:prstGeom prst="straightConnector1">
+            <a:avLst/>
+          </a:prstGeom>
+          <a:ln w="19050">
+            <a:solidFill>
+              <a:srgbClr val="0070C0"/>
+            </a:solidFill>
+            <a:prstDash val="sysDash"/>
+            <a:headEnd type="arrow" w="med" len="med"/>
+            <a:tailEnd type="none" w="med" len="med"/>
+          </a:ln>
+        </p:spPr>
+        <p:style>
+          <a:lnRef idx="1">
+            <a:schemeClr val="accent1"/>
+          </a:lnRef>
+          <a:fillRef idx="0">
+            <a:schemeClr val="accent1"/>
+          </a:fillRef>
+          <a:effectRef idx="0">
+            <a:schemeClr val="accent1"/>
+          </a:effectRef>
+          <a:fontRef idx="minor">
+            <a:schemeClr val="tx1"/>
+          </a:fontRef>
+        </p:style>
+      </p:cxnSp>
+      <p:sp>
+        <p:nvSpPr>
+          <p:cNvPr id="73" name="Rectangle 72">
+            <a:extLst>
+              <a:ext uri="{FF2B5EF4-FFF2-40B4-BE49-F238E27FC236}">
+                <a16:creationId xmlns:a16="http://schemas.microsoft.com/office/drawing/2014/main" id="{70E72223-18E2-462B-A8B9-4CD909B270DF}"/>
+              </a:ext>
+            </a:extLst>
+          </p:cNvPr>
+          <p:cNvSpPr/>
+          <p:nvPr/>
+        </p:nvSpPr>
+        <p:spPr>
+          <a:xfrm>
+            <a:off x="7204884" y="5246565"/>
+            <a:ext cx="152505" cy="375718"/>
+          </a:xfrm>
+          <a:prstGeom prst="rect">
+            <a:avLst/>
+          </a:prstGeom>
+          <a:solidFill>
+            <a:srgbClr val="7030A0"/>
+          </a:solidFill>
+          <a:ln>
+            <a:solidFill>
+              <a:srgbClr val="7030A0"/>
+            </a:solidFill>
+          </a:ln>
+          <a:effectLst/>
+        </p:spPr>
+        <p:style>
+          <a:lnRef idx="1">
+            <a:schemeClr val="accent3"/>
+          </a:lnRef>
+          <a:fillRef idx="2">
+            <a:schemeClr val="accent3"/>
+          </a:fillRef>
+          <a:effectRef idx="1">
+            <a:schemeClr val="accent3"/>
+          </a:effectRef>
+          <a:fontRef idx="minor">
+            <a:schemeClr val="dk1"/>
+          </a:fontRef>
+        </p:style>
+        <p:txBody>
+          <a:bodyPr rtlCol="0" anchor="ctr"/>
+          <a:lstStyle/>
+          <a:p>
+            <a:pPr algn="ctr"/>
+            <a:endParaRPr lang="en-SG" sz="1400"/>
+          </a:p>
+        </p:txBody>
+      </p:sp>
+      <p:cxnSp>
+        <p:nvCxnSpPr>
+          <p:cNvPr id="74" name="Straight Arrow Connector 73">
+            <a:extLst>
+              <a:ext uri="{FF2B5EF4-FFF2-40B4-BE49-F238E27FC236}">
+                <a16:creationId xmlns:a16="http://schemas.microsoft.com/office/drawing/2014/main" id="{98EB7231-B864-4152-BB49-A707D6D4A912}"/>
+              </a:ext>
+            </a:extLst>
+          </p:cNvPr>
+          <p:cNvCxnSpPr>
+            <a:cxnSpLocks/>
+          </p:cNvCxnSpPr>
+          <p:nvPr/>
+        </p:nvCxnSpPr>
+        <p:spPr>
+          <a:xfrm>
+            <a:off x="5694893" y="5269743"/>
+            <a:ext cx="1507313" cy="0"/>
+          </a:xfrm>
+          <a:prstGeom prst="straightConnector1">
+            <a:avLst/>
+          </a:prstGeom>
+          <a:ln w="19050">
+            <a:solidFill>
+              <a:srgbClr val="0070C0"/>
+            </a:solidFill>
+            <a:tailEnd type="arrow"/>
+          </a:ln>
+        </p:spPr>
+        <p:style>
+          <a:lnRef idx="1">
+            <a:schemeClr val="accent1"/>
+          </a:lnRef>
+          <a:fillRef idx="0">
+            <a:schemeClr val="accent1"/>
+          </a:fillRef>
+          <a:effectRef idx="0">
+            <a:schemeClr val="accent1"/>
+          </a:effectRef>
+          <a:fontRef idx="minor">
+            <a:schemeClr val="tx1"/>
+          </a:fontRef>
+        </p:style>
+      </p:cxnSp>
+      <p:sp>
+        <p:nvSpPr>
+          <p:cNvPr id="75" name="TextBox 74">
+            <a:extLst>
+              <a:ext uri="{FF2B5EF4-FFF2-40B4-BE49-F238E27FC236}">
+                <a16:creationId xmlns:a16="http://schemas.microsoft.com/office/drawing/2014/main" id="{1468B229-ABA9-43A9-BAE6-F00894FA7D00}"/>
+              </a:ext>
+            </a:extLst>
+          </p:cNvPr>
+          <p:cNvSpPr txBox="1"/>
+          <p:nvPr/>
+        </p:nvSpPr>
+        <p:spPr>
+          <a:xfrm>
+            <a:off x="5704768" y="4877068"/>
+            <a:ext cx="1579172" cy="369332"/>
+          </a:xfrm>
+          <a:prstGeom prst="rect">
+            <a:avLst/>
+          </a:prstGeom>
+          <a:noFill/>
+          <a:ln>
+            <a:noFill/>
+          </a:ln>
+        </p:spPr>
+        <p:txBody>
+          <a:bodyPr wrap="square" lIns="0" tIns="0" rIns="0" bIns="0" rtlCol="0">
+            <a:spAutoFit/>
+          </a:bodyPr>
+          <a:lstStyle>
+            <a:defPPr>
+              <a:defRPr lang="en-US"/>
+            </a:defPPr>
+            <a:lvl1pPr algn="r">
+              <a:defRPr sz="1400">
+                <a:solidFill>
+                  <a:srgbClr val="0070C0"/>
+                </a:solidFill>
+              </a:defRPr>
+            </a:lvl1pPr>
+          </a:lstStyle>
+          <a:p>
+            <a:pPr algn="ctr"/>
+            <a:r>
+              <a:rPr lang="en-US" sz="1200" dirty="0" err="1">
+                <a:solidFill>
+                  <a:schemeClr val="accent4">
+                    <a:lumMod val="75000"/>
+                  </a:schemeClr>
+                </a:solidFill>
+              </a:rPr>
+              <a:t>setBackgroundColor</a:t>
+            </a:r>
+            <a:endParaRPr lang="en-US" sz="1200" dirty="0">
+              <a:solidFill>
+                <a:schemeClr val="accent4">
+                  <a:lumMod val="75000"/>
+                </a:schemeClr>
+              </a:solidFill>
+            </a:endParaRPr>
+          </a:p>
+          <a:p>
+            <a:pPr algn="ctr"/>
+            <a:r>
+              <a:rPr lang="en-US" sz="1200" dirty="0">
+                <a:solidFill>
+                  <a:schemeClr val="accent4">
+                    <a:lumMod val="75000"/>
+                  </a:schemeClr>
+                </a:solidFill>
+              </a:rPr>
+              <a:t>(color)</a:t>
+            </a:r>
+          </a:p>
+        </p:txBody>
+      </p:sp>
+      <p:cxnSp>
+        <p:nvCxnSpPr>
+          <p:cNvPr id="76" name="Straight Arrow Connector 75">
+            <a:extLst>
+              <a:ext uri="{FF2B5EF4-FFF2-40B4-BE49-F238E27FC236}">
+                <a16:creationId xmlns:a16="http://schemas.microsoft.com/office/drawing/2014/main" id="{39495F2B-4D1A-4825-9AC0-1D053C0FF31C}"/>
+              </a:ext>
+            </a:extLst>
+          </p:cNvPr>
+          <p:cNvCxnSpPr>
+            <a:cxnSpLocks/>
+            <a:endCxn id="73" idx="2"/>
+          </p:cNvCxnSpPr>
+          <p:nvPr/>
+        </p:nvCxnSpPr>
+        <p:spPr>
+          <a:xfrm>
+            <a:off x="5694893" y="5622283"/>
+            <a:ext cx="1586244" cy="0"/>
+          </a:xfrm>
+          <a:prstGeom prst="straightConnector1">
+            <a:avLst/>
+          </a:prstGeom>
+          <a:ln w="19050">
+            <a:solidFill>
+              <a:srgbClr val="7030A0"/>
+            </a:solidFill>
+            <a:prstDash val="sysDash"/>
+            <a:headEnd type="arrow" w="med" len="med"/>
+            <a:tailEnd type="none" w="med" len="med"/>
+          </a:ln>
+        </p:spPr>
+        <p:style>
+          <a:lnRef idx="1">
+            <a:schemeClr val="accent1"/>
+          </a:lnRef>
+          <a:fillRef idx="0">
+            <a:schemeClr val="accent1"/>
+          </a:fillRef>
+          <a:effectRef idx="0">
+            <a:schemeClr val="accent1"/>
+          </a:effectRef>
+          <a:fontRef idx="minor">
+            <a:schemeClr val="tx1"/>
+          </a:fontRef>
+        </p:style>
+      </p:cxnSp>
+      <p:sp>
+        <p:nvSpPr>
+          <p:cNvPr id="77" name="Rectangle 76">
+            <a:extLst>
+              <a:ext uri="{FF2B5EF4-FFF2-40B4-BE49-F238E27FC236}">
+                <a16:creationId xmlns:a16="http://schemas.microsoft.com/office/drawing/2014/main" id="{5ED57C76-4593-40AF-B841-3C174DC3ED49}"/>
+              </a:ext>
+            </a:extLst>
+          </p:cNvPr>
+          <p:cNvSpPr/>
+          <p:nvPr/>
+        </p:nvSpPr>
+        <p:spPr>
+          <a:xfrm>
+            <a:off x="1161522" y="4760292"/>
+            <a:ext cx="11259078" cy="1107108"/>
+          </a:xfrm>
+          <a:prstGeom prst="rect">
+            <a:avLst/>
+          </a:prstGeom>
+          <a:noFill/>
+        </p:spPr>
+        <p:style>
+          <a:lnRef idx="2">
+            <a:schemeClr val="accent1">
+              <a:shade val="50000"/>
+            </a:schemeClr>
+          </a:lnRef>
+          <a:fillRef idx="1">
+            <a:schemeClr val="accent1"/>
+          </a:fillRef>
+          <a:effectRef idx="0">
+            <a:schemeClr val="accent1"/>
+          </a:effectRef>
+          <a:fontRef idx="minor">
+            <a:schemeClr val="lt1"/>
+          </a:fontRef>
+        </p:style>
+        <p:txBody>
+          <a:bodyPr rtlCol="0" anchor="ctr"/>
+          <a:lstStyle/>
+          <a:p>
+            <a:pPr algn="ctr"/>
+            <a:endParaRPr lang="en-SG"/>
+          </a:p>
+        </p:txBody>
+      </p:sp>
+      <p:sp>
+        <p:nvSpPr>
+          <p:cNvPr id="85" name="TextBox 84">
+            <a:extLst>
+              <a:ext uri="{FF2B5EF4-FFF2-40B4-BE49-F238E27FC236}">
+                <a16:creationId xmlns:a16="http://schemas.microsoft.com/office/drawing/2014/main" id="{B7BF8131-564F-4AFD-ABAD-94E5EFA4CDA3}"/>
+              </a:ext>
+            </a:extLst>
+          </p:cNvPr>
+          <p:cNvSpPr txBox="1"/>
+          <p:nvPr/>
+        </p:nvSpPr>
+        <p:spPr>
+          <a:xfrm>
+            <a:off x="1717420" y="4824129"/>
+            <a:ext cx="1359668" cy="430887"/>
           </a:xfrm>
           <a:prstGeom prst="rect">
             <a:avLst/>
@@ -8516,22 +9365,185 @@
           <a:lstStyle/>
           <a:p>
             <a:r>
-              <a:rPr lang="en-SG" sz="1100" dirty="0">
-                <a:solidFill>
-                  <a:srgbClr val="002060"/>
-                </a:solidFill>
-              </a:rPr>
-              <a:t>X</a:t>
-            </a:r>
-          </a:p>
-        </p:txBody>
-      </p:sp>
-      <p:sp>
-        <p:nvSpPr>
-          <p:cNvPr id="85" name="TextBox 84">
+              <a:rPr lang="en-SG" sz="1100" dirty="0"/>
+              <a:t>[</a:t>
+            </a:r>
+            <a:r>
+              <a:rPr lang="en-SG" sz="1050" dirty="0" err="1"/>
+              <a:t>subcommand.equals</a:t>
+            </a:r>
+            <a:endParaRPr lang="en-SG" sz="1050" dirty="0"/>
+          </a:p>
+          <a:p>
+            <a:r>
+              <a:rPr lang="en-SG" sz="1050" dirty="0"/>
+              <a:t>(“</a:t>
+            </a:r>
+            <a:r>
+              <a:rPr lang="en-SG" sz="1050" dirty="0" err="1"/>
+              <a:t>bgcolor</a:t>
+            </a:r>
+            <a:r>
+              <a:rPr lang="en-SG" sz="1050" dirty="0"/>
+              <a:t>”)</a:t>
+            </a:r>
+            <a:r>
+              <a:rPr lang="en-SG" sz="1100" dirty="0"/>
+              <a:t>]</a:t>
+            </a:r>
+          </a:p>
+        </p:txBody>
+      </p:sp>
+      <p:sp>
+        <p:nvSpPr>
+          <p:cNvPr id="87" name="Rectangle 86">
             <a:extLst>
               <a:ext uri="{FF2B5EF4-FFF2-40B4-BE49-F238E27FC236}">
-                <a16:creationId xmlns:a16="http://schemas.microsoft.com/office/drawing/2014/main" id="{A2AA5E9C-667D-CD42-8A1D-D3C2929DECFA}"/>
+                <a16:creationId xmlns:a16="http://schemas.microsoft.com/office/drawing/2014/main" id="{524CE77C-B4BE-4088-AE53-A08A3146F6B9}"/>
+              </a:ext>
+            </a:extLst>
+          </p:cNvPr>
+          <p:cNvSpPr/>
+          <p:nvPr/>
+        </p:nvSpPr>
+        <p:spPr>
+          <a:xfrm>
+            <a:off x="9274470" y="5336514"/>
+            <a:ext cx="141935" cy="195819"/>
+          </a:xfrm>
+          <a:prstGeom prst="rect">
+            <a:avLst/>
+          </a:prstGeom>
+          <a:solidFill>
+            <a:srgbClr val="7030A0"/>
+          </a:solidFill>
+          <a:ln>
+            <a:solidFill>
+              <a:srgbClr val="7030A0"/>
+            </a:solidFill>
+          </a:ln>
+          <a:effectLst/>
+        </p:spPr>
+        <p:style>
+          <a:lnRef idx="1">
+            <a:schemeClr val="accent3"/>
+          </a:lnRef>
+          <a:fillRef idx="2">
+            <a:schemeClr val="accent3"/>
+          </a:fillRef>
+          <a:effectRef idx="1">
+            <a:schemeClr val="accent3"/>
+          </a:effectRef>
+          <a:fontRef idx="minor">
+            <a:schemeClr val="dk1"/>
+          </a:fontRef>
+        </p:style>
+        <p:txBody>
+          <a:bodyPr rtlCol="0" anchor="ctr"/>
+          <a:lstStyle/>
+          <a:p>
+            <a:pPr algn="ctr"/>
+            <a:endParaRPr lang="en-SG" sz="1400" dirty="0"/>
+          </a:p>
+        </p:txBody>
+      </p:sp>
+      <p:cxnSp>
+        <p:nvCxnSpPr>
+          <p:cNvPr id="88" name="Straight Arrow Connector 87">
+            <a:extLst>
+              <a:ext uri="{FF2B5EF4-FFF2-40B4-BE49-F238E27FC236}">
+                <a16:creationId xmlns:a16="http://schemas.microsoft.com/office/drawing/2014/main" id="{28E2BFFF-7398-424F-A43E-1417EC63B11C}"/>
+              </a:ext>
+            </a:extLst>
+          </p:cNvPr>
+          <p:cNvCxnSpPr>
+            <a:cxnSpLocks/>
+          </p:cNvCxnSpPr>
+          <p:nvPr/>
+        </p:nvCxnSpPr>
+        <p:spPr>
+          <a:xfrm>
+            <a:off x="7358670" y="5333590"/>
+            <a:ext cx="1915800" cy="0"/>
+          </a:xfrm>
+          <a:prstGeom prst="straightConnector1">
+            <a:avLst/>
+          </a:prstGeom>
+          <a:ln w="19050">
+            <a:solidFill>
+              <a:srgbClr val="7030A0"/>
+            </a:solidFill>
+            <a:tailEnd type="arrow"/>
+          </a:ln>
+        </p:spPr>
+        <p:style>
+          <a:lnRef idx="1">
+            <a:schemeClr val="accent1"/>
+          </a:lnRef>
+          <a:fillRef idx="0">
+            <a:schemeClr val="accent1"/>
+          </a:fillRef>
+          <a:effectRef idx="0">
+            <a:schemeClr val="accent1"/>
+          </a:effectRef>
+          <a:fontRef idx="minor">
+            <a:schemeClr val="tx1"/>
+          </a:fontRef>
+        </p:style>
+      </p:cxnSp>
+      <p:cxnSp>
+        <p:nvCxnSpPr>
+          <p:cNvPr id="90" name="Straight Arrow Connector 89">
+            <a:extLst>
+              <a:ext uri="{FF2B5EF4-FFF2-40B4-BE49-F238E27FC236}">
+                <a16:creationId xmlns:a16="http://schemas.microsoft.com/office/drawing/2014/main" id="{9026B8C2-4267-4D1E-91B7-CF32CEE62AA8}"/>
+              </a:ext>
+            </a:extLst>
+          </p:cNvPr>
+          <p:cNvCxnSpPr>
+            <a:cxnSpLocks/>
+            <a:endCxn id="87" idx="2"/>
+          </p:cNvCxnSpPr>
+          <p:nvPr/>
+        </p:nvCxnSpPr>
+        <p:spPr>
+          <a:xfrm>
+            <a:off x="7348920" y="5528439"/>
+            <a:ext cx="1996518" cy="3894"/>
+          </a:xfrm>
+          <a:prstGeom prst="straightConnector1">
+            <a:avLst/>
+          </a:prstGeom>
+          <a:ln w="19050">
+            <a:solidFill>
+              <a:srgbClr val="7030A0"/>
+            </a:solidFill>
+            <a:prstDash val="sysDash"/>
+            <a:headEnd type="arrow" w="med" len="med"/>
+            <a:tailEnd type="none" w="med" len="med"/>
+          </a:ln>
+        </p:spPr>
+        <p:style>
+          <a:lnRef idx="1">
+            <a:schemeClr val="accent1"/>
+          </a:lnRef>
+          <a:fillRef idx="0">
+            <a:schemeClr val="accent1"/>
+          </a:fillRef>
+          <a:effectRef idx="0">
+            <a:schemeClr val="accent1"/>
+          </a:effectRef>
+          <a:fontRef idx="minor">
+            <a:schemeClr val="tx1"/>
+          </a:fontRef>
+        </p:style>
+      </p:cxnSp>
+      <p:sp>
+        <p:nvSpPr>
+          <p:cNvPr id="116" name="TextBox 115">
+            <a:extLst>
+              <a:ext uri="{FF2B5EF4-FFF2-40B4-BE49-F238E27FC236}">
+                <a16:creationId xmlns:a16="http://schemas.microsoft.com/office/drawing/2014/main" id="{4DB36DCB-8E71-4BB9-9D04-299C51ADD6C1}"/>
               </a:ext>
             </a:extLst>
           </p:cNvPr>
@@ -8540,8 +9552,452 @@
         </p:nvSpPr>
         <p:spPr>
           <a:xfrm>
-            <a:off x="8588301" y="5052620"/>
-            <a:ext cx="258404" cy="261610"/>
+            <a:off x="7518301" y="5084391"/>
+            <a:ext cx="1662816" cy="184666"/>
+          </a:xfrm>
+          <a:prstGeom prst="rect">
+            <a:avLst/>
+          </a:prstGeom>
+          <a:noFill/>
+          <a:ln>
+            <a:noFill/>
+          </a:ln>
+        </p:spPr>
+        <p:txBody>
+          <a:bodyPr wrap="square" lIns="0" tIns="0" rIns="0" bIns="0" rtlCol="0">
+            <a:spAutoFit/>
+          </a:bodyPr>
+          <a:lstStyle>
+            <a:defPPr>
+              <a:defRPr lang="en-US"/>
+            </a:defPPr>
+            <a:lvl1pPr algn="r">
+              <a:defRPr sz="1400">
+                <a:solidFill>
+                  <a:srgbClr val="0070C0"/>
+                </a:solidFill>
+              </a:defRPr>
+            </a:lvl1pPr>
+          </a:lstStyle>
+          <a:p>
+            <a:r>
+              <a:rPr lang="en-US" sz="1200" dirty="0" err="1">
+                <a:solidFill>
+                  <a:schemeClr val="accent4">
+                    <a:lumMod val="75000"/>
+                  </a:schemeClr>
+                </a:solidFill>
+              </a:rPr>
+              <a:t>setBackgroundColor</a:t>
+            </a:r>
+            <a:r>
+              <a:rPr lang="en-US" sz="1200" dirty="0">
+                <a:solidFill>
+                  <a:schemeClr val="accent4">
+                    <a:lumMod val="75000"/>
+                  </a:schemeClr>
+                </a:solidFill>
+              </a:rPr>
+              <a:t>(color)</a:t>
+            </a:r>
+          </a:p>
+        </p:txBody>
+      </p:sp>
+      <p:sp>
+        <p:nvSpPr>
+          <p:cNvPr id="117" name="TextBox 116">
+            <a:extLst>
+              <a:ext uri="{FF2B5EF4-FFF2-40B4-BE49-F238E27FC236}">
+                <a16:creationId xmlns:a16="http://schemas.microsoft.com/office/drawing/2014/main" id="{9A6ECFAE-7A92-4F13-856D-4E19BF2D5762}"/>
+              </a:ext>
+            </a:extLst>
+          </p:cNvPr>
+          <p:cNvSpPr txBox="1"/>
+          <p:nvPr/>
+        </p:nvSpPr>
+        <p:spPr>
+          <a:xfrm>
+            <a:off x="3281893" y="6595998"/>
+            <a:ext cx="621216" cy="236988"/>
+          </a:xfrm>
+          <a:prstGeom prst="rect">
+            <a:avLst/>
+          </a:prstGeom>
+          <a:noFill/>
+        </p:spPr>
+        <p:txBody>
+          <a:bodyPr wrap="square" lIns="0" tIns="0" rIns="0" bIns="0" rtlCol="0">
+            <a:spAutoFit/>
+          </a:bodyPr>
+          <a:lstStyle>
+            <a:defPPr>
+              <a:defRPr lang="en-US"/>
+            </a:defPPr>
+            <a:lvl1pPr algn="r">
+              <a:defRPr sz="1400">
+                <a:solidFill>
+                  <a:srgbClr val="0070C0"/>
+                </a:solidFill>
+              </a:defRPr>
+            </a:lvl1pPr>
+          </a:lstStyle>
+          <a:p>
+            <a:r>
+              <a:rPr lang="en-US" dirty="0"/>
+              <a:t>result</a:t>
+            </a:r>
+          </a:p>
+        </p:txBody>
+      </p:sp>
+      <p:cxnSp>
+        <p:nvCxnSpPr>
+          <p:cNvPr id="118" name="Straight Arrow Connector 117">
+            <a:extLst>
+              <a:ext uri="{FF2B5EF4-FFF2-40B4-BE49-F238E27FC236}">
+                <a16:creationId xmlns:a16="http://schemas.microsoft.com/office/drawing/2014/main" id="{C80DE54F-61E5-4BC7-84D5-4A323163291E}"/>
+              </a:ext>
+            </a:extLst>
+          </p:cNvPr>
+          <p:cNvCxnSpPr>
+            <a:cxnSpLocks/>
+          </p:cNvCxnSpPr>
+          <p:nvPr/>
+        </p:nvCxnSpPr>
+        <p:spPr>
+          <a:xfrm>
+            <a:off x="1700489" y="6855216"/>
+            <a:ext cx="3831517" cy="0"/>
+          </a:xfrm>
+          <a:prstGeom prst="straightConnector1">
+            <a:avLst/>
+          </a:prstGeom>
+          <a:ln w="19050">
+            <a:solidFill>
+              <a:srgbClr val="0070C0"/>
+            </a:solidFill>
+            <a:prstDash val="sysDash"/>
+            <a:headEnd type="arrow" w="med" len="med"/>
+            <a:tailEnd type="none" w="med" len="med"/>
+          </a:ln>
+        </p:spPr>
+        <p:style>
+          <a:lnRef idx="1">
+            <a:schemeClr val="accent1"/>
+          </a:lnRef>
+          <a:fillRef idx="0">
+            <a:schemeClr val="accent1"/>
+          </a:fillRef>
+          <a:effectRef idx="0">
+            <a:schemeClr val="accent1"/>
+          </a:effectRef>
+          <a:fontRef idx="minor">
+            <a:schemeClr val="tx1"/>
+          </a:fontRef>
+        </p:style>
+      </p:cxnSp>
+      <p:sp>
+        <p:nvSpPr>
+          <p:cNvPr id="119" name="Rectangle 118">
+            <a:extLst>
+              <a:ext uri="{FF2B5EF4-FFF2-40B4-BE49-F238E27FC236}">
+                <a16:creationId xmlns:a16="http://schemas.microsoft.com/office/drawing/2014/main" id="{950FF836-DFC5-49CE-A3FE-97DED588FD23}"/>
+              </a:ext>
+            </a:extLst>
+          </p:cNvPr>
+          <p:cNvSpPr/>
+          <p:nvPr/>
+        </p:nvSpPr>
+        <p:spPr>
+          <a:xfrm>
+            <a:off x="7204884" y="6350889"/>
+            <a:ext cx="152505" cy="375718"/>
+          </a:xfrm>
+          <a:prstGeom prst="rect">
+            <a:avLst/>
+          </a:prstGeom>
+          <a:solidFill>
+            <a:srgbClr val="7030A0"/>
+          </a:solidFill>
+          <a:ln>
+            <a:solidFill>
+              <a:srgbClr val="7030A0"/>
+            </a:solidFill>
+          </a:ln>
+          <a:effectLst/>
+        </p:spPr>
+        <p:style>
+          <a:lnRef idx="1">
+            <a:schemeClr val="accent3"/>
+          </a:lnRef>
+          <a:fillRef idx="2">
+            <a:schemeClr val="accent3"/>
+          </a:fillRef>
+          <a:effectRef idx="1">
+            <a:schemeClr val="accent3"/>
+          </a:effectRef>
+          <a:fontRef idx="minor">
+            <a:schemeClr val="dk1"/>
+          </a:fontRef>
+        </p:style>
+        <p:txBody>
+          <a:bodyPr rtlCol="0" anchor="ctr"/>
+          <a:lstStyle/>
+          <a:p>
+            <a:pPr algn="ctr"/>
+            <a:endParaRPr lang="en-SG" sz="1400"/>
+          </a:p>
+        </p:txBody>
+      </p:sp>
+      <p:cxnSp>
+        <p:nvCxnSpPr>
+          <p:cNvPr id="120" name="Straight Arrow Connector 119">
+            <a:extLst>
+              <a:ext uri="{FF2B5EF4-FFF2-40B4-BE49-F238E27FC236}">
+                <a16:creationId xmlns:a16="http://schemas.microsoft.com/office/drawing/2014/main" id="{6202B1FF-03B9-47AD-AD26-C920CC56CBEC}"/>
+              </a:ext>
+            </a:extLst>
+          </p:cNvPr>
+          <p:cNvCxnSpPr>
+            <a:cxnSpLocks/>
+          </p:cNvCxnSpPr>
+          <p:nvPr/>
+        </p:nvCxnSpPr>
+        <p:spPr>
+          <a:xfrm>
+            <a:off x="5694893" y="6374067"/>
+            <a:ext cx="1507313" cy="0"/>
+          </a:xfrm>
+          <a:prstGeom prst="straightConnector1">
+            <a:avLst/>
+          </a:prstGeom>
+          <a:ln w="19050">
+            <a:solidFill>
+              <a:srgbClr val="0070C0"/>
+            </a:solidFill>
+            <a:tailEnd type="arrow"/>
+          </a:ln>
+        </p:spPr>
+        <p:style>
+          <a:lnRef idx="1">
+            <a:schemeClr val="accent1"/>
+          </a:lnRef>
+          <a:fillRef idx="0">
+            <a:schemeClr val="accent1"/>
+          </a:fillRef>
+          <a:effectRef idx="0">
+            <a:schemeClr val="accent1"/>
+          </a:effectRef>
+          <a:fontRef idx="minor">
+            <a:schemeClr val="tx1"/>
+          </a:fontRef>
+        </p:style>
+      </p:cxnSp>
+      <p:sp>
+        <p:nvSpPr>
+          <p:cNvPr id="121" name="TextBox 120">
+            <a:extLst>
+              <a:ext uri="{FF2B5EF4-FFF2-40B4-BE49-F238E27FC236}">
+                <a16:creationId xmlns:a16="http://schemas.microsoft.com/office/drawing/2014/main" id="{9E56E0F0-53D7-4440-8F98-A646E04E238D}"/>
+              </a:ext>
+            </a:extLst>
+          </p:cNvPr>
+          <p:cNvSpPr txBox="1"/>
+          <p:nvPr/>
+        </p:nvSpPr>
+        <p:spPr>
+          <a:xfrm>
+            <a:off x="5704768" y="5981392"/>
+            <a:ext cx="1579172" cy="369332"/>
+          </a:xfrm>
+          <a:prstGeom prst="rect">
+            <a:avLst/>
+          </a:prstGeom>
+          <a:noFill/>
+          <a:ln>
+            <a:noFill/>
+          </a:ln>
+        </p:spPr>
+        <p:txBody>
+          <a:bodyPr wrap="square" lIns="0" tIns="0" rIns="0" bIns="0" rtlCol="0">
+            <a:spAutoFit/>
+          </a:bodyPr>
+          <a:lstStyle>
+            <a:defPPr>
+              <a:defRPr lang="en-US"/>
+            </a:defPPr>
+            <a:lvl1pPr algn="r">
+              <a:defRPr sz="1400">
+                <a:solidFill>
+                  <a:srgbClr val="0070C0"/>
+                </a:solidFill>
+              </a:defRPr>
+            </a:lvl1pPr>
+          </a:lstStyle>
+          <a:p>
+            <a:pPr algn="ctr"/>
+            <a:r>
+              <a:rPr lang="en-US" sz="1200" dirty="0" err="1">
+                <a:solidFill>
+                  <a:schemeClr val="accent4">
+                    <a:lumMod val="75000"/>
+                  </a:schemeClr>
+                </a:solidFill>
+              </a:rPr>
+              <a:t>setCanvasSize</a:t>
+            </a:r>
+            <a:endParaRPr lang="en-US" sz="1200" dirty="0">
+              <a:solidFill>
+                <a:schemeClr val="accent4">
+                  <a:lumMod val="75000"/>
+                </a:schemeClr>
+              </a:solidFill>
+            </a:endParaRPr>
+          </a:p>
+          <a:p>
+            <a:pPr algn="ctr"/>
+            <a:r>
+              <a:rPr lang="en-US" sz="1200" dirty="0">
+                <a:solidFill>
+                  <a:schemeClr val="accent4">
+                    <a:lumMod val="75000"/>
+                  </a:schemeClr>
+                </a:solidFill>
+              </a:rPr>
+              <a:t>(</a:t>
+            </a:r>
+            <a:r>
+              <a:rPr lang="en-US" sz="1200" dirty="0" err="1">
+                <a:solidFill>
+                  <a:schemeClr val="accent4">
+                    <a:lumMod val="75000"/>
+                  </a:schemeClr>
+                </a:solidFill>
+              </a:rPr>
+              <a:t>height,width</a:t>
+            </a:r>
+            <a:r>
+              <a:rPr lang="en-US" sz="1200" dirty="0">
+                <a:solidFill>
+                  <a:schemeClr val="accent4">
+                    <a:lumMod val="75000"/>
+                  </a:schemeClr>
+                </a:solidFill>
+              </a:rPr>
+              <a:t>)</a:t>
+            </a:r>
+          </a:p>
+        </p:txBody>
+      </p:sp>
+      <p:cxnSp>
+        <p:nvCxnSpPr>
+          <p:cNvPr id="122" name="Straight Arrow Connector 121">
+            <a:extLst>
+              <a:ext uri="{FF2B5EF4-FFF2-40B4-BE49-F238E27FC236}">
+                <a16:creationId xmlns:a16="http://schemas.microsoft.com/office/drawing/2014/main" id="{142CE05A-4C85-4FF2-8C6E-784B9E9B8346}"/>
+              </a:ext>
+            </a:extLst>
+          </p:cNvPr>
+          <p:cNvCxnSpPr>
+            <a:cxnSpLocks/>
+            <a:endCxn id="119" idx="2"/>
+          </p:cNvCxnSpPr>
+          <p:nvPr/>
+        </p:nvCxnSpPr>
+        <p:spPr>
+          <a:xfrm>
+            <a:off x="5694893" y="6726607"/>
+            <a:ext cx="1586244" cy="0"/>
+          </a:xfrm>
+          <a:prstGeom prst="straightConnector1">
+            <a:avLst/>
+          </a:prstGeom>
+          <a:ln w="19050">
+            <a:solidFill>
+              <a:srgbClr val="7030A0"/>
+            </a:solidFill>
+            <a:prstDash val="sysDash"/>
+            <a:headEnd type="arrow" w="med" len="med"/>
+            <a:tailEnd type="none" w="med" len="med"/>
+          </a:ln>
+        </p:spPr>
+        <p:style>
+          <a:lnRef idx="1">
+            <a:schemeClr val="accent1"/>
+          </a:lnRef>
+          <a:fillRef idx="0">
+            <a:schemeClr val="accent1"/>
+          </a:fillRef>
+          <a:effectRef idx="0">
+            <a:schemeClr val="accent1"/>
+          </a:effectRef>
+          <a:fontRef idx="minor">
+            <a:schemeClr val="tx1"/>
+          </a:fontRef>
+        </p:style>
+      </p:cxnSp>
+      <p:sp>
+        <p:nvSpPr>
+          <p:cNvPr id="123" name="Rectangle 122">
+            <a:extLst>
+              <a:ext uri="{FF2B5EF4-FFF2-40B4-BE49-F238E27FC236}">
+                <a16:creationId xmlns:a16="http://schemas.microsoft.com/office/drawing/2014/main" id="{743BE1F3-FFA8-4729-ADD0-3F32203F75F3}"/>
+              </a:ext>
+            </a:extLst>
+          </p:cNvPr>
+          <p:cNvSpPr/>
+          <p:nvPr/>
+        </p:nvSpPr>
+        <p:spPr>
+          <a:xfrm>
+            <a:off x="1161522" y="5864616"/>
+            <a:ext cx="11259078" cy="1107108"/>
+          </a:xfrm>
+          <a:prstGeom prst="rect">
+            <a:avLst/>
+          </a:prstGeom>
+          <a:noFill/>
+        </p:spPr>
+        <p:style>
+          <a:lnRef idx="2">
+            <a:schemeClr val="accent1">
+              <a:shade val="50000"/>
+            </a:schemeClr>
+          </a:lnRef>
+          <a:fillRef idx="1">
+            <a:schemeClr val="accent1"/>
+          </a:fillRef>
+          <a:effectRef idx="0">
+            <a:schemeClr val="accent1"/>
+          </a:effectRef>
+          <a:fontRef idx="minor">
+            <a:schemeClr val="lt1"/>
+          </a:fontRef>
+        </p:style>
+        <p:txBody>
+          <a:bodyPr rtlCol="0" anchor="ctr"/>
+          <a:lstStyle/>
+          <a:p>
+            <a:pPr algn="ctr"/>
+            <a:endParaRPr lang="en-SG"/>
+          </a:p>
+        </p:txBody>
+      </p:sp>
+      <p:sp>
+        <p:nvSpPr>
+          <p:cNvPr id="124" name="TextBox 123">
+            <a:extLst>
+              <a:ext uri="{FF2B5EF4-FFF2-40B4-BE49-F238E27FC236}">
+                <a16:creationId xmlns:a16="http://schemas.microsoft.com/office/drawing/2014/main" id="{6F427E76-90CE-4AD1-AF18-F18AB62E7AB3}"/>
+              </a:ext>
+            </a:extLst>
+          </p:cNvPr>
+          <p:cNvSpPr txBox="1"/>
+          <p:nvPr/>
+        </p:nvSpPr>
+        <p:spPr>
+          <a:xfrm>
+            <a:off x="1664629" y="5889630"/>
+            <a:ext cx="1359668" cy="430887"/>
           </a:xfrm>
           <a:prstGeom prst="rect">
             <a:avLst/>
@@ -8555,22 +10011,177 @@
           <a:lstStyle/>
           <a:p>
             <a:r>
-              <a:rPr lang="en-SG" sz="1100" dirty="0">
-                <a:solidFill>
-                  <a:srgbClr val="002060"/>
-                </a:solidFill>
-              </a:rPr>
-              <a:t>X</a:t>
-            </a:r>
-          </a:p>
-        </p:txBody>
-      </p:sp>
-      <p:sp>
-        <p:nvSpPr>
-          <p:cNvPr id="87" name="TextBox 86">
+              <a:rPr lang="en-SG" sz="1100" dirty="0"/>
+              <a:t>[</a:t>
+            </a:r>
+            <a:r>
+              <a:rPr lang="en-SG" sz="1050" dirty="0" err="1"/>
+              <a:t>subcommand.equals</a:t>
+            </a:r>
+            <a:endParaRPr lang="en-SG" sz="1050" dirty="0"/>
+          </a:p>
+          <a:p>
+            <a:r>
+              <a:rPr lang="en-SG" sz="1050" dirty="0"/>
+              <a:t>(“size”)</a:t>
+            </a:r>
+            <a:r>
+              <a:rPr lang="en-SG" sz="1100" dirty="0"/>
+              <a:t>]</a:t>
+            </a:r>
+          </a:p>
+        </p:txBody>
+      </p:sp>
+      <p:sp>
+        <p:nvSpPr>
+          <p:cNvPr id="125" name="Rectangle 124">
             <a:extLst>
               <a:ext uri="{FF2B5EF4-FFF2-40B4-BE49-F238E27FC236}">
-                <a16:creationId xmlns:a16="http://schemas.microsoft.com/office/drawing/2014/main" id="{7E7616EC-8D41-B24C-8EA4-8F896C53E5F3}"/>
+                <a16:creationId xmlns:a16="http://schemas.microsoft.com/office/drawing/2014/main" id="{14F8F487-FC08-4F8C-8388-3D7F9B9C5D4F}"/>
+              </a:ext>
+            </a:extLst>
+          </p:cNvPr>
+          <p:cNvSpPr/>
+          <p:nvPr/>
+        </p:nvSpPr>
+        <p:spPr>
+          <a:xfrm>
+            <a:off x="9274470" y="6440838"/>
+            <a:ext cx="141935" cy="195819"/>
+          </a:xfrm>
+          <a:prstGeom prst="rect">
+            <a:avLst/>
+          </a:prstGeom>
+          <a:solidFill>
+            <a:srgbClr val="7030A0"/>
+          </a:solidFill>
+          <a:ln>
+            <a:solidFill>
+              <a:srgbClr val="7030A0"/>
+            </a:solidFill>
+          </a:ln>
+          <a:effectLst/>
+        </p:spPr>
+        <p:style>
+          <a:lnRef idx="1">
+            <a:schemeClr val="accent3"/>
+          </a:lnRef>
+          <a:fillRef idx="2">
+            <a:schemeClr val="accent3"/>
+          </a:fillRef>
+          <a:effectRef idx="1">
+            <a:schemeClr val="accent3"/>
+          </a:effectRef>
+          <a:fontRef idx="minor">
+            <a:schemeClr val="dk1"/>
+          </a:fontRef>
+        </p:style>
+        <p:txBody>
+          <a:bodyPr rtlCol="0" anchor="ctr"/>
+          <a:lstStyle/>
+          <a:p>
+            <a:pPr algn="ctr"/>
+            <a:endParaRPr lang="en-SG" sz="1400" dirty="0"/>
+          </a:p>
+        </p:txBody>
+      </p:sp>
+      <p:cxnSp>
+        <p:nvCxnSpPr>
+          <p:cNvPr id="126" name="Straight Arrow Connector 125">
+            <a:extLst>
+              <a:ext uri="{FF2B5EF4-FFF2-40B4-BE49-F238E27FC236}">
+                <a16:creationId xmlns:a16="http://schemas.microsoft.com/office/drawing/2014/main" id="{63FF19CA-CF72-4C10-BCF8-CD2CE7025BB3}"/>
+              </a:ext>
+            </a:extLst>
+          </p:cNvPr>
+          <p:cNvCxnSpPr>
+            <a:cxnSpLocks/>
+          </p:cNvCxnSpPr>
+          <p:nvPr/>
+        </p:nvCxnSpPr>
+        <p:spPr>
+          <a:xfrm>
+            <a:off x="7358670" y="6437914"/>
+            <a:ext cx="1915800" cy="0"/>
+          </a:xfrm>
+          <a:prstGeom prst="straightConnector1">
+            <a:avLst/>
+          </a:prstGeom>
+          <a:ln w="19050">
+            <a:solidFill>
+              <a:srgbClr val="7030A0"/>
+            </a:solidFill>
+            <a:tailEnd type="arrow"/>
+          </a:ln>
+        </p:spPr>
+        <p:style>
+          <a:lnRef idx="1">
+            <a:schemeClr val="accent1"/>
+          </a:lnRef>
+          <a:fillRef idx="0">
+            <a:schemeClr val="accent1"/>
+          </a:fillRef>
+          <a:effectRef idx="0">
+            <a:schemeClr val="accent1"/>
+          </a:effectRef>
+          <a:fontRef idx="minor">
+            <a:schemeClr val="tx1"/>
+          </a:fontRef>
+        </p:style>
+      </p:cxnSp>
+      <p:cxnSp>
+        <p:nvCxnSpPr>
+          <p:cNvPr id="127" name="Straight Arrow Connector 126">
+            <a:extLst>
+              <a:ext uri="{FF2B5EF4-FFF2-40B4-BE49-F238E27FC236}">
+                <a16:creationId xmlns:a16="http://schemas.microsoft.com/office/drawing/2014/main" id="{55EE1193-9409-48CA-AC09-9386D055E085}"/>
+              </a:ext>
+            </a:extLst>
+          </p:cNvPr>
+          <p:cNvCxnSpPr>
+            <a:cxnSpLocks/>
+            <a:endCxn id="125" idx="2"/>
+          </p:cNvCxnSpPr>
+          <p:nvPr/>
+        </p:nvCxnSpPr>
+        <p:spPr>
+          <a:xfrm>
+            <a:off x="7348920" y="6632763"/>
+            <a:ext cx="1996518" cy="3894"/>
+          </a:xfrm>
+          <a:prstGeom prst="straightConnector1">
+            <a:avLst/>
+          </a:prstGeom>
+          <a:ln w="19050">
+            <a:solidFill>
+              <a:srgbClr val="7030A0"/>
+            </a:solidFill>
+            <a:prstDash val="sysDash"/>
+            <a:headEnd type="arrow" w="med" len="med"/>
+            <a:tailEnd type="none" w="med" len="med"/>
+          </a:ln>
+        </p:spPr>
+        <p:style>
+          <a:lnRef idx="1">
+            <a:schemeClr val="accent1"/>
+          </a:lnRef>
+          <a:fillRef idx="0">
+            <a:schemeClr val="accent1"/>
+          </a:fillRef>
+          <a:effectRef idx="0">
+            <a:schemeClr val="accent1"/>
+          </a:effectRef>
+          <a:fontRef idx="minor">
+            <a:schemeClr val="tx1"/>
+          </a:fontRef>
+        </p:style>
+      </p:cxnSp>
+      <p:sp>
+        <p:nvSpPr>
+          <p:cNvPr id="129" name="TextBox 128">
+            <a:extLst>
+              <a:ext uri="{FF2B5EF4-FFF2-40B4-BE49-F238E27FC236}">
+                <a16:creationId xmlns:a16="http://schemas.microsoft.com/office/drawing/2014/main" id="{C0546A10-43CC-470A-A519-0D1BD80F321D}"/>
               </a:ext>
             </a:extLst>
           </p:cNvPr>
@@ -8579,27 +10190,84 @@
         </p:nvSpPr>
         <p:spPr>
           <a:xfrm>
-            <a:off x="10197164" y="5040434"/>
-            <a:ext cx="258404" cy="261610"/>
+            <a:off x="7556141" y="6058400"/>
+            <a:ext cx="1579172" cy="369332"/>
           </a:xfrm>
           <a:prstGeom prst="rect">
             <a:avLst/>
           </a:prstGeom>
           <a:noFill/>
-        </p:spPr>
-        <p:txBody>
-          <a:bodyPr wrap="none" rtlCol="0">
+          <a:ln>
+            <a:noFill/>
+          </a:ln>
+        </p:spPr>
+        <p:txBody>
+          <a:bodyPr wrap="square" lIns="0" tIns="0" rIns="0" bIns="0" rtlCol="0">
             <a:spAutoFit/>
           </a:bodyPr>
-          <a:lstStyle/>
-          <a:p>
-            <a:r>
-              <a:rPr lang="en-SG" sz="1100" dirty="0">
+          <a:lstStyle>
+            <a:defPPr>
+              <a:defRPr lang="en-US"/>
+            </a:defPPr>
+            <a:lvl1pPr algn="r">
+              <a:defRPr sz="1400">
                 <a:solidFill>
-                  <a:srgbClr val="002060"/>
+                  <a:srgbClr val="0070C0"/>
+                </a:solidFill>
+              </a:defRPr>
+            </a:lvl1pPr>
+          </a:lstStyle>
+          <a:p>
+            <a:pPr algn="ctr"/>
+            <a:r>
+              <a:rPr lang="en-US" sz="1200" dirty="0" err="1">
+                <a:solidFill>
+                  <a:schemeClr val="accent4">
+                    <a:lumMod val="75000"/>
+                  </a:schemeClr>
                 </a:solidFill>
               </a:rPr>
-              <a:t>X</a:t>
+              <a:t>setCanvasSize</a:t>
+            </a:r>
+            <a:endParaRPr lang="en-US" sz="1200" dirty="0">
+              <a:solidFill>
+                <a:schemeClr val="accent4">
+                  <a:lumMod val="75000"/>
+                </a:schemeClr>
+              </a:solidFill>
+            </a:endParaRPr>
+          </a:p>
+          <a:p>
+            <a:pPr algn="ctr"/>
+            <a:r>
+              <a:rPr lang="en-US" sz="1200" dirty="0">
+                <a:solidFill>
+                  <a:schemeClr val="accent4">
+                    <a:lumMod val="75000"/>
+                  </a:schemeClr>
+                </a:solidFill>
+              </a:rPr>
+              <a:t>(</a:t>
+            </a:r>
+            <a:r>
+              <a:rPr lang="en-US" sz="1200" dirty="0" err="1">
+                <a:solidFill>
+                  <a:schemeClr val="accent4">
+                    <a:lumMod val="75000"/>
+                  </a:schemeClr>
+                </a:solidFill>
+              </a:rPr>
+              <a:t>height,width</a:t>
+            </a:r>
+            <a:r>
+              <a:rPr lang="en-US" sz="1200" dirty="0">
+                <a:solidFill>
+                  <a:schemeClr val="accent4">
+                    <a:lumMod val="75000"/>
+                  </a:schemeClr>
+                </a:solidFill>
+              </a:rPr>
+              <a:t>)</a:t>
             </a:r>
           </a:p>
         </p:txBody>
@@ -8607,7 +10275,7 @@
     </p:spTree>
     <p:extLst>
       <p:ext uri="{BB962C8B-B14F-4D97-AF65-F5344CB8AC3E}">
-        <p14:creationId xmlns:p14="http://schemas.microsoft.com/office/powerpoint/2010/main" val="138082856"/>
+        <p14:creationId xmlns:p14="http://schemas.microsoft.com/office/powerpoint/2010/main" val="430253106"/>
       </p:ext>
     </p:extLst>
   </p:cSld>
